--- a/Whiteboard design session/WDS trainer presentation - Enterprise-class networking in Azure.pptx
+++ b/Whiteboard design session/WDS trainer presentation - Enterprise-class networking in Azure.pptx
@@ -20,31 +20,31 @@
     <p:sldId id="327" r:id="rId11"/>
     <p:sldId id="328" r:id="rId12"/>
     <p:sldId id="329" r:id="rId13"/>
-    <p:sldId id="368" r:id="rId14"/>
-    <p:sldId id="303" r:id="rId15"/>
-    <p:sldId id="330" r:id="rId16"/>
-    <p:sldId id="370" r:id="rId17"/>
-    <p:sldId id="304" r:id="rId18"/>
-    <p:sldId id="331" r:id="rId19"/>
-    <p:sldId id="366" r:id="rId20"/>
-    <p:sldId id="320" r:id="rId21"/>
-    <p:sldId id="322" r:id="rId22"/>
-    <p:sldId id="321" r:id="rId23"/>
-    <p:sldId id="317" r:id="rId24"/>
-    <p:sldId id="316" r:id="rId25"/>
-    <p:sldId id="333" r:id="rId26"/>
-    <p:sldId id="334" r:id="rId27"/>
-    <p:sldId id="367" r:id="rId28"/>
-    <p:sldId id="336" r:id="rId29"/>
-    <p:sldId id="347" r:id="rId30"/>
-    <p:sldId id="338" r:id="rId31"/>
-    <p:sldId id="372" r:id="rId32"/>
-    <p:sldId id="374" r:id="rId33"/>
-    <p:sldId id="319" r:id="rId34"/>
-    <p:sldId id="339" r:id="rId35"/>
-    <p:sldId id="340" r:id="rId36"/>
-    <p:sldId id="341" r:id="rId37"/>
-    <p:sldId id="345" r:id="rId38"/>
+    <p:sldId id="376" r:id="rId14"/>
+    <p:sldId id="368" r:id="rId15"/>
+    <p:sldId id="303" r:id="rId16"/>
+    <p:sldId id="330" r:id="rId17"/>
+    <p:sldId id="370" r:id="rId18"/>
+    <p:sldId id="304" r:id="rId19"/>
+    <p:sldId id="331" r:id="rId20"/>
+    <p:sldId id="366" r:id="rId21"/>
+    <p:sldId id="320" r:id="rId22"/>
+    <p:sldId id="322" r:id="rId23"/>
+    <p:sldId id="321" r:id="rId24"/>
+    <p:sldId id="317" r:id="rId25"/>
+    <p:sldId id="316" r:id="rId26"/>
+    <p:sldId id="333" r:id="rId27"/>
+    <p:sldId id="334" r:id="rId28"/>
+    <p:sldId id="367" r:id="rId29"/>
+    <p:sldId id="336" r:id="rId30"/>
+    <p:sldId id="347" r:id="rId31"/>
+    <p:sldId id="338" r:id="rId32"/>
+    <p:sldId id="372" r:id="rId33"/>
+    <p:sldId id="374" r:id="rId34"/>
+    <p:sldId id="319" r:id="rId35"/>
+    <p:sldId id="339" r:id="rId36"/>
+    <p:sldId id="340" r:id="rId37"/>
+    <p:sldId id="341" r:id="rId38"/>
     <p:sldId id="318" r:id="rId39"/>
     <p:sldId id="315" r:id="rId40"/>
   </p:sldIdLst>
@@ -147,10 +147,10 @@
   </p:defaultTextStyle>
   <p:extLst>
     <p:ext uri="{EFAFB233-063F-42B5-8137-9DF3F51BA10A}">
-      <p15:sldGuideLst xmlns:p15="http://schemas.microsoft.com/office/powerpoint/2012/main"/>
+      <p15:sldGuideLst xmlns:p15="http://schemas.microsoft.com/office/powerpoint/2012/main" xmlns=""/>
     </p:ext>
     <p:ext uri="{2D200454-40CA-4A62-9FC3-DE9A4176ACB9}">
-      <p15:notesGuideLst xmlns:p15="http://schemas.microsoft.com/office/powerpoint/2012/main"/>
+      <p15:notesGuideLst xmlns:p15="http://schemas.microsoft.com/office/powerpoint/2012/main" xmlns=""/>
     </p:ext>
   </p:extLst>
 </p:presentation>
@@ -244,7 +244,7 @@
           <a:p>
             <a:fld id="{52A13B17-C506-4D51-BB37-16B365906619}" type="datetimeFigureOut">
               <a:rPr lang="en-US" smtClean="0"/>
-              <a:t>9/12/2018</a:t>
+              <a:t>5/21/2019</a:t>
             </a:fld>
             <a:endParaRPr lang="en-US" dirty="0"/>
           </a:p>
@@ -989,7 +989,7 @@
     </p:spTree>
     <p:extLst>
       <p:ext uri="{BB962C8B-B14F-4D97-AF65-F5344CB8AC3E}">
-        <p14:creationId xmlns:p14="http://schemas.microsoft.com/office/powerpoint/2010/main" val="1760020910"/>
+        <p14:creationId xmlns:p14="http://schemas.microsoft.com/office/powerpoint/2010/main" val="2438471296"/>
       </p:ext>
     </p:extLst>
   </p:cSld>
@@ -1073,7 +1073,7 @@
     </p:spTree>
     <p:extLst>
       <p:ext uri="{BB962C8B-B14F-4D97-AF65-F5344CB8AC3E}">
-        <p14:creationId xmlns:p14="http://schemas.microsoft.com/office/powerpoint/2010/main" val="3292433888"/>
+        <p14:creationId xmlns:p14="http://schemas.microsoft.com/office/powerpoint/2010/main" val="1760020910"/>
       </p:ext>
     </p:extLst>
   </p:cSld>
@@ -1157,7 +1157,7 @@
     </p:spTree>
     <p:extLst>
       <p:ext uri="{BB962C8B-B14F-4D97-AF65-F5344CB8AC3E}">
-        <p14:creationId xmlns:p14="http://schemas.microsoft.com/office/powerpoint/2010/main" val="85727441"/>
+        <p14:creationId xmlns:p14="http://schemas.microsoft.com/office/powerpoint/2010/main" val="3292433888"/>
       </p:ext>
     </p:extLst>
   </p:cSld>
@@ -1241,7 +1241,7 @@
     </p:spTree>
     <p:extLst>
       <p:ext uri="{BB962C8B-B14F-4D97-AF65-F5344CB8AC3E}">
-        <p14:creationId xmlns:p14="http://schemas.microsoft.com/office/powerpoint/2010/main" val="2373254205"/>
+        <p14:creationId xmlns:p14="http://schemas.microsoft.com/office/powerpoint/2010/main" val="85727441"/>
       </p:ext>
     </p:extLst>
   </p:cSld>
@@ -1325,7 +1325,7 @@
     </p:spTree>
     <p:extLst>
       <p:ext uri="{BB962C8B-B14F-4D97-AF65-F5344CB8AC3E}">
-        <p14:creationId xmlns:p14="http://schemas.microsoft.com/office/powerpoint/2010/main" val="1669752691"/>
+        <p14:creationId xmlns:p14="http://schemas.microsoft.com/office/powerpoint/2010/main" val="2373254205"/>
       </p:ext>
     </p:extLst>
   </p:cSld>
@@ -1409,7 +1409,7 @@
     </p:spTree>
     <p:extLst>
       <p:ext uri="{BB962C8B-B14F-4D97-AF65-F5344CB8AC3E}">
-        <p14:creationId xmlns:p14="http://schemas.microsoft.com/office/powerpoint/2010/main" val="2499594279"/>
+        <p14:creationId xmlns:p14="http://schemas.microsoft.com/office/powerpoint/2010/main" val="1669752691"/>
       </p:ext>
     </p:extLst>
   </p:cSld>
@@ -1493,7 +1493,7 @@
     </p:spTree>
     <p:extLst>
       <p:ext uri="{BB962C8B-B14F-4D97-AF65-F5344CB8AC3E}">
-        <p14:creationId xmlns:p14="http://schemas.microsoft.com/office/powerpoint/2010/main" val="3693544073"/>
+        <p14:creationId xmlns:p14="http://schemas.microsoft.com/office/powerpoint/2010/main" val="2499594279"/>
       </p:ext>
     </p:extLst>
   </p:cSld>
@@ -1577,7 +1577,7 @@
     </p:spTree>
     <p:extLst>
       <p:ext uri="{BB962C8B-B14F-4D97-AF65-F5344CB8AC3E}">
-        <p14:creationId xmlns:p14="http://schemas.microsoft.com/office/powerpoint/2010/main" val="3229744285"/>
+        <p14:creationId xmlns:p14="http://schemas.microsoft.com/office/powerpoint/2010/main" val="3693544073"/>
       </p:ext>
     </p:extLst>
   </p:cSld>
@@ -1745,7 +1745,7 @@
     </p:spTree>
     <p:extLst>
       <p:ext uri="{BB962C8B-B14F-4D97-AF65-F5344CB8AC3E}">
-        <p14:creationId xmlns:p14="http://schemas.microsoft.com/office/powerpoint/2010/main" val="251902611"/>
+        <p14:creationId xmlns:p14="http://schemas.microsoft.com/office/powerpoint/2010/main" val="3229744285"/>
       </p:ext>
     </p:extLst>
   </p:cSld>
@@ -1829,7 +1829,7 @@
     </p:spTree>
     <p:extLst>
       <p:ext uri="{BB962C8B-B14F-4D97-AF65-F5344CB8AC3E}">
-        <p14:creationId xmlns:p14="http://schemas.microsoft.com/office/powerpoint/2010/main" val="1579283386"/>
+        <p14:creationId xmlns:p14="http://schemas.microsoft.com/office/powerpoint/2010/main" val="251902611"/>
       </p:ext>
     </p:extLst>
   </p:cSld>
@@ -1913,7 +1913,7 @@
     </p:spTree>
     <p:extLst>
       <p:ext uri="{BB962C8B-B14F-4D97-AF65-F5344CB8AC3E}">
-        <p14:creationId xmlns:p14="http://schemas.microsoft.com/office/powerpoint/2010/main" val="647674203"/>
+        <p14:creationId xmlns:p14="http://schemas.microsoft.com/office/powerpoint/2010/main" val="1579283386"/>
       </p:ext>
     </p:extLst>
   </p:cSld>
@@ -1967,10 +1967,7 @@
           <a:bodyPr/>
           <a:lstStyle/>
           <a:p>
-            <a:r>
-              <a:rPr lang="en-US" dirty="0"/>
-              <a:t>https://docs.microsoft.com/en-us/azure/networking/networking-virtual-datacenter</a:t>
-            </a:r>
+            <a:endParaRPr lang="en-US" dirty="0"/>
           </a:p>
         </p:txBody>
       </p:sp>
@@ -2000,7 +1997,7 @@
     </p:spTree>
     <p:extLst>
       <p:ext uri="{BB962C8B-B14F-4D97-AF65-F5344CB8AC3E}">
-        <p14:creationId xmlns:p14="http://schemas.microsoft.com/office/powerpoint/2010/main" val="4179281765"/>
+        <p14:creationId xmlns:p14="http://schemas.microsoft.com/office/powerpoint/2010/main" val="647674203"/>
       </p:ext>
     </p:extLst>
   </p:cSld>
@@ -2054,7 +2051,10 @@
           <a:bodyPr/>
           <a:lstStyle/>
           <a:p>
-            <a:endParaRPr lang="en-US" dirty="0"/>
+            <a:r>
+              <a:rPr lang="en-US" dirty="0"/>
+              <a:t>https://docs.microsoft.com/en-us/azure/networking/networking-virtual-datacenter</a:t>
+            </a:r>
           </a:p>
         </p:txBody>
       </p:sp>
@@ -2084,7 +2084,7 @@
     </p:spTree>
     <p:extLst>
       <p:ext uri="{BB962C8B-B14F-4D97-AF65-F5344CB8AC3E}">
-        <p14:creationId xmlns:p14="http://schemas.microsoft.com/office/powerpoint/2010/main" val="4256284720"/>
+        <p14:creationId xmlns:p14="http://schemas.microsoft.com/office/powerpoint/2010/main" val="4179281765"/>
       </p:ext>
     </p:extLst>
   </p:cSld>
@@ -2168,7 +2168,7 @@
     </p:spTree>
     <p:extLst>
       <p:ext uri="{BB962C8B-B14F-4D97-AF65-F5344CB8AC3E}">
-        <p14:creationId xmlns:p14="http://schemas.microsoft.com/office/powerpoint/2010/main" val="2715103920"/>
+        <p14:creationId xmlns:p14="http://schemas.microsoft.com/office/powerpoint/2010/main" val="4256284720"/>
       </p:ext>
     </p:extLst>
   </p:cSld>
@@ -2252,7 +2252,7 @@
     </p:spTree>
     <p:extLst>
       <p:ext uri="{BB962C8B-B14F-4D97-AF65-F5344CB8AC3E}">
-        <p14:creationId xmlns:p14="http://schemas.microsoft.com/office/powerpoint/2010/main" val="3907300971"/>
+        <p14:creationId xmlns:p14="http://schemas.microsoft.com/office/powerpoint/2010/main" val="2715103920"/>
       </p:ext>
     </p:extLst>
   </p:cSld>
@@ -2306,99 +2306,7 @@
           <a:bodyPr/>
           <a:lstStyle/>
           <a:p>
-            <a:r>
-              <a:rPr lang="en-US" sz="1000" kern="1200" dirty="0">
-                <a:solidFill>
-                  <a:schemeClr val="tx1"/>
-                </a:solidFill>
-                <a:effectLst/>
-                <a:latin typeface="+mn-lt"/>
-                <a:ea typeface="+mn-ea"/>
-                <a:cs typeface="+mn-cs"/>
-              </a:rPr>
-              <a:t>Information in this document, including URL and other Internet Web site references, is subject to change without notice. Unless otherwise noted, the example companies, organizations, products, domain names, e-mail addresses, logos, people, places, and events depicted herein are fictitious, and no association with any real company, organization, product, domain name, e-mail address, logo, person, place or event is intended or should be inferred. Complying with all applicable copyright laws is the responsibility of the user. Without limiting the rights under copyright, no part of this document may be reproduced, stored in or introduced into a retrieval system, or transmitted in any form or by any means (electronic, mechanical, photocopying, recording, or otherwise), or for any purpose, without the express written permission of Microsoft Corporation.</a:t>
-            </a:r>
-          </a:p>
-          <a:p>
-            <a:r>
-              <a:rPr lang="en-US" sz="1000" kern="1200" dirty="0">
-                <a:solidFill>
-                  <a:schemeClr val="tx1"/>
-                </a:solidFill>
-                <a:effectLst/>
-                <a:latin typeface="+mn-lt"/>
-                <a:ea typeface="+mn-ea"/>
-                <a:cs typeface="+mn-cs"/>
-              </a:rPr>
-              <a:t>Microsoft may have patents, patent applications, trademarks, copyrights, or other intellectual property rights covering subject matter in this document. Except as expressly provided in any written license agreement from Microsoft, the furnishing of this document does not give you any license to these patents, trademarks, copyrights, or other intellectual property.</a:t>
-            </a:r>
-          </a:p>
-          <a:p>
-            <a:r>
-              <a:rPr lang="en-US" sz="1000" kern="1200" dirty="0">
-                <a:solidFill>
-                  <a:schemeClr val="tx1"/>
-                </a:solidFill>
-                <a:effectLst/>
-                <a:latin typeface="+mn-lt"/>
-                <a:ea typeface="+mn-ea"/>
-                <a:cs typeface="+mn-cs"/>
-              </a:rPr>
-              <a:t>The names of manufacturers, products, or URLs are provided for informational purposes only and Microsoft makes no representations and warranties, either expressed, implied, or statutory, regarding these manufacturers or the use of the products with any Microsoft technologies. The inclusion of a manufacturer or product does not imply endorsement of Microsoft of the manufacturer or product. Links may be provided to third party sites. Such sites are not under the control of Microsoft and Microsoft is not responsible for the contents of any linked site or any link contained in a linked site, or any changes or updates to such sites. Microsoft is not responsible for webcasting or any other form of transmission received from any linked site. Microsoft is providing these links to you only as a convenience, and the inclusion of any link does not imply endorsement of Microsoft of the site or the products contained therein.</a:t>
-            </a:r>
-          </a:p>
-          <a:p>
-            <a:r>
-              <a:rPr lang="en-US" sz="1000" kern="1200" dirty="0">
-                <a:solidFill>
-                  <a:schemeClr val="tx1"/>
-                </a:solidFill>
-                <a:effectLst/>
-                <a:latin typeface="+mn-lt"/>
-                <a:ea typeface="+mn-ea"/>
-                <a:cs typeface="+mn-cs"/>
-              </a:rPr>
-              <a:t>© 2017 Microsoft Corporation. All rights reserved.</a:t>
-            </a:r>
-          </a:p>
-          <a:p>
-            <a:r>
-              <a:rPr lang="en-US" sz="1000" kern="1200" dirty="0">
-                <a:solidFill>
-                  <a:schemeClr val="tx1"/>
-                </a:solidFill>
-                <a:effectLst/>
-                <a:latin typeface="+mn-lt"/>
-                <a:ea typeface="+mn-ea"/>
-                <a:cs typeface="+mn-cs"/>
-              </a:rPr>
-              <a:t>Microsoft and the trademarks listed at </a:t>
-            </a:r>
-            <a:r>
-              <a:rPr lang="en-US" sz="1000" u="sng" kern="1200" dirty="0">
-                <a:solidFill>
-                  <a:schemeClr val="tx1"/>
-                </a:solidFill>
-                <a:effectLst/>
-                <a:latin typeface="+mn-lt"/>
-                <a:ea typeface="+mn-ea"/>
-                <a:cs typeface="+mn-cs"/>
-                <a:hlinkClick r:id="rId3"/>
-              </a:rPr>
-              <a:t>https://www.microsoft.com/en-us/legal/intellectualproperty/Trademarks/Usage/General.aspx</a:t>
-            </a:r>
-            <a:r>
-              <a:rPr lang="en-US" sz="1000" kern="1200" dirty="0">
-                <a:solidFill>
-                  <a:schemeClr val="tx1"/>
-                </a:solidFill>
-                <a:effectLst/>
-                <a:latin typeface="+mn-lt"/>
-                <a:ea typeface="+mn-ea"/>
-                <a:cs typeface="+mn-cs"/>
-              </a:rPr>
-              <a:t> are trademarks of the Microsoft group of companies. All other trademarks are property of their respective owners.</a:t>
-            </a:r>
+            <a:endParaRPr lang="en-US" dirty="0"/>
           </a:p>
         </p:txBody>
       </p:sp>
@@ -2428,7 +2336,7 @@
     </p:spTree>
     <p:extLst>
       <p:ext uri="{BB962C8B-B14F-4D97-AF65-F5344CB8AC3E}">
-        <p14:creationId xmlns:p14="http://schemas.microsoft.com/office/powerpoint/2010/main" val="3449503977"/>
+        <p14:creationId xmlns:p14="http://schemas.microsoft.com/office/powerpoint/2010/main" val="3907300971"/>
       </p:ext>
     </p:extLst>
   </p:cSld>
@@ -2482,7 +2390,99 @@
           <a:bodyPr/>
           <a:lstStyle/>
           <a:p>
-            <a:endParaRPr lang="en-US" dirty="0"/>
+            <a:r>
+              <a:rPr lang="en-US" sz="1000" kern="1200" dirty="0">
+                <a:solidFill>
+                  <a:schemeClr val="tx1"/>
+                </a:solidFill>
+                <a:effectLst/>
+                <a:latin typeface="+mn-lt"/>
+                <a:ea typeface="+mn-ea"/>
+                <a:cs typeface="+mn-cs"/>
+              </a:rPr>
+              <a:t>Information in this document, including URL and other Internet Web site references, is subject to change without notice. Unless otherwise noted, the example companies, organizations, products, domain names, e-mail addresses, logos, people, places, and events depicted herein are fictitious, and no association with any real company, organization, product, domain name, e-mail address, logo, person, place or event is intended or should be inferred. Complying with all applicable copyright laws is the responsibility of the user. Without limiting the rights under copyright, no part of this document may be reproduced, stored in or introduced into a retrieval system, or transmitted in any form or by any means (electronic, mechanical, photocopying, recording, or otherwise), or for any purpose, without the express written permission of Microsoft Corporation.</a:t>
+            </a:r>
+          </a:p>
+          <a:p>
+            <a:r>
+              <a:rPr lang="en-US" sz="1000" kern="1200" dirty="0">
+                <a:solidFill>
+                  <a:schemeClr val="tx1"/>
+                </a:solidFill>
+                <a:effectLst/>
+                <a:latin typeface="+mn-lt"/>
+                <a:ea typeface="+mn-ea"/>
+                <a:cs typeface="+mn-cs"/>
+              </a:rPr>
+              <a:t>Microsoft may have patents, patent applications, trademarks, copyrights, or other intellectual property rights covering subject matter in this document. Except as expressly provided in any written license agreement from Microsoft, the furnishing of this document does not give you any license to these patents, trademarks, copyrights, or other intellectual property.</a:t>
+            </a:r>
+          </a:p>
+          <a:p>
+            <a:r>
+              <a:rPr lang="en-US" sz="1000" kern="1200" dirty="0">
+                <a:solidFill>
+                  <a:schemeClr val="tx1"/>
+                </a:solidFill>
+                <a:effectLst/>
+                <a:latin typeface="+mn-lt"/>
+                <a:ea typeface="+mn-ea"/>
+                <a:cs typeface="+mn-cs"/>
+              </a:rPr>
+              <a:t>The names of manufacturers, products, or URLs are provided for informational purposes only and Microsoft makes no representations and warranties, either expressed, implied, or statutory, regarding these manufacturers or the use of the products with any Microsoft technologies. The inclusion of a manufacturer or product does not imply endorsement of Microsoft of the manufacturer or product. Links may be provided to third party sites. Such sites are not under the control of Microsoft and Microsoft is not responsible for the contents of any linked site or any link contained in a linked site, or any changes or updates to such sites. Microsoft is not responsible for webcasting or any other form of transmission received from any linked site. Microsoft is providing these links to you only as a convenience, and the inclusion of any link does not imply endorsement of Microsoft of the site or the products contained therein.</a:t>
+            </a:r>
+          </a:p>
+          <a:p>
+            <a:r>
+              <a:rPr lang="en-US" sz="1000" kern="1200" dirty="0">
+                <a:solidFill>
+                  <a:schemeClr val="tx1"/>
+                </a:solidFill>
+                <a:effectLst/>
+                <a:latin typeface="+mn-lt"/>
+                <a:ea typeface="+mn-ea"/>
+                <a:cs typeface="+mn-cs"/>
+              </a:rPr>
+              <a:t>© 2017 Microsoft Corporation. All rights reserved.</a:t>
+            </a:r>
+          </a:p>
+          <a:p>
+            <a:r>
+              <a:rPr lang="en-US" sz="1000" kern="1200" dirty="0">
+                <a:solidFill>
+                  <a:schemeClr val="tx1"/>
+                </a:solidFill>
+                <a:effectLst/>
+                <a:latin typeface="+mn-lt"/>
+                <a:ea typeface="+mn-ea"/>
+                <a:cs typeface="+mn-cs"/>
+              </a:rPr>
+              <a:t>Microsoft and the trademarks listed at </a:t>
+            </a:r>
+            <a:r>
+              <a:rPr lang="en-US" sz="1000" u="sng" kern="1200" dirty="0">
+                <a:solidFill>
+                  <a:schemeClr val="tx1"/>
+                </a:solidFill>
+                <a:effectLst/>
+                <a:latin typeface="+mn-lt"/>
+                <a:ea typeface="+mn-ea"/>
+                <a:cs typeface="+mn-cs"/>
+                <a:hlinkClick r:id="rId3"/>
+              </a:rPr>
+              <a:t>https://www.microsoft.com/en-us/legal/intellectualproperty/Trademarks/Usage/General.aspx</a:t>
+            </a:r>
+            <a:r>
+              <a:rPr lang="en-US" sz="1000" kern="1200" dirty="0">
+                <a:solidFill>
+                  <a:schemeClr val="tx1"/>
+                </a:solidFill>
+                <a:effectLst/>
+                <a:latin typeface="+mn-lt"/>
+                <a:ea typeface="+mn-ea"/>
+                <a:cs typeface="+mn-cs"/>
+              </a:rPr>
+              <a:t> are trademarks of the Microsoft group of companies. All other trademarks are property of their respective owners.</a:t>
+            </a:r>
           </a:p>
         </p:txBody>
       </p:sp>
@@ -2512,7 +2512,7 @@
     </p:spTree>
     <p:extLst>
       <p:ext uri="{BB962C8B-B14F-4D97-AF65-F5344CB8AC3E}">
-        <p14:creationId xmlns:p14="http://schemas.microsoft.com/office/powerpoint/2010/main" val="1004286613"/>
+        <p14:creationId xmlns:p14="http://schemas.microsoft.com/office/powerpoint/2010/main" val="3449503977"/>
       </p:ext>
     </p:extLst>
   </p:cSld>
@@ -2566,7 +2566,7 @@
           <a:bodyPr/>
           <a:lstStyle/>
           <a:p>
-            <a:endParaRPr lang="en-CA" dirty="0"/>
+            <a:endParaRPr lang="en-US" dirty="0"/>
           </a:p>
         </p:txBody>
       </p:sp>
@@ -2596,7 +2596,7 @@
     </p:spTree>
     <p:extLst>
       <p:ext uri="{BB962C8B-B14F-4D97-AF65-F5344CB8AC3E}">
-        <p14:creationId xmlns:p14="http://schemas.microsoft.com/office/powerpoint/2010/main" val="186863015"/>
+        <p14:creationId xmlns:p14="http://schemas.microsoft.com/office/powerpoint/2010/main" val="1004286613"/>
       </p:ext>
     </p:extLst>
   </p:cSld>
@@ -2734,7 +2734,7 @@
           <a:bodyPr/>
           <a:lstStyle/>
           <a:p>
-            <a:endParaRPr lang="en-US" dirty="0"/>
+            <a:endParaRPr lang="en-CA" dirty="0"/>
           </a:p>
         </p:txBody>
       </p:sp>
@@ -2764,7 +2764,7 @@
     </p:spTree>
     <p:extLst>
       <p:ext uri="{BB962C8B-B14F-4D97-AF65-F5344CB8AC3E}">
-        <p14:creationId xmlns:p14="http://schemas.microsoft.com/office/powerpoint/2010/main" val="1947330955"/>
+        <p14:creationId xmlns:p14="http://schemas.microsoft.com/office/powerpoint/2010/main" val="186863015"/>
       </p:ext>
     </p:extLst>
   </p:cSld>
@@ -2839,7 +2839,7 @@
           <a:p>
             <a:fld id="{0998D5BB-B127-481F-BC0A-2F77C576BB34}" type="slidenum">
               <a:rPr lang="en-US" smtClean="0"/>
-              <a:t>32</a:t>
+              <a:t>31</a:t>
             </a:fld>
             <a:endParaRPr lang="en-US" dirty="0"/>
           </a:p>
@@ -2848,7 +2848,7 @@
     </p:spTree>
     <p:extLst>
       <p:ext uri="{BB962C8B-B14F-4D97-AF65-F5344CB8AC3E}">
-        <p14:creationId xmlns:p14="http://schemas.microsoft.com/office/powerpoint/2010/main" val="4115832635"/>
+        <p14:creationId xmlns:p14="http://schemas.microsoft.com/office/powerpoint/2010/main" val="1947330955"/>
       </p:ext>
     </p:extLst>
   </p:cSld>
@@ -2932,7 +2932,7 @@
     </p:spTree>
     <p:extLst>
       <p:ext uri="{BB962C8B-B14F-4D97-AF65-F5344CB8AC3E}">
-        <p14:creationId xmlns:p14="http://schemas.microsoft.com/office/powerpoint/2010/main" val="379037794"/>
+        <p14:creationId xmlns:p14="http://schemas.microsoft.com/office/powerpoint/2010/main" val="4115832635"/>
       </p:ext>
     </p:extLst>
   </p:cSld>
@@ -3016,7 +3016,7 @@
     </p:spTree>
     <p:extLst>
       <p:ext uri="{BB962C8B-B14F-4D97-AF65-F5344CB8AC3E}">
-        <p14:creationId xmlns:p14="http://schemas.microsoft.com/office/powerpoint/2010/main" val="2590160953"/>
+        <p14:creationId xmlns:p14="http://schemas.microsoft.com/office/powerpoint/2010/main" val="379037794"/>
       </p:ext>
     </p:extLst>
   </p:cSld>
@@ -3100,7 +3100,7 @@
     </p:spTree>
     <p:extLst>
       <p:ext uri="{BB962C8B-B14F-4D97-AF65-F5344CB8AC3E}">
-        <p14:creationId xmlns:p14="http://schemas.microsoft.com/office/powerpoint/2010/main" val="986665259"/>
+        <p14:creationId xmlns:p14="http://schemas.microsoft.com/office/powerpoint/2010/main" val="2590160953"/>
       </p:ext>
     </p:extLst>
   </p:cSld>
@@ -3184,7 +3184,7 @@
     </p:spTree>
     <p:extLst>
       <p:ext uri="{BB962C8B-B14F-4D97-AF65-F5344CB8AC3E}">
-        <p14:creationId xmlns:p14="http://schemas.microsoft.com/office/powerpoint/2010/main" val="3870821454"/>
+        <p14:creationId xmlns:p14="http://schemas.microsoft.com/office/powerpoint/2010/main" val="986665259"/>
       </p:ext>
     </p:extLst>
   </p:cSld>
@@ -3385,7 +3385,7 @@
                   <a:prstClr val="black"/>
                 </a:solidFill>
               </a:rPr>
-              <a:t>9/12/2018 3:41 PM</a:t>
+              <a:t>5/21/2019 12:07 PM</a:t>
             </a:fld>
             <a:endParaRPr lang="en-US" dirty="0">
               <a:solidFill>
@@ -4230,7 +4230,7 @@
   </mc:AlternateContent>
   <p:extLst mod="1">
     <p:ext uri="{DCECCB84-F9BA-43D5-87BE-67443E8EF086}">
-      <p15:sldGuideLst xmlns:p15="http://schemas.microsoft.com/office/powerpoint/2012/main">
+      <p15:sldGuideLst xmlns:p15="http://schemas.microsoft.com/office/powerpoint/2012/main" xmlns="">
         <p15:guide id="1" pos="288">
           <p15:clr>
             <a:srgbClr val="C35EA4"/>
@@ -5952,7 +5952,7 @@
           <p:cNvPr id="14" name="Rectangle 13">
             <a:extLst>
               <a:ext uri="{FF2B5EF4-FFF2-40B4-BE49-F238E27FC236}">
-                <a16:creationId xmlns:a16="http://schemas.microsoft.com/office/drawing/2014/main" id="{7CAC56D8-7E55-4F0C-8E9D-9362AAA1BE8A}"/>
+                <a16:creationId xmlns:a16="http://schemas.microsoft.com/office/drawing/2014/main" xmlns="" id="{7CAC56D8-7E55-4F0C-8E9D-9362AAA1BE8A}"/>
               </a:ext>
             </a:extLst>
           </p:cNvPr>
@@ -6002,7 +6002,7 @@
           <p:cNvPr id="15" name="Freeform 10">
             <a:extLst>
               <a:ext uri="{FF2B5EF4-FFF2-40B4-BE49-F238E27FC236}">
-                <a16:creationId xmlns:a16="http://schemas.microsoft.com/office/drawing/2014/main" id="{E79ACDCA-90B8-4F93-AB30-1088C4082FC4}"/>
+                <a16:creationId xmlns:a16="http://schemas.microsoft.com/office/drawing/2014/main" xmlns="" id="{E79ACDCA-90B8-4F93-AB30-1088C4082FC4}"/>
               </a:ext>
             </a:extLst>
           </p:cNvPr>
@@ -8486,7 +8486,7 @@
           <p:cNvPr id="3" name="Picture 2">
             <a:extLst>
               <a:ext uri="{FF2B5EF4-FFF2-40B4-BE49-F238E27FC236}">
-                <a16:creationId xmlns:a16="http://schemas.microsoft.com/office/drawing/2014/main" id="{808568F7-4F45-4989-B2E3-FDB6E8B13021}"/>
+                <a16:creationId xmlns:a16="http://schemas.microsoft.com/office/drawing/2014/main" xmlns="" id="{808568F7-4F45-4989-B2E3-FDB6E8B13021}"/>
               </a:ext>
             </a:extLst>
           </p:cNvPr>
@@ -11324,7 +11324,7 @@
   </p:transition>
   <p:extLst mod="1">
     <p:ext uri="{DCECCB84-F9BA-43D5-87BE-67443E8EF086}">
-      <p15:sldGuideLst xmlns:p15="http://schemas.microsoft.com/office/powerpoint/2012/main">
+      <p15:sldGuideLst xmlns:p15="http://schemas.microsoft.com/office/powerpoint/2012/main" xmlns="">
         <p15:guide id="1" pos="3917">
           <p15:clr>
             <a:srgbClr val="FBAE40"/>
@@ -11498,7 +11498,7 @@
   </p:transition>
   <p:extLst mod="1">
     <p:ext uri="{DCECCB84-F9BA-43D5-87BE-67443E8EF086}">
-      <p15:sldGuideLst xmlns:p15="http://schemas.microsoft.com/office/powerpoint/2012/main">
+      <p15:sldGuideLst xmlns:p15="http://schemas.microsoft.com/office/powerpoint/2012/main" xmlns="">
         <p15:guide id="1" pos="3427">
           <p15:clr>
             <a:srgbClr val="FBAE40"/>
@@ -14158,7 +14158,7 @@
   </p:transition>
   <p:extLst mod="1">
     <p:ext uri="{DCECCB84-F9BA-43D5-87BE-67443E8EF086}">
-      <p15:sldGuideLst xmlns:p15="http://schemas.microsoft.com/office/powerpoint/2012/main">
+      <p15:sldGuideLst xmlns:p15="http://schemas.microsoft.com/office/powerpoint/2012/main" xmlns="">
         <p15:guide id="1" pos="3427">
           <p15:clr>
             <a:srgbClr val="FBAE40"/>
@@ -15115,7 +15115,7 @@
   </p:txStyles>
   <p:extLst mod="1">
     <p:ext uri="{27BBF7A9-308A-43DC-89C8-2F10F3537804}">
-      <p15:sldGuideLst xmlns:p15="http://schemas.microsoft.com/office/powerpoint/2012/main">
+      <p15:sldGuideLst xmlns:p15="http://schemas.microsoft.com/office/powerpoint/2012/main" xmlns="">
         <p15:guide id="1" orient="horz" pos="187">
           <p15:clr>
             <a:srgbClr val="5ACBF0"/>
@@ -15730,7 +15730,7 @@
   </p:txStyles>
   <p:extLst mod="1">
     <p:ext uri="{27BBF7A9-308A-43DC-89C8-2F10F3537804}">
-      <p15:sldGuideLst xmlns:p15="http://schemas.microsoft.com/office/powerpoint/2012/main">
+      <p15:sldGuideLst xmlns:p15="http://schemas.microsoft.com/office/powerpoint/2012/main" xmlns="">
         <p15:guide id="1" orient="horz" pos="187">
           <p15:clr>
             <a:srgbClr val="5ACBF0"/>
@@ -15889,7 +15889,7 @@
           <p:cNvPr id="2" name="Title 1">
             <a:extLst>
               <a:ext uri="{FF2B5EF4-FFF2-40B4-BE49-F238E27FC236}">
-                <a16:creationId xmlns:a16="http://schemas.microsoft.com/office/drawing/2014/main" id="{3C6D5E8E-FE6F-46C1-BE6F-3BD842186F1C}"/>
+                <a16:creationId xmlns:a16="http://schemas.microsoft.com/office/drawing/2014/main" xmlns="" id="{3C6D5E8E-FE6F-46C1-BE6F-3BD842186F1C}"/>
               </a:ext>
             </a:extLst>
           </p:cNvPr>
@@ -15922,7 +15922,7 @@
           <p:cNvPr id="3" name="Text Placeholder 2">
             <a:extLst>
               <a:ext uri="{FF2B5EF4-FFF2-40B4-BE49-F238E27FC236}">
-                <a16:creationId xmlns:a16="http://schemas.microsoft.com/office/drawing/2014/main" id="{C83DC502-2B62-4F9B-A8B3-D2EF25BCD06C}"/>
+                <a16:creationId xmlns:a16="http://schemas.microsoft.com/office/drawing/2014/main" xmlns="" id="{C83DC502-2B62-4F9B-A8B3-D2EF25BCD06C}"/>
               </a:ext>
             </a:extLst>
           </p:cNvPr>
@@ -16015,6 +16015,15 @@
               </a:rPr>
               <a:t>Customer situation (continued)</a:t>
             </a:r>
+            <a:r>
+              <a:rPr lang="en-US" dirty="0">
+                <a:solidFill>
+                  <a:schemeClr val="tx1"/>
+                </a:solidFill>
+                <a:latin typeface="Segoe UI" panose="020B0502040204020203" pitchFamily="34" charset="0"/>
+              </a:rPr>
+              <a:t/>
+            </a:r>
             <a:br>
               <a:rPr lang="en-US" dirty="0">
                 <a:solidFill>
@@ -16248,6 +16257,15 @@
               </a:rPr>
               <a:t>Customer situation (continued)</a:t>
             </a:r>
+            <a:r>
+              <a:rPr lang="en-US" dirty="0">
+                <a:solidFill>
+                  <a:schemeClr val="tx1"/>
+                </a:solidFill>
+                <a:latin typeface="Segoe UI" panose="020B0502040204020203" pitchFamily="34" charset="0"/>
+              </a:rPr>
+              <a:t/>
+            </a:r>
             <a:br>
               <a:rPr lang="en-US" dirty="0">
                 <a:solidFill>
@@ -16301,6 +16319,7 @@
                 <a:solidFill>
                   <a:schemeClr val="tx1"/>
                 </a:solidFill>
+                <a:latin typeface="+mn-lt"/>
                 <a:cs typeface="Segoe UI" panose="020B0502040204020203" pitchFamily="34" charset="0"/>
               </a:rPr>
               <a:t>Business-critical applications </a:t>
@@ -16402,7 +16421,7 @@
 </file>
 
 <file path=ppt/slides/slide12.xml><?xml version="1.0" encoding="utf-8"?>
-<p:sld xmlns:a="http://schemas.openxmlformats.org/drawingml/2006/main" xmlns:r="http://schemas.openxmlformats.org/officeDocument/2006/relationships" xmlns:p="http://schemas.openxmlformats.org/presentationml/2006/main" showMasterSp="0">
+<p:sld xmlns:a="http://schemas.openxmlformats.org/drawingml/2006/main" xmlns:r="http://schemas.openxmlformats.org/officeDocument/2006/relationships" xmlns:p="http://schemas.openxmlformats.org/presentationml/2006/main">
   <p:cSld>
     <p:spTree>
       <p:nvGrpSpPr>
@@ -16440,18 +16459,20 @@
                 <a:solidFill>
                   <a:schemeClr val="tx1"/>
                 </a:solidFill>
-                <a:cs typeface="Segoe UI" panose="020B0502040204020203" pitchFamily="34" charset="0"/>
+                <a:latin typeface="Segoe UI Light" panose="020B0502040204020203" pitchFamily="34" charset="0"/>
+                <a:cs typeface="Segoe UI Light" panose="020B0502040204020203" pitchFamily="34" charset="0"/>
               </a:rPr>
               <a:t>Customer situation (continued)</a:t>
             </a:r>
-            <a:br>
-              <a:rPr lang="en-US" sz="4900" dirty="0">
+            <a:r>
+              <a:rPr lang="en-US" dirty="0">
                 <a:solidFill>
                   <a:schemeClr val="tx1"/>
                 </a:solidFill>
-                <a:cs typeface="Segoe UI" panose="020B0502040204020203" pitchFamily="34" charset="0"/>
-              </a:rPr>
-            </a:br>
+                <a:latin typeface="Segoe UI" panose="020B0502040204020203" pitchFamily="34" charset="0"/>
+              </a:rPr>
+              <a:t/>
+            </a:r>
             <a:br>
               <a:rPr lang="en-US" dirty="0">
                 <a:solidFill>
@@ -16481,8 +16502,8 @@
         </p:nvSpPr>
         <p:spPr>
           <a:xfrm>
-            <a:off x="366221" y="1189176"/>
-            <a:ext cx="11653523" cy="4578578"/>
+            <a:off x="366221" y="1406769"/>
+            <a:ext cx="11653523" cy="4759569"/>
           </a:xfrm>
         </p:spPr>
         <p:txBody>
@@ -16501,12 +16522,22 @@
               <a:buNone/>
             </a:pPr>
             <a:r>
-              <a:rPr lang="en-US" sz="3600" dirty="0">
+              <a:rPr lang="en-US" sz="3600" dirty="0" smtClean="0">
                 <a:solidFill>
                   <a:schemeClr val="tx1"/>
                 </a:solidFill>
-              </a:rPr>
-              <a:t>Pilot</a:t>
+                <a:cs typeface="Segoe UI" panose="020B0502040204020203" pitchFamily="34" charset="0"/>
+              </a:rPr>
+              <a:t>Additional </a:t>
+            </a:r>
+            <a:r>
+              <a:rPr lang="en-US" sz="3600" dirty="0" smtClean="0">
+                <a:solidFill>
+                  <a:schemeClr val="tx1"/>
+                </a:solidFill>
+                <a:cs typeface="Segoe UI" panose="020B0502040204020203" pitchFamily="34" charset="0"/>
+              </a:rPr>
+              <a:t>applications</a:t>
             </a:r>
             <a:r>
               <a:rPr lang="en-US" sz="3600" dirty="0">
@@ -16515,25 +16546,23 @@
                 </a:solidFill>
                 <a:cs typeface="Segoe UI" panose="020B0502040204020203" pitchFamily="34" charset="0"/>
               </a:rPr>
-              <a:t> application </a:t>
-            </a:r>
-            <a:r>
-              <a:rPr lang="en-US" sz="3600" dirty="0">
-                <a:solidFill>
-                  <a:schemeClr val="tx1"/>
-                </a:solidFill>
-              </a:rPr>
-              <a:t>running on </a:t>
-            </a:r>
-            <a:r>
-              <a:rPr lang="en-US" sz="3600" dirty="0">
+              <a:t> </a:t>
+            </a:r>
+            <a:r>
+              <a:rPr lang="en-US" sz="3600" dirty="0" smtClean="0">
                 <a:solidFill>
                   <a:schemeClr val="tx1"/>
                 </a:solidFill>
                 <a:cs typeface="Segoe UI" panose="020B0502040204020203" pitchFamily="34" charset="0"/>
               </a:rPr>
-              <a:t>cloud </a:t>
-            </a:r>
+              <a:t>requirements</a:t>
+            </a:r>
+            <a:endParaRPr lang="en-US" sz="3600" dirty="0" smtClean="0">
+              <a:solidFill>
+                <a:schemeClr val="tx1"/>
+              </a:solidFill>
+              <a:cs typeface="Segoe UI" panose="020B0502040204020203" pitchFamily="34" charset="0"/>
+            </a:endParaRPr>
           </a:p>
           <a:p>
             <a:pPr marL="488632" lvl="1" indent="-252086" defTabSz="685710">
@@ -16545,74 +16574,41 @@
               </a:spcAft>
             </a:pPr>
             <a:r>
-              <a:rPr lang="en-US" sz="2800" dirty="0">
+              <a:rPr lang="en-US" sz="2408" dirty="0" smtClean="0">
                 <a:solidFill>
                   <a:srgbClr val="FFFFFF"/>
                 </a:solidFill>
               </a:rPr>
-              <a:t>A new application running fully on cloud will be used as their new marketing site. </a:t>
-            </a:r>
-          </a:p>
-          <a:p>
-            <a:pPr marL="488632" lvl="1" indent="-252086" defTabSz="685710">
-              <a:spcBef>
-                <a:spcPts val="1176"/>
-              </a:spcBef>
-              <a:spcAft>
-                <a:spcPts val="600"/>
-              </a:spcAft>
-            </a:pPr>
-            <a:r>
-              <a:rPr lang="en-US" sz="2800" dirty="0">
+              <a:t>a </a:t>
+            </a:r>
+            <a:r>
+              <a:rPr lang="en-US" sz="2408" dirty="0">
                 <a:solidFill>
                   <a:srgbClr val="FFFFFF"/>
                 </a:solidFill>
               </a:rPr>
-              <a:t>A cloud-native security solution is required.</a:t>
-            </a:r>
-          </a:p>
-          <a:p>
-            <a:pPr marL="488632" lvl="1" indent="-252086" defTabSz="685710">
-              <a:spcBef>
-                <a:spcPts val="1176"/>
-              </a:spcBef>
-              <a:spcAft>
-                <a:spcPts val="600"/>
-              </a:spcAft>
-            </a:pPr>
-            <a:r>
-              <a:rPr lang="en-US" sz="2800" dirty="0">
+              <a:t>large number of multi-tier custom business apps that, due to their legacy dependencies, will likely be migrated to Azure IaaS</a:t>
+            </a:r>
+            <a:r>
+              <a:rPr lang="en-US" sz="2408" dirty="0" smtClean="0">
                 <a:solidFill>
                   <a:srgbClr val="FFFFFF"/>
                 </a:solidFill>
               </a:rPr>
-              <a:t>The application must be fully isolated from their business-critical applications.</a:t>
-            </a:r>
-          </a:p>
-          <a:p>
-            <a:pPr marL="488632" lvl="1" indent="-252086" defTabSz="685710">
-              <a:spcBef>
-                <a:spcPts val="1176"/>
-              </a:spcBef>
-              <a:spcAft>
-                <a:spcPts val="600"/>
-              </a:spcAft>
-            </a:pPr>
-            <a:r>
-              <a:rPr lang="en-US" sz="2800" dirty="0">
-                <a:solidFill>
-                  <a:srgbClr val="FFFFFF"/>
-                </a:solidFill>
-              </a:rPr>
-              <a:t>The application should use PaaS rather than IaaS.</a:t>
-            </a:r>
+              <a:t>.</a:t>
+            </a:r>
+            <a:endParaRPr lang="en-US" sz="2408" dirty="0">
+              <a:solidFill>
+                <a:srgbClr val="FFFFFF"/>
+              </a:solidFill>
+            </a:endParaRPr>
           </a:p>
         </p:txBody>
       </p:sp>
     </p:spTree>
     <p:extLst>
       <p:ext uri="{BB962C8B-B14F-4D97-AF65-F5344CB8AC3E}">
-        <p14:creationId xmlns:p14="http://schemas.microsoft.com/office/powerpoint/2010/main" val="363277453"/>
+        <p14:creationId xmlns:p14="http://schemas.microsoft.com/office/powerpoint/2010/main" val="2293030269"/>
       </p:ext>
     </p:extLst>
   </p:cSld>
@@ -16671,7 +16667,24 @@
                 </a:solidFill>
                 <a:cs typeface="Segoe UI" panose="020B0502040204020203" pitchFamily="34" charset="0"/>
               </a:rPr>
-              <a:t>Customer needs</a:t>
+              <a:t>Customer situation (continued)</a:t>
+            </a:r>
+            <a:br>
+              <a:rPr lang="en-US" sz="4900" dirty="0">
+                <a:solidFill>
+                  <a:schemeClr val="tx1"/>
+                </a:solidFill>
+                <a:cs typeface="Segoe UI" panose="020B0502040204020203" pitchFamily="34" charset="0"/>
+              </a:rPr>
+            </a:br>
+            <a:r>
+              <a:rPr lang="en-US" dirty="0">
+                <a:solidFill>
+                  <a:schemeClr val="tx1"/>
+                </a:solidFill>
+                <a:latin typeface="Segoe UI" panose="020B0502040204020203" pitchFamily="34" charset="0"/>
+              </a:rPr>
+              <a:t/>
             </a:r>
             <a:br>
               <a:rPr lang="en-US" dirty="0">
@@ -16692,13 +16705,7 @@
       </p:sp>
       <p:sp>
         <p:nvSpPr>
-          <p:cNvPr id="5" name="Text Placeholder 4">
-            <a:extLst>
-              <a:ext uri="{FF2B5EF4-FFF2-40B4-BE49-F238E27FC236}">
-                <a16:creationId xmlns:a16="http://schemas.microsoft.com/office/drawing/2014/main" id="{C2D54F8D-7FAD-4B22-8305-151568E848A9}"/>
-              </a:ext>
-            </a:extLst>
-          </p:cNvPr>
+          <p:cNvPr id="3" name="Content Placeholder 2"/>
           <p:cNvSpPr>
             <a:spLocks noGrp="1"/>
           </p:cNvSpPr>
@@ -16708,32 +16715,130 @@
         </p:nvSpPr>
         <p:spPr>
           <a:xfrm>
-            <a:off x="269239" y="1189177"/>
-            <a:ext cx="11653523" cy="3896451"/>
+            <a:off x="366221" y="1189176"/>
+            <a:ext cx="11653523" cy="4578578"/>
           </a:xfrm>
         </p:spPr>
         <p:txBody>
-          <a:bodyPr/>
+          <a:bodyPr>
+            <a:noAutofit/>
+          </a:bodyPr>
           <a:lstStyle/>
           <a:p>
+            <a:pPr marL="0" lvl="0" indent="0" defTabSz="685710">
+              <a:spcBef>
+                <a:spcPts val="1176"/>
+              </a:spcBef>
+              <a:spcAft>
+                <a:spcPts val="600"/>
+              </a:spcAft>
+              <a:buNone/>
+            </a:pPr>
             <a:r>
               <a:rPr lang="en-US" sz="3600" dirty="0">
+                <a:solidFill>
+                  <a:schemeClr val="tx1"/>
+                </a:solidFill>
+              </a:rPr>
+              <a:t>Pilot</a:t>
+            </a:r>
+            <a:r>
+              <a:rPr lang="en-US" sz="3600" dirty="0">
+                <a:solidFill>
+                  <a:schemeClr val="tx1"/>
+                </a:solidFill>
                 <a:cs typeface="Segoe UI" panose="020B0502040204020203" pitchFamily="34" charset="0"/>
               </a:rPr>
-              <a:t>Detailed architecture and plan for providing robust, secure connectivity between their datacenters and Azure.</a:t>
-            </a:r>
-          </a:p>
-          <a:p>
-            <a:endParaRPr lang="en-US" sz="3600" dirty="0">
-              <a:cs typeface="Segoe UI" panose="020B0502040204020203" pitchFamily="34" charset="0"/>
-            </a:endParaRPr>
-          </a:p>
-          <a:p>
+              <a:t> application </a:t>
+            </a:r>
             <a:r>
               <a:rPr lang="en-US" sz="3600" dirty="0">
+                <a:solidFill>
+                  <a:schemeClr val="tx1"/>
+                </a:solidFill>
+              </a:rPr>
+              <a:t>running on </a:t>
+            </a:r>
+            <a:r>
+              <a:rPr lang="en-US" sz="3600" dirty="0">
+                <a:solidFill>
+                  <a:schemeClr val="tx1"/>
+                </a:solidFill>
                 <a:cs typeface="Segoe UI" panose="020B0502040204020203" pitchFamily="34" charset="0"/>
               </a:rPr>
-              <a:t>Azure Virtual Networking architecture and plan for providing an enterprise-class networking scenario, supporting secure data flow between tiers in an n-tier application.</a:t>
+              <a:t>cloud </a:t>
+            </a:r>
+          </a:p>
+          <a:p>
+            <a:pPr marL="488632" lvl="1" indent="-252086" defTabSz="685710">
+              <a:spcBef>
+                <a:spcPts val="1176"/>
+              </a:spcBef>
+              <a:spcAft>
+                <a:spcPts val="600"/>
+              </a:spcAft>
+            </a:pPr>
+            <a:r>
+              <a:rPr lang="en-US" sz="2800" dirty="0">
+                <a:solidFill>
+                  <a:srgbClr val="FFFFFF"/>
+                </a:solidFill>
+              </a:rPr>
+              <a:t>A new application running fully on cloud will be used as their new marketing site. </a:t>
+            </a:r>
+          </a:p>
+          <a:p>
+            <a:pPr marL="488632" lvl="1" indent="-252086" defTabSz="685710">
+              <a:spcBef>
+                <a:spcPts val="1176"/>
+              </a:spcBef>
+              <a:spcAft>
+                <a:spcPts val="600"/>
+              </a:spcAft>
+            </a:pPr>
+            <a:r>
+              <a:rPr lang="en-US" sz="2800" dirty="0">
+                <a:solidFill>
+                  <a:srgbClr val="FFFFFF"/>
+                </a:solidFill>
+              </a:rPr>
+              <a:t>A cloud-native security solution is required.</a:t>
+            </a:r>
+          </a:p>
+          <a:p>
+            <a:pPr marL="488632" lvl="1" indent="-252086" defTabSz="685710">
+              <a:spcBef>
+                <a:spcPts val="1176"/>
+              </a:spcBef>
+              <a:spcAft>
+                <a:spcPts val="600"/>
+              </a:spcAft>
+            </a:pPr>
+            <a:r>
+              <a:rPr lang="en-US" sz="2800" dirty="0">
+                <a:solidFill>
+                  <a:srgbClr val="FFFFFF"/>
+                </a:solidFill>
+              </a:rPr>
+              <a:t>The application must be fully isolated from their business-critical applications.</a:t>
+            </a:r>
+          </a:p>
+          <a:p>
+            <a:pPr marL="488632" lvl="1" indent="-252086" defTabSz="685710">
+              <a:spcBef>
+                <a:spcPts val="1176"/>
+              </a:spcBef>
+              <a:spcAft>
+                <a:spcPts val="600"/>
+              </a:spcAft>
+            </a:pPr>
+            <a:r>
+              <a:rPr lang="en-US" sz="2800" dirty="0">
+                <a:solidFill>
+                  <a:srgbClr val="FFFFFF"/>
+                </a:solidFill>
+              </a:rPr>
+              <a:t>The application should use PaaS rather than IaaS.</a:t>
             </a:r>
           </a:p>
         </p:txBody>
@@ -16741,7 +16846,7 @@
     </p:spTree>
     <p:extLst>
       <p:ext uri="{BB962C8B-B14F-4D97-AF65-F5344CB8AC3E}">
-        <p14:creationId xmlns:p14="http://schemas.microsoft.com/office/powerpoint/2010/main" val="3923265977"/>
+        <p14:creationId xmlns:p14="http://schemas.microsoft.com/office/powerpoint/2010/main" val="363277453"/>
       </p:ext>
     </p:extLst>
   </p:cSld>
@@ -16786,12 +16891,7 @@
             <p:ph type="title"/>
           </p:nvPr>
         </p:nvSpPr>
-        <p:spPr>
-          <a:xfrm>
-            <a:off x="268080" y="130485"/>
-            <a:ext cx="11655840" cy="899665"/>
-          </a:xfrm>
-        </p:spPr>
+        <p:spPr/>
         <p:txBody>
           <a:bodyPr>
             <a:normAutofit fontScale="90000"/>
@@ -16805,7 +16905,16 @@
                 </a:solidFill>
                 <a:cs typeface="Segoe UI" panose="020B0502040204020203" pitchFamily="34" charset="0"/>
               </a:rPr>
-              <a:t>Customer needs (continued)</a:t>
+              <a:t>Customer needs</a:t>
+            </a:r>
+            <a:r>
+              <a:rPr lang="en-US" dirty="0">
+                <a:solidFill>
+                  <a:schemeClr val="tx1"/>
+                </a:solidFill>
+                <a:latin typeface="Segoe UI" panose="020B0502040204020203" pitchFamily="34" charset="0"/>
+              </a:rPr>
+              <a:t/>
             </a:r>
             <a:br>
               <a:rPr lang="en-US" dirty="0">
@@ -16829,7 +16938,7 @@
           <p:cNvPr id="5" name="Text Placeholder 4">
             <a:extLst>
               <a:ext uri="{FF2B5EF4-FFF2-40B4-BE49-F238E27FC236}">
-                <a16:creationId xmlns:a16="http://schemas.microsoft.com/office/drawing/2014/main" id="{C2D54F8D-7FAD-4B22-8305-151568E848A9}"/>
+                <a16:creationId xmlns:a16="http://schemas.microsoft.com/office/drawing/2014/main" xmlns="" id="{C2D54F8D-7FAD-4B22-8305-151568E848A9}"/>
               </a:ext>
             </a:extLst>
           </p:cNvPr>
@@ -16842,8 +16951,8 @@
         </p:nvSpPr>
         <p:spPr>
           <a:xfrm>
-            <a:off x="268080" y="1030150"/>
-            <a:ext cx="11653523" cy="5503045"/>
+            <a:off x="269239" y="1189177"/>
+            <a:ext cx="11653523" cy="3785652"/>
           </a:xfrm>
         </p:spPr>
         <p:txBody>
@@ -16852,38 +16961,34 @@
           <a:p>
             <a:r>
               <a:rPr lang="en-US" sz="3600" dirty="0">
+                <a:latin typeface="+mn-lt"/>
                 <a:cs typeface="Segoe UI" panose="020B0502040204020203" pitchFamily="34" charset="0"/>
               </a:rPr>
-              <a:t>End result is a network design that allows applications to run both on-premises and in Azure.</a:t>
-            </a:r>
-          </a:p>
-          <a:p>
+              <a:t>Detailed architecture and plan for providing robust, secure connectivity between their datacenters and Azure.</a:t>
+            </a:r>
+          </a:p>
+          <a:p>
+            <a:r>
+              <a:rPr lang="en-US" sz="3600" dirty="0" smtClean="0">
+                <a:latin typeface="+mn-lt"/>
+                <a:cs typeface="Segoe UI" panose="020B0502040204020203" pitchFamily="34" charset="0"/>
+              </a:rPr>
+              <a:t>Azure </a:t>
+            </a:r>
             <a:r>
               <a:rPr lang="en-US" sz="3600" dirty="0">
+                <a:latin typeface="+mn-lt"/>
                 <a:cs typeface="Segoe UI" panose="020B0502040204020203" pitchFamily="34" charset="0"/>
               </a:rPr>
-              <a:t>Outbound Internet traffic must be passed through an on-premises intrusion detection/prevention system in order to comply with company policy.</a:t>
-            </a:r>
-          </a:p>
-          <a:p>
-            <a:r>
-              <a:rPr lang="en-US" sz="3600" dirty="0">
-                <a:cs typeface="Segoe UI" panose="020B0502040204020203" pitchFamily="34" charset="0"/>
-              </a:rPr>
-              <a:t>Also all the incoming web traffic needs to be inspected in order to make sure it blocks SQL injections, cross-site scripting and other web attacks such as http protocol violation.</a:t>
-            </a:r>
-          </a:p>
-          <a:p>
-            <a:endParaRPr lang="en-US" sz="3600" dirty="0">
-              <a:latin typeface="+mn-lt"/>
-            </a:endParaRPr>
+              <a:t>Virtual Networking architecture and plan for providing an enterprise-class networking scenario, supporting secure data flow between tiers in an n-tier application.</a:t>
+            </a:r>
           </a:p>
         </p:txBody>
       </p:sp>
     </p:spTree>
     <p:extLst>
       <p:ext uri="{BB962C8B-B14F-4D97-AF65-F5344CB8AC3E}">
-        <p14:creationId xmlns:p14="http://schemas.microsoft.com/office/powerpoint/2010/main" val="3756933245"/>
+        <p14:creationId xmlns:p14="http://schemas.microsoft.com/office/powerpoint/2010/main" val="3923265977"/>
       </p:ext>
     </p:extLst>
   </p:cSld>
@@ -16949,6 +17054,15 @@
               </a:rPr>
               <a:t>Customer needs (continued)</a:t>
             </a:r>
+            <a:r>
+              <a:rPr lang="en-US" dirty="0">
+                <a:solidFill>
+                  <a:schemeClr val="tx1"/>
+                </a:solidFill>
+                <a:latin typeface="Segoe UI" panose="020B0502040204020203" pitchFamily="34" charset="0"/>
+              </a:rPr>
+              <a:t/>
+            </a:r>
             <a:br>
               <a:rPr lang="en-US" dirty="0">
                 <a:solidFill>
@@ -16971,7 +17085,7 @@
           <p:cNvPr id="5" name="Text Placeholder 4">
             <a:extLst>
               <a:ext uri="{FF2B5EF4-FFF2-40B4-BE49-F238E27FC236}">
-                <a16:creationId xmlns:a16="http://schemas.microsoft.com/office/drawing/2014/main" id="{C2D54F8D-7FAD-4B22-8305-151568E848A9}"/>
+                <a16:creationId xmlns:a16="http://schemas.microsoft.com/office/drawing/2014/main" xmlns="" id="{C2D54F8D-7FAD-4B22-8305-151568E848A9}"/>
               </a:ext>
             </a:extLst>
           </p:cNvPr>
@@ -16984,8 +17098,8 @@
         </p:nvSpPr>
         <p:spPr>
           <a:xfrm>
-            <a:off x="268080" y="1220651"/>
-            <a:ext cx="11653523" cy="5115246"/>
+            <a:off x="268080" y="1030150"/>
+            <a:ext cx="11653523" cy="3287054"/>
           </a:xfrm>
         </p:spPr>
         <p:txBody>
@@ -16995,40 +17109,43 @@
             <a:r>
               <a:rPr lang="en-US" sz="3600" dirty="0">
                 <a:latin typeface="+mn-lt"/>
-              </a:rPr>
-              <a:t>For the new cloud application, related PaaS services need to be deployed in order to run the application. </a:t>
+                <a:cs typeface="Segoe UI" panose="020B0502040204020203" pitchFamily="34" charset="0"/>
+              </a:rPr>
+              <a:t>End result is a network design that allows applications to run both on-premises and in Azure.</a:t>
             </a:r>
           </a:p>
           <a:p>
             <a:r>
               <a:rPr lang="en-US" sz="3600" dirty="0">
                 <a:latin typeface="+mn-lt"/>
-              </a:rPr>
-              <a:t>Traffic going to the new application will not be redirected to the on-premises corporate network.</a:t>
-            </a:r>
-          </a:p>
-          <a:p>
+                <a:cs typeface="Segoe UI" panose="020B0502040204020203" pitchFamily="34" charset="0"/>
+              </a:rPr>
+              <a:t>All the incoming traffic must be inspected in order to ensure protection against </a:t>
+            </a:r>
+            <a:r>
+              <a:rPr lang="en-US" sz="3600" dirty="0" smtClean="0">
+                <a:latin typeface="+mn-lt"/>
+                <a:cs typeface="Segoe UI" panose="020B0502040204020203" pitchFamily="34" charset="0"/>
+              </a:rPr>
+              <a:t>SQL injections</a:t>
+            </a:r>
             <a:r>
               <a:rPr lang="en-US" sz="3600" dirty="0">
                 <a:latin typeface="+mn-lt"/>
-              </a:rPr>
-              <a:t>Instead, Woodgrove are looking to deploy a cloud-native security solution for this pilot.</a:t>
-            </a:r>
-          </a:p>
-          <a:p>
-            <a:r>
-              <a:rPr lang="en-US" sz="3600" dirty="0">
+                <a:cs typeface="Segoe UI" panose="020B0502040204020203" pitchFamily="34" charset="0"/>
+              </a:rPr>
+              <a:t>, cross-site scripting and other web attacks such as http protocol </a:t>
+            </a:r>
+            <a:r>
+              <a:rPr lang="en-US" sz="3600" dirty="0" smtClean="0">
                 <a:latin typeface="+mn-lt"/>
-              </a:rPr>
-              <a:t>The web app architecture requires URL-based routing, redirection, and SSL termination.</a:t>
-            </a:r>
-          </a:p>
-          <a:p>
-            <a:pPr marL="0" indent="0">
-              <a:buNone/>
-            </a:pPr>
+                <a:cs typeface="Segoe UI" panose="020B0502040204020203" pitchFamily="34" charset="0"/>
+              </a:rPr>
+              <a:t>violation. </a:t>
+            </a:r>
             <a:endParaRPr lang="en-US" sz="3600" dirty="0">
               <a:latin typeface="+mn-lt"/>
+              <a:cs typeface="Segoe UI" panose="020B0502040204020203" pitchFamily="34" charset="0"/>
             </a:endParaRPr>
           </a:p>
         </p:txBody>
@@ -17036,7 +17153,7 @@
     </p:spTree>
     <p:extLst>
       <p:ext uri="{BB962C8B-B14F-4D97-AF65-F5344CB8AC3E}">
-        <p14:creationId xmlns:p14="http://schemas.microsoft.com/office/powerpoint/2010/main" val="3343653513"/>
+        <p14:creationId xmlns:p14="http://schemas.microsoft.com/office/powerpoint/2010/main" val="3756933245"/>
       </p:ext>
     </p:extLst>
   </p:cSld>
@@ -17081,7 +17198,12 @@
             <p:ph type="title"/>
           </p:nvPr>
         </p:nvSpPr>
-        <p:spPr/>
+        <p:spPr>
+          <a:xfrm>
+            <a:off x="268080" y="130485"/>
+            <a:ext cx="11655840" cy="899665"/>
+          </a:xfrm>
+        </p:spPr>
         <p:txBody>
           <a:bodyPr>
             <a:normAutofit fontScale="90000"/>
@@ -17095,7 +17217,16 @@
                 </a:solidFill>
                 <a:cs typeface="Segoe UI" panose="020B0502040204020203" pitchFamily="34" charset="0"/>
               </a:rPr>
-              <a:t>Customer objections</a:t>
+              <a:t>Customer needs (continued)</a:t>
+            </a:r>
+            <a:r>
+              <a:rPr lang="en-US" dirty="0">
+                <a:solidFill>
+                  <a:schemeClr val="tx1"/>
+                </a:solidFill>
+                <a:latin typeface="Segoe UI" panose="020B0502040204020203" pitchFamily="34" charset="0"/>
+              </a:rPr>
+              <a:t/>
             </a:r>
             <a:br>
               <a:rPr lang="en-US" dirty="0">
@@ -17119,7 +17250,7 @@
           <p:cNvPr id="5" name="Text Placeholder 4">
             <a:extLst>
               <a:ext uri="{FF2B5EF4-FFF2-40B4-BE49-F238E27FC236}">
-                <a16:creationId xmlns:a16="http://schemas.microsoft.com/office/drawing/2014/main" id="{A891637C-D33E-4744-B48D-26DDF4732B26}"/>
+                <a16:creationId xmlns:a16="http://schemas.microsoft.com/office/drawing/2014/main" xmlns="" id="{C2D54F8D-7FAD-4B22-8305-151568E848A9}"/>
               </a:ext>
             </a:extLst>
           </p:cNvPr>
@@ -17132,8 +17263,8 @@
         </p:nvSpPr>
         <p:spPr>
           <a:xfrm>
-            <a:off x="269239" y="1189177"/>
-            <a:ext cx="11653523" cy="4018472"/>
+            <a:off x="268080" y="1220651"/>
+            <a:ext cx="11653523" cy="5115246"/>
           </a:xfrm>
         </p:spPr>
         <p:txBody>
@@ -17142,56 +17273,49 @@
           <a:p>
             <a:r>
               <a:rPr lang="en-US" sz="3600" dirty="0">
-                <a:cs typeface="Segoe UI" panose="020B0502040204020203" pitchFamily="34" charset="0"/>
-              </a:rPr>
-              <a:t>Tight regulatory compliance requirements:</a:t>
-            </a:r>
-          </a:p>
-          <a:p>
-            <a:pPr lvl="1"/>
-            <a:r>
-              <a:rPr lang="en-US" sz="2800" dirty="0">
-                <a:cs typeface="Segoe UI" panose="020B0502040204020203" pitchFamily="34" charset="0"/>
-              </a:rPr>
-              <a:t>Security must be a key tenant of all operations including those related to technology.</a:t>
-            </a:r>
-          </a:p>
-          <a:p>
-            <a:pPr lvl="1"/>
-            <a:r>
-              <a:rPr lang="en-US" sz="2800" dirty="0">
-                <a:cs typeface="Segoe UI" panose="020B0502040204020203" pitchFamily="34" charset="0"/>
-              </a:rPr>
-              <a:t>CSO is opposed to using services solely accessible over the public Internet (Office 365, CRM, and other Microsoft SaaS are off limits).</a:t>
-            </a:r>
-          </a:p>
-          <a:p>
-            <a:pPr lvl="1"/>
-            <a:r>
-              <a:rPr lang="en-US" sz="2800" dirty="0">
-                <a:cs typeface="Segoe UI" panose="020B0502040204020203" pitchFamily="34" charset="0"/>
-              </a:rPr>
-              <a:t>PaaS services accessible over the Internet are also unusable.</a:t>
-            </a:r>
-          </a:p>
-          <a:p>
-            <a:pPr lvl="1"/>
-            <a:r>
-              <a:rPr lang="en-US" sz="2800" dirty="0">
-                <a:cs typeface="Segoe UI" panose="020B0502040204020203" pitchFamily="34" charset="0"/>
-              </a:rPr>
-              <a:t>Relegated Woodgrove to “private” Azure services such as IaaS.</a:t>
-            </a:r>
-          </a:p>
-          <a:p>
-            <a:endParaRPr lang="en-US" dirty="0"/>
+                <a:latin typeface="+mn-lt"/>
+              </a:rPr>
+              <a:t>For the new cloud application, related PaaS services need to be deployed in order to run the application. </a:t>
+            </a:r>
+          </a:p>
+          <a:p>
+            <a:r>
+              <a:rPr lang="en-US" sz="3600" dirty="0">
+                <a:latin typeface="+mn-lt"/>
+              </a:rPr>
+              <a:t>Traffic going to the new application will not be redirected to the on-premises corporate network.</a:t>
+            </a:r>
+          </a:p>
+          <a:p>
+            <a:r>
+              <a:rPr lang="en-US" sz="3600" dirty="0">
+                <a:latin typeface="+mn-lt"/>
+              </a:rPr>
+              <a:t>Instead, Woodgrove are looking to deploy a cloud-native security solution for this pilot.</a:t>
+            </a:r>
+          </a:p>
+          <a:p>
+            <a:r>
+              <a:rPr lang="en-US" sz="3600" dirty="0">
+                <a:latin typeface="+mn-lt"/>
+              </a:rPr>
+              <a:t>The web app architecture requires URL-based routing, redirection, and SSL termination.</a:t>
+            </a:r>
+          </a:p>
+          <a:p>
+            <a:pPr marL="0" indent="0">
+              <a:buNone/>
+            </a:pPr>
+            <a:endParaRPr lang="en-US" sz="3600" dirty="0">
+              <a:latin typeface="+mn-lt"/>
+            </a:endParaRPr>
           </a:p>
         </p:txBody>
       </p:sp>
     </p:spTree>
     <p:extLst>
       <p:ext uri="{BB962C8B-B14F-4D97-AF65-F5344CB8AC3E}">
-        <p14:creationId xmlns:p14="http://schemas.microsoft.com/office/powerpoint/2010/main" val="601339970"/>
+        <p14:creationId xmlns:p14="http://schemas.microsoft.com/office/powerpoint/2010/main" val="3343653513"/>
       </p:ext>
     </p:extLst>
   </p:cSld>
@@ -17250,7 +17374,16 @@
                 </a:solidFill>
                 <a:cs typeface="Segoe UI" panose="020B0502040204020203" pitchFamily="34" charset="0"/>
               </a:rPr>
-              <a:t>Customer objections (continued)</a:t>
+              <a:t>Customer objections</a:t>
+            </a:r>
+            <a:r>
+              <a:rPr lang="en-US" dirty="0">
+                <a:solidFill>
+                  <a:schemeClr val="tx1"/>
+                </a:solidFill>
+                <a:latin typeface="Segoe UI" panose="020B0502040204020203" pitchFamily="34" charset="0"/>
+              </a:rPr>
+              <a:t/>
             </a:r>
             <a:br>
               <a:rPr lang="en-US" dirty="0">
@@ -17274,7 +17407,7 @@
           <p:cNvPr id="5" name="Text Placeholder 4">
             <a:extLst>
               <a:ext uri="{FF2B5EF4-FFF2-40B4-BE49-F238E27FC236}">
-                <a16:creationId xmlns:a16="http://schemas.microsoft.com/office/drawing/2014/main" id="{A891637C-D33E-4744-B48D-26DDF4732B26}"/>
+                <a16:creationId xmlns:a16="http://schemas.microsoft.com/office/drawing/2014/main" xmlns="" id="{A891637C-D33E-4744-B48D-26DDF4732B26}"/>
               </a:ext>
             </a:extLst>
           </p:cNvPr>
@@ -17288,7 +17421,7 @@
         <p:spPr>
           <a:xfrm>
             <a:off x="269239" y="1189177"/>
-            <a:ext cx="11653523" cy="4567404"/>
+            <a:ext cx="11653523" cy="4018472"/>
           </a:xfrm>
         </p:spPr>
         <p:txBody>
@@ -17296,45 +17429,57 @@
           <a:lstStyle/>
           <a:p>
             <a:r>
-              <a:rPr lang="en-US" sz="3200" dirty="0">
+              <a:rPr lang="en-US" sz="3600" dirty="0">
                 <a:cs typeface="Segoe UI" panose="020B0502040204020203" pitchFamily="34" charset="0"/>
               </a:rPr>
-              <a:t>Director of Network Operations believes complex “Enterprise-grade” networking scenarios cannot be deployed in hyper-scale public clouds.</a:t>
-            </a:r>
-          </a:p>
-          <a:p>
-            <a:endParaRPr lang="en-US" sz="3200" dirty="0">
-              <a:cs typeface="Segoe UI" panose="020B0502040204020203" pitchFamily="34" charset="0"/>
-            </a:endParaRPr>
-          </a:p>
-          <a:p>
-            <a:r>
-              <a:rPr lang="en-US" sz="3200" dirty="0">
+              <a:t>Tight regulatory compliance requirements:</a:t>
+            </a:r>
+          </a:p>
+          <a:p>
+            <a:pPr lvl="1"/>
+            <a:r>
+              <a:rPr lang="en-US" sz="2800" dirty="0">
                 <a:cs typeface="Segoe UI" panose="020B0502040204020203" pitchFamily="34" charset="0"/>
               </a:rPr>
-              <a:t>Director of Network Operations requires that engineers have the ability to analyze traffic flows and capture packets when needed.</a:t>
-            </a:r>
-          </a:p>
-          <a:p>
-            <a:endParaRPr lang="en-US" sz="3200" dirty="0">
-              <a:cs typeface="Segoe UI" panose="020B0502040204020203" pitchFamily="34" charset="0"/>
-            </a:endParaRPr>
-          </a:p>
-          <a:p>
-            <a:r>
-              <a:rPr lang="en-US" sz="3200" dirty="0">
+              <a:t>Security must be a key tenant of all operations including those related to technology.</a:t>
+            </a:r>
+          </a:p>
+          <a:p>
+            <a:pPr lvl="1"/>
+            <a:r>
+              <a:rPr lang="en-US" sz="2800" dirty="0">
                 <a:cs typeface="Segoe UI" panose="020B0502040204020203" pitchFamily="34" charset="0"/>
               </a:rPr>
-              <a:t>Need to provide detailed solution plans, case studies, and customer testimonials to help better understand.</a:t>
-            </a:r>
-            <a:endParaRPr lang="en-US" sz="3600" dirty="0"/>
+              <a:t>CSO is opposed to using services solely accessible over the public Internet (Office 365, CRM, and other Microsoft SaaS are off limits).</a:t>
+            </a:r>
+          </a:p>
+          <a:p>
+            <a:pPr lvl="1"/>
+            <a:r>
+              <a:rPr lang="en-US" sz="2800" dirty="0">
+                <a:cs typeface="Segoe UI" panose="020B0502040204020203" pitchFamily="34" charset="0"/>
+              </a:rPr>
+              <a:t>PaaS services accessible over the Internet are also unusable.</a:t>
+            </a:r>
+          </a:p>
+          <a:p>
+            <a:pPr lvl="1"/>
+            <a:r>
+              <a:rPr lang="en-US" sz="2800" dirty="0">
+                <a:cs typeface="Segoe UI" panose="020B0502040204020203" pitchFamily="34" charset="0"/>
+              </a:rPr>
+              <a:t>Relegated Woodgrove to “private” Azure services such as IaaS.</a:t>
+            </a:r>
+          </a:p>
+          <a:p>
+            <a:endParaRPr lang="en-US" dirty="0"/>
           </a:p>
         </p:txBody>
       </p:sp>
     </p:spTree>
     <p:extLst>
       <p:ext uri="{BB962C8B-B14F-4D97-AF65-F5344CB8AC3E}">
-        <p14:creationId xmlns:p14="http://schemas.microsoft.com/office/powerpoint/2010/main" val="2864315215"/>
+        <p14:creationId xmlns:p14="http://schemas.microsoft.com/office/powerpoint/2010/main" val="601339970"/>
       </p:ext>
     </p:extLst>
   </p:cSld>
@@ -17371,10 +17516,62 @@
       </p:grpSpPr>
       <p:sp>
         <p:nvSpPr>
-          <p:cNvPr id="2" name="Title 1">
+          <p:cNvPr id="2" name="Title 1"/>
+          <p:cNvSpPr>
+            <a:spLocks noGrp="1"/>
+          </p:cNvSpPr>
+          <p:nvPr>
+            <p:ph type="title"/>
+          </p:nvPr>
+        </p:nvSpPr>
+        <p:spPr/>
+        <p:txBody>
+          <a:bodyPr>
+            <a:normAutofit fontScale="90000"/>
+          </a:bodyPr>
+          <a:lstStyle/>
+          <a:p>
+            <a:r>
+              <a:rPr lang="en-US" sz="4900" dirty="0">
+                <a:solidFill>
+                  <a:schemeClr val="tx1"/>
+                </a:solidFill>
+                <a:cs typeface="Segoe UI" panose="020B0502040204020203" pitchFamily="34" charset="0"/>
+              </a:rPr>
+              <a:t>Customer objections (continued)</a:t>
+            </a:r>
+            <a:r>
+              <a:rPr lang="en-US" dirty="0">
+                <a:solidFill>
+                  <a:schemeClr val="tx1"/>
+                </a:solidFill>
+                <a:latin typeface="Segoe UI" panose="020B0502040204020203" pitchFamily="34" charset="0"/>
+              </a:rPr>
+              <a:t/>
+            </a:r>
+            <a:br>
+              <a:rPr lang="en-US" dirty="0">
+                <a:solidFill>
+                  <a:schemeClr val="tx1"/>
+                </a:solidFill>
+                <a:latin typeface="Segoe UI" panose="020B0502040204020203" pitchFamily="34" charset="0"/>
+              </a:rPr>
+            </a:br>
+            <a:endParaRPr lang="en-US" sz="3236" dirty="0">
+              <a:solidFill>
+                <a:schemeClr val="tx1"/>
+              </a:solidFill>
+              <a:latin typeface="Segoe UI" panose="020B0502040204020203" pitchFamily="34" charset="0"/>
+            </a:endParaRPr>
+          </a:p>
+        </p:txBody>
+      </p:sp>
+      <p:sp>
+        <p:nvSpPr>
+          <p:cNvPr id="5" name="Text Placeholder 4">
             <a:extLst>
               <a:ext uri="{FF2B5EF4-FFF2-40B4-BE49-F238E27FC236}">
-                <a16:creationId xmlns:a16="http://schemas.microsoft.com/office/drawing/2014/main" id="{BE8231BC-DBD0-4D6D-8DB2-8CCB9FA65DBF}"/>
+                <a16:creationId xmlns:a16="http://schemas.microsoft.com/office/drawing/2014/main" xmlns="" id="{A891637C-D33E-4744-B48D-26DDF4732B26}"/>
               </a:ext>
             </a:extLst>
           </p:cNvPr>
@@ -17382,375 +17579,59 @@
             <a:spLocks noGrp="1"/>
           </p:cNvSpPr>
           <p:nvPr>
-            <p:ph type="title"/>
+            <p:ph type="body" sz="quarter" idx="10"/>
           </p:nvPr>
         </p:nvSpPr>
-        <p:spPr/>
+        <p:spPr>
+          <a:xfrm>
+            <a:off x="269239" y="1189177"/>
+            <a:ext cx="11653523" cy="4567404"/>
+          </a:xfrm>
+        </p:spPr>
         <p:txBody>
           <a:bodyPr/>
           <a:lstStyle/>
           <a:p>
             <a:r>
-              <a:rPr lang="en-US" sz="4400" dirty="0"/>
-              <a:t>Common scenarios</a:t>
-            </a:r>
+              <a:rPr lang="en-US" sz="3200" dirty="0">
+                <a:cs typeface="Segoe UI" panose="020B0502040204020203" pitchFamily="34" charset="0"/>
+              </a:rPr>
+              <a:t>Director of Network Operations believes complex “Enterprise-grade” networking scenarios cannot be deployed in hyper-scale public clouds.</a:t>
+            </a:r>
+          </a:p>
+          <a:p>
+            <a:endParaRPr lang="en-US" sz="3200" dirty="0">
+              <a:cs typeface="Segoe UI" panose="020B0502040204020203" pitchFamily="34" charset="0"/>
+            </a:endParaRPr>
+          </a:p>
+          <a:p>
+            <a:r>
+              <a:rPr lang="en-US" sz="3200" dirty="0">
+                <a:cs typeface="Segoe UI" panose="020B0502040204020203" pitchFamily="34" charset="0"/>
+              </a:rPr>
+              <a:t>Director of Network Operations requires that engineers have the ability to analyze traffic flows and capture packets when needed.</a:t>
+            </a:r>
+          </a:p>
+          <a:p>
+            <a:endParaRPr lang="en-US" sz="3200" dirty="0">
+              <a:cs typeface="Segoe UI" panose="020B0502040204020203" pitchFamily="34" charset="0"/>
+            </a:endParaRPr>
+          </a:p>
+          <a:p>
+            <a:r>
+              <a:rPr lang="en-US" sz="3200" dirty="0">
+                <a:cs typeface="Segoe UI" panose="020B0502040204020203" pitchFamily="34" charset="0"/>
+              </a:rPr>
+              <a:t>Need to provide detailed solution plans, case studies, and customer testimonials to help better understand.</a:t>
+            </a:r>
+            <a:endParaRPr lang="en-US" sz="3600" dirty="0"/>
           </a:p>
         </p:txBody>
       </p:sp>
-      <p:sp>
-        <p:nvSpPr>
-          <p:cNvPr id="12" name="TextBox 11">
-            <a:extLst>
-              <a:ext uri="{FF2B5EF4-FFF2-40B4-BE49-F238E27FC236}">
-                <a16:creationId xmlns:a16="http://schemas.microsoft.com/office/drawing/2014/main" id="{BB7B69BE-0BF3-488B-B149-D6D432A65F0D}"/>
-              </a:ext>
-            </a:extLst>
-          </p:cNvPr>
-          <p:cNvSpPr txBox="1"/>
-          <p:nvPr/>
-        </p:nvSpPr>
-        <p:spPr>
-          <a:xfrm>
-            <a:off x="2132269" y="1098242"/>
-            <a:ext cx="6248379" cy="683264"/>
-          </a:xfrm>
-          <a:prstGeom prst="rect">
-            <a:avLst/>
-          </a:prstGeom>
-          <a:noFill/>
-        </p:spPr>
-        <p:txBody>
-          <a:bodyPr wrap="square" lIns="182880" tIns="146304" rIns="182880" bIns="146304" rtlCol="0">
-            <a:spAutoFit/>
-          </a:bodyPr>
-          <a:lstStyle/>
-          <a:p>
-            <a:pPr>
-              <a:lnSpc>
-                <a:spcPct val="90000"/>
-              </a:lnSpc>
-              <a:spcAft>
-                <a:spcPts val="600"/>
-              </a:spcAft>
-            </a:pPr>
-            <a:r>
-              <a:rPr lang="en-US" sz="2800" dirty="0">
-                <a:gradFill>
-                  <a:gsLst>
-                    <a:gs pos="2917">
-                      <a:schemeClr val="tx1"/>
-                    </a:gs>
-                    <a:gs pos="30000">
-                      <a:schemeClr val="tx1"/>
-                    </a:gs>
-                  </a:gsLst>
-                  <a:lin ang="5400000" scaled="0"/>
-                </a:gradFill>
-              </a:rPr>
-              <a:t>Azure Infrastructure as a Service (IaaS)</a:t>
-            </a:r>
-          </a:p>
-        </p:txBody>
-      </p:sp>
-      <p:sp>
-        <p:nvSpPr>
-          <p:cNvPr id="13" name="TextBox 12">
-            <a:extLst>
-              <a:ext uri="{FF2B5EF4-FFF2-40B4-BE49-F238E27FC236}">
-                <a16:creationId xmlns:a16="http://schemas.microsoft.com/office/drawing/2014/main" id="{7E7AE8F8-75C8-45EA-916D-F986C112572B}"/>
-              </a:ext>
-            </a:extLst>
-          </p:cNvPr>
-          <p:cNvSpPr txBox="1"/>
-          <p:nvPr/>
-        </p:nvSpPr>
-        <p:spPr>
-          <a:xfrm>
-            <a:off x="2193748" y="4892735"/>
-            <a:ext cx="4149484" cy="1855893"/>
-          </a:xfrm>
-          <a:prstGeom prst="rect">
-            <a:avLst/>
-          </a:prstGeom>
-          <a:noFill/>
-        </p:spPr>
-        <p:txBody>
-          <a:bodyPr wrap="square" lIns="182880" tIns="146304" rIns="182880" bIns="146304" rtlCol="0">
-            <a:spAutoFit/>
-          </a:bodyPr>
-          <a:lstStyle/>
-          <a:p>
-            <a:pPr>
-              <a:lnSpc>
-                <a:spcPct val="90000"/>
-              </a:lnSpc>
-              <a:spcAft>
-                <a:spcPts val="600"/>
-              </a:spcAft>
-            </a:pPr>
-            <a:r>
-              <a:rPr lang="en-US" sz="2400" dirty="0">
-                <a:gradFill>
-                  <a:gsLst>
-                    <a:gs pos="2917">
-                      <a:schemeClr val="tx1"/>
-                    </a:gs>
-                    <a:gs pos="30000">
-                      <a:schemeClr val="tx1"/>
-                    </a:gs>
-                  </a:gsLst>
-                  <a:lin ang="5400000" scaled="0"/>
-                </a:gradFill>
-              </a:rPr>
-              <a:t>Virtual machines</a:t>
-            </a:r>
-          </a:p>
-          <a:p>
-            <a:pPr>
-              <a:lnSpc>
-                <a:spcPct val="90000"/>
-              </a:lnSpc>
-              <a:spcAft>
-                <a:spcPts val="600"/>
-              </a:spcAft>
-            </a:pPr>
-            <a:r>
-              <a:rPr lang="en-US" sz="2400" dirty="0">
-                <a:gradFill>
-                  <a:gsLst>
-                    <a:gs pos="2917">
-                      <a:schemeClr val="tx1"/>
-                    </a:gs>
-                    <a:gs pos="30000">
-                      <a:schemeClr val="tx1"/>
-                    </a:gs>
-                  </a:gsLst>
-                  <a:lin ang="5400000" scaled="0"/>
-                </a:gradFill>
-              </a:rPr>
-              <a:t>Virtual networks</a:t>
-            </a:r>
-          </a:p>
-          <a:p>
-            <a:pPr>
-              <a:lnSpc>
-                <a:spcPct val="90000"/>
-              </a:lnSpc>
-              <a:spcAft>
-                <a:spcPts val="600"/>
-              </a:spcAft>
-            </a:pPr>
-            <a:r>
-              <a:rPr lang="en-US" sz="2400" dirty="0">
-                <a:gradFill>
-                  <a:gsLst>
-                    <a:gs pos="2917">
-                      <a:schemeClr val="tx1"/>
-                    </a:gs>
-                    <a:gs pos="30000">
-                      <a:schemeClr val="tx1"/>
-                    </a:gs>
-                  </a:gsLst>
-                  <a:lin ang="5400000" scaled="0"/>
-                </a:gradFill>
-              </a:rPr>
-              <a:t>VPN gateway</a:t>
-            </a:r>
-          </a:p>
-          <a:p>
-            <a:pPr>
-              <a:lnSpc>
-                <a:spcPct val="90000"/>
-              </a:lnSpc>
-              <a:spcAft>
-                <a:spcPts val="600"/>
-              </a:spcAft>
-            </a:pPr>
-            <a:r>
-              <a:rPr lang="en-US" sz="2400" dirty="0">
-                <a:gradFill>
-                  <a:gsLst>
-                    <a:gs pos="2917">
-                      <a:schemeClr val="tx1"/>
-                    </a:gs>
-                    <a:gs pos="30000">
-                      <a:schemeClr val="tx1"/>
-                    </a:gs>
-                  </a:gsLst>
-                  <a:lin ang="5400000" scaled="0"/>
-                </a:gradFill>
-              </a:rPr>
-              <a:t>Virtual appliances</a:t>
-            </a:r>
-          </a:p>
-        </p:txBody>
-      </p:sp>
-      <p:sp>
-        <p:nvSpPr>
-          <p:cNvPr id="18" name="Rectangle 17">
-            <a:extLst>
-              <a:ext uri="{FF2B5EF4-FFF2-40B4-BE49-F238E27FC236}">
-                <a16:creationId xmlns:a16="http://schemas.microsoft.com/office/drawing/2014/main" id="{BA1A90AE-9682-4394-BC32-018C71CCDB30}"/>
-              </a:ext>
-            </a:extLst>
-          </p:cNvPr>
-          <p:cNvSpPr/>
-          <p:nvPr/>
-        </p:nvSpPr>
-        <p:spPr>
-          <a:xfrm>
-            <a:off x="4771097" y="5022672"/>
-            <a:ext cx="3582742" cy="1652760"/>
-          </a:xfrm>
-          <a:prstGeom prst="rect">
-            <a:avLst/>
-          </a:prstGeom>
-        </p:spPr>
-        <p:txBody>
-          <a:bodyPr wrap="square">
-            <a:spAutoFit/>
-          </a:bodyPr>
-          <a:lstStyle/>
-          <a:p>
-            <a:pPr>
-              <a:lnSpc>
-                <a:spcPct val="90000"/>
-              </a:lnSpc>
-              <a:spcAft>
-                <a:spcPts val="600"/>
-              </a:spcAft>
-            </a:pPr>
-            <a:r>
-              <a:rPr lang="en-US" sz="2400" dirty="0">
-                <a:gradFill>
-                  <a:gsLst>
-                    <a:gs pos="2917">
-                      <a:schemeClr val="tx1"/>
-                    </a:gs>
-                    <a:gs pos="30000">
-                      <a:schemeClr val="tx1"/>
-                    </a:gs>
-                  </a:gsLst>
-                  <a:lin ang="5400000" scaled="0"/>
-                </a:gradFill>
-              </a:rPr>
-              <a:t>Hybrid connectivity </a:t>
-            </a:r>
-          </a:p>
-          <a:p>
-            <a:pPr>
-              <a:lnSpc>
-                <a:spcPct val="90000"/>
-              </a:lnSpc>
-              <a:spcAft>
-                <a:spcPts val="600"/>
-              </a:spcAft>
-            </a:pPr>
-            <a:r>
-              <a:rPr lang="en-US" sz="2400" dirty="0">
-                <a:gradFill>
-                  <a:gsLst>
-                    <a:gs pos="2917">
-                      <a:schemeClr val="tx1"/>
-                    </a:gs>
-                    <a:gs pos="30000">
-                      <a:schemeClr val="tx1"/>
-                    </a:gs>
-                  </a:gsLst>
-                  <a:lin ang="5400000" scaled="0"/>
-                </a:gradFill>
-              </a:rPr>
-              <a:t>Load balancers</a:t>
-            </a:r>
-          </a:p>
-          <a:p>
-            <a:pPr>
-              <a:lnSpc>
-                <a:spcPct val="90000"/>
-              </a:lnSpc>
-              <a:spcAft>
-                <a:spcPts val="600"/>
-              </a:spcAft>
-            </a:pPr>
-            <a:r>
-              <a:rPr lang="en-US" sz="2400" dirty="0">
-                <a:gradFill>
-                  <a:gsLst>
-                    <a:gs pos="2917">
-                      <a:schemeClr val="tx1"/>
-                    </a:gs>
-                    <a:gs pos="30000">
-                      <a:schemeClr val="tx1"/>
-                    </a:gs>
-                  </a:gsLst>
-                  <a:lin ang="5400000" scaled="0"/>
-                </a:gradFill>
-              </a:rPr>
-              <a:t>Storage</a:t>
-            </a:r>
-          </a:p>
-          <a:p>
-            <a:pPr>
-              <a:lnSpc>
-                <a:spcPct val="90000"/>
-              </a:lnSpc>
-              <a:spcAft>
-                <a:spcPts val="600"/>
-              </a:spcAft>
-            </a:pPr>
-            <a:r>
-              <a:rPr lang="en-US" sz="2400" dirty="0">
-                <a:gradFill>
-                  <a:gsLst>
-                    <a:gs pos="2917">
-                      <a:schemeClr val="tx1"/>
-                    </a:gs>
-                    <a:gs pos="30000">
-                      <a:schemeClr val="tx1"/>
-                    </a:gs>
-                  </a:gsLst>
-                  <a:lin ang="5400000" scaled="0"/>
-                </a:gradFill>
-              </a:rPr>
-              <a:t>Web Application firewall</a:t>
-            </a:r>
-          </a:p>
-        </p:txBody>
-      </p:sp>
-      <p:pic>
-        <p:nvPicPr>
-          <p:cNvPr id="5" name="Picture 4" descr="Infographic of common scenarios&#10;&#10;A diagram that depicts Virtual machines, virtual networks, hybrid connectivity, VPN gateway, virtual appliances, load balancers and storage&#10;">
-            <a:extLst>
-              <a:ext uri="{FF2B5EF4-FFF2-40B4-BE49-F238E27FC236}">
-                <a16:creationId xmlns:a16="http://schemas.microsoft.com/office/drawing/2014/main" id="{F2BDFBC7-2E7D-4A4D-AB57-E117ACD98572}"/>
-              </a:ext>
-            </a:extLst>
-          </p:cNvPr>
-          <p:cNvPicPr>
-            <a:picLocks noChangeAspect="1"/>
-          </p:cNvPicPr>
-          <p:nvPr/>
-        </p:nvPicPr>
-        <p:blipFill>
-          <a:blip r:embed="rId3"/>
-          <a:stretch>
-            <a:fillRect/>
-          </a:stretch>
-        </p:blipFill>
-        <p:spPr>
-          <a:xfrm>
-            <a:off x="1618153" y="1624710"/>
-            <a:ext cx="7276610" cy="3332993"/>
-          </a:xfrm>
-          <a:prstGeom prst="rect">
-            <a:avLst/>
-          </a:prstGeom>
-        </p:spPr>
-      </p:pic>
     </p:spTree>
     <p:extLst>
       <p:ext uri="{BB962C8B-B14F-4D97-AF65-F5344CB8AC3E}">
-        <p14:creationId xmlns:p14="http://schemas.microsoft.com/office/powerpoint/2010/main" val="3276359844"/>
+        <p14:creationId xmlns:p14="http://schemas.microsoft.com/office/powerpoint/2010/main" val="2864315215"/>
       </p:ext>
     </p:extLst>
   </p:cSld>
@@ -17787,6 +17668,560 @@
       </p:grpSpPr>
       <p:sp>
         <p:nvSpPr>
+          <p:cNvPr id="2" name="Title 1">
+            <a:extLst>
+              <a:ext uri="{FF2B5EF4-FFF2-40B4-BE49-F238E27FC236}">
+                <a16:creationId xmlns:a16="http://schemas.microsoft.com/office/drawing/2014/main" xmlns="" id="{BE8231BC-DBD0-4D6D-8DB2-8CCB9FA65DBF}"/>
+              </a:ext>
+            </a:extLst>
+          </p:cNvPr>
+          <p:cNvSpPr>
+            <a:spLocks noGrp="1"/>
+          </p:cNvSpPr>
+          <p:nvPr>
+            <p:ph type="title"/>
+          </p:nvPr>
+        </p:nvSpPr>
+        <p:spPr/>
+        <p:txBody>
+          <a:bodyPr/>
+          <a:lstStyle/>
+          <a:p>
+            <a:r>
+              <a:rPr lang="en-US" sz="4400" dirty="0"/>
+              <a:t>Common scenarios</a:t>
+            </a:r>
+          </a:p>
+        </p:txBody>
+      </p:sp>
+      <p:sp>
+        <p:nvSpPr>
+          <p:cNvPr id="12" name="TextBox 11">
+            <a:extLst>
+              <a:ext uri="{FF2B5EF4-FFF2-40B4-BE49-F238E27FC236}">
+                <a16:creationId xmlns:a16="http://schemas.microsoft.com/office/drawing/2014/main" xmlns="" id="{BB7B69BE-0BF3-488B-B149-D6D432A65F0D}"/>
+              </a:ext>
+            </a:extLst>
+          </p:cNvPr>
+          <p:cNvSpPr txBox="1"/>
+          <p:nvPr/>
+        </p:nvSpPr>
+        <p:spPr>
+          <a:xfrm>
+            <a:off x="2132269" y="1098242"/>
+            <a:ext cx="6248379" cy="683264"/>
+          </a:xfrm>
+          <a:prstGeom prst="rect">
+            <a:avLst/>
+          </a:prstGeom>
+          <a:noFill/>
+        </p:spPr>
+        <p:txBody>
+          <a:bodyPr wrap="square" lIns="182880" tIns="146304" rIns="182880" bIns="146304" rtlCol="0">
+            <a:spAutoFit/>
+          </a:bodyPr>
+          <a:lstStyle/>
+          <a:p>
+            <a:pPr>
+              <a:lnSpc>
+                <a:spcPct val="90000"/>
+              </a:lnSpc>
+              <a:spcAft>
+                <a:spcPts val="600"/>
+              </a:spcAft>
+            </a:pPr>
+            <a:r>
+              <a:rPr lang="en-US" sz="2800" dirty="0">
+                <a:gradFill>
+                  <a:gsLst>
+                    <a:gs pos="2917">
+                      <a:schemeClr val="tx1"/>
+                    </a:gs>
+                    <a:gs pos="30000">
+                      <a:schemeClr val="tx1"/>
+                    </a:gs>
+                  </a:gsLst>
+                  <a:lin ang="5400000" scaled="0"/>
+                </a:gradFill>
+              </a:rPr>
+              <a:t>Azure Infrastructure as a Service (IaaS)</a:t>
+            </a:r>
+          </a:p>
+        </p:txBody>
+      </p:sp>
+      <p:sp>
+        <p:nvSpPr>
+          <p:cNvPr id="13" name="TextBox 12">
+            <a:extLst>
+              <a:ext uri="{FF2B5EF4-FFF2-40B4-BE49-F238E27FC236}">
+                <a16:creationId xmlns:a16="http://schemas.microsoft.com/office/drawing/2014/main" xmlns="" id="{7E7AE8F8-75C8-45EA-916D-F986C112572B}"/>
+              </a:ext>
+            </a:extLst>
+          </p:cNvPr>
+          <p:cNvSpPr txBox="1"/>
+          <p:nvPr/>
+        </p:nvSpPr>
+        <p:spPr>
+          <a:xfrm>
+            <a:off x="1965999" y="4353892"/>
+            <a:ext cx="4149484" cy="1855893"/>
+          </a:xfrm>
+          <a:prstGeom prst="rect">
+            <a:avLst/>
+          </a:prstGeom>
+          <a:noFill/>
+        </p:spPr>
+        <p:txBody>
+          <a:bodyPr wrap="square" lIns="182880" tIns="146304" rIns="182880" bIns="146304" rtlCol="0">
+            <a:spAutoFit/>
+          </a:bodyPr>
+          <a:lstStyle/>
+          <a:p>
+            <a:pPr>
+              <a:lnSpc>
+                <a:spcPct val="90000"/>
+              </a:lnSpc>
+              <a:spcAft>
+                <a:spcPts val="600"/>
+              </a:spcAft>
+            </a:pPr>
+            <a:r>
+              <a:rPr lang="en-US" sz="2400" dirty="0">
+                <a:gradFill>
+                  <a:gsLst>
+                    <a:gs pos="2917">
+                      <a:schemeClr val="tx1"/>
+                    </a:gs>
+                    <a:gs pos="30000">
+                      <a:schemeClr val="tx1"/>
+                    </a:gs>
+                  </a:gsLst>
+                  <a:lin ang="5400000" scaled="0"/>
+                </a:gradFill>
+              </a:rPr>
+              <a:t>Virtual machines</a:t>
+            </a:r>
+          </a:p>
+          <a:p>
+            <a:pPr>
+              <a:lnSpc>
+                <a:spcPct val="90000"/>
+              </a:lnSpc>
+              <a:spcAft>
+                <a:spcPts val="600"/>
+              </a:spcAft>
+            </a:pPr>
+            <a:r>
+              <a:rPr lang="en-US" sz="2400" dirty="0">
+                <a:gradFill>
+                  <a:gsLst>
+                    <a:gs pos="2917">
+                      <a:schemeClr val="tx1"/>
+                    </a:gs>
+                    <a:gs pos="30000">
+                      <a:schemeClr val="tx1"/>
+                    </a:gs>
+                  </a:gsLst>
+                  <a:lin ang="5400000" scaled="0"/>
+                </a:gradFill>
+              </a:rPr>
+              <a:t>Virtual networks</a:t>
+            </a:r>
+          </a:p>
+          <a:p>
+            <a:pPr>
+              <a:lnSpc>
+                <a:spcPct val="90000"/>
+              </a:lnSpc>
+              <a:spcAft>
+                <a:spcPts val="600"/>
+              </a:spcAft>
+            </a:pPr>
+            <a:r>
+              <a:rPr lang="en-US" sz="2400" dirty="0">
+                <a:gradFill>
+                  <a:gsLst>
+                    <a:gs pos="2917">
+                      <a:schemeClr val="tx1"/>
+                    </a:gs>
+                    <a:gs pos="30000">
+                      <a:schemeClr val="tx1"/>
+                    </a:gs>
+                  </a:gsLst>
+                  <a:lin ang="5400000" scaled="0"/>
+                </a:gradFill>
+              </a:rPr>
+              <a:t>VPN gateway</a:t>
+            </a:r>
+          </a:p>
+          <a:p>
+            <a:pPr>
+              <a:lnSpc>
+                <a:spcPct val="90000"/>
+              </a:lnSpc>
+              <a:spcAft>
+                <a:spcPts val="600"/>
+              </a:spcAft>
+            </a:pPr>
+            <a:r>
+              <a:rPr lang="en-US" sz="2400" dirty="0">
+                <a:gradFill>
+                  <a:gsLst>
+                    <a:gs pos="2917">
+                      <a:schemeClr val="tx1"/>
+                    </a:gs>
+                    <a:gs pos="30000">
+                      <a:schemeClr val="tx1"/>
+                    </a:gs>
+                  </a:gsLst>
+                  <a:lin ang="5400000" scaled="0"/>
+                </a:gradFill>
+              </a:rPr>
+              <a:t>Virtual appliances</a:t>
+            </a:r>
+          </a:p>
+        </p:txBody>
+      </p:sp>
+      <p:sp>
+        <p:nvSpPr>
+          <p:cNvPr id="18" name="Rectangle 17">
+            <a:extLst>
+              <a:ext uri="{FF2B5EF4-FFF2-40B4-BE49-F238E27FC236}">
+                <a16:creationId xmlns:a16="http://schemas.microsoft.com/office/drawing/2014/main" xmlns="" id="{BA1A90AE-9682-4394-BC32-018C71CCDB30}"/>
+              </a:ext>
+            </a:extLst>
+          </p:cNvPr>
+          <p:cNvSpPr/>
+          <p:nvPr/>
+        </p:nvSpPr>
+        <p:spPr>
+          <a:xfrm>
+            <a:off x="4671958" y="4406909"/>
+            <a:ext cx="3582742" cy="2062103"/>
+          </a:xfrm>
+          <a:prstGeom prst="rect">
+            <a:avLst/>
+          </a:prstGeom>
+        </p:spPr>
+        <p:txBody>
+          <a:bodyPr wrap="square">
+            <a:spAutoFit/>
+          </a:bodyPr>
+          <a:lstStyle/>
+          <a:p>
+            <a:pPr>
+              <a:lnSpc>
+                <a:spcPct val="90000"/>
+              </a:lnSpc>
+              <a:spcAft>
+                <a:spcPts val="600"/>
+              </a:spcAft>
+            </a:pPr>
+            <a:r>
+              <a:rPr lang="en-US" sz="2400" dirty="0">
+                <a:gradFill>
+                  <a:gsLst>
+                    <a:gs pos="2917">
+                      <a:schemeClr val="tx1"/>
+                    </a:gs>
+                    <a:gs pos="30000">
+                      <a:schemeClr val="tx1"/>
+                    </a:gs>
+                  </a:gsLst>
+                  <a:lin ang="5400000" scaled="0"/>
+                </a:gradFill>
+              </a:rPr>
+              <a:t>Hybrid connectivity </a:t>
+            </a:r>
+          </a:p>
+          <a:p>
+            <a:pPr>
+              <a:lnSpc>
+                <a:spcPct val="90000"/>
+              </a:lnSpc>
+              <a:spcAft>
+                <a:spcPts val="600"/>
+              </a:spcAft>
+            </a:pPr>
+            <a:r>
+              <a:rPr lang="en-US" sz="2400" dirty="0">
+                <a:gradFill>
+                  <a:gsLst>
+                    <a:gs pos="2917">
+                      <a:schemeClr val="tx1"/>
+                    </a:gs>
+                    <a:gs pos="30000">
+                      <a:schemeClr val="tx1"/>
+                    </a:gs>
+                  </a:gsLst>
+                  <a:lin ang="5400000" scaled="0"/>
+                </a:gradFill>
+              </a:rPr>
+              <a:t>Load balancers</a:t>
+            </a:r>
+          </a:p>
+          <a:p>
+            <a:pPr>
+              <a:lnSpc>
+                <a:spcPct val="90000"/>
+              </a:lnSpc>
+              <a:spcAft>
+                <a:spcPts val="600"/>
+              </a:spcAft>
+            </a:pPr>
+            <a:r>
+              <a:rPr lang="en-US" sz="2400" dirty="0">
+                <a:gradFill>
+                  <a:gsLst>
+                    <a:gs pos="2917">
+                      <a:schemeClr val="tx1"/>
+                    </a:gs>
+                    <a:gs pos="30000">
+                      <a:schemeClr val="tx1"/>
+                    </a:gs>
+                  </a:gsLst>
+                  <a:lin ang="5400000" scaled="0"/>
+                </a:gradFill>
+              </a:rPr>
+              <a:t>Storage</a:t>
+            </a:r>
+          </a:p>
+          <a:p>
+            <a:pPr>
+              <a:lnSpc>
+                <a:spcPct val="90000"/>
+              </a:lnSpc>
+              <a:spcAft>
+                <a:spcPts val="600"/>
+              </a:spcAft>
+            </a:pPr>
+            <a:r>
+              <a:rPr lang="en-US" sz="2400" dirty="0">
+                <a:gradFill>
+                  <a:gsLst>
+                    <a:gs pos="2917">
+                      <a:schemeClr val="tx1"/>
+                    </a:gs>
+                    <a:gs pos="30000">
+                      <a:schemeClr val="tx1"/>
+                    </a:gs>
+                  </a:gsLst>
+                  <a:lin ang="5400000" scaled="0"/>
+                </a:gradFill>
+              </a:rPr>
+              <a:t>Web Application firewall</a:t>
+            </a:r>
+          </a:p>
+          <a:p>
+            <a:pPr>
+              <a:lnSpc>
+                <a:spcPct val="90000"/>
+              </a:lnSpc>
+              <a:spcAft>
+                <a:spcPts val="600"/>
+              </a:spcAft>
+            </a:pPr>
+            <a:r>
+              <a:rPr lang="en-US" sz="2400" dirty="0">
+                <a:gradFill>
+                  <a:gsLst>
+                    <a:gs pos="2917">
+                      <a:schemeClr val="tx1"/>
+                    </a:gs>
+                    <a:gs pos="30000">
+                      <a:schemeClr val="tx1"/>
+                    </a:gs>
+                  </a:gsLst>
+                  <a:lin ang="5400000" scaled="0"/>
+                </a:gradFill>
+              </a:rPr>
+              <a:t>Azure Firewall</a:t>
+            </a:r>
+          </a:p>
+        </p:txBody>
+      </p:sp>
+      <p:pic>
+        <p:nvPicPr>
+          <p:cNvPr id="5" name="Picture 4" descr="Infographic of common scenarios&#10;&#10;A diagram that depicts Virtual machines, virtual networks, hybrid connectivity, VPN gateway, virtual appliances, load balancers and storage&#10;">
+            <a:extLst>
+              <a:ext uri="{FF2B5EF4-FFF2-40B4-BE49-F238E27FC236}">
+                <a16:creationId xmlns:a16="http://schemas.microsoft.com/office/drawing/2014/main" xmlns="" id="{F2BDFBC7-2E7D-4A4D-AB57-E117ACD98572}"/>
+              </a:ext>
+            </a:extLst>
+          </p:cNvPr>
+          <p:cNvPicPr>
+            <a:picLocks noChangeAspect="1"/>
+          </p:cNvPicPr>
+          <p:nvPr/>
+        </p:nvPicPr>
+        <p:blipFill>
+          <a:blip r:embed="rId3"/>
+          <a:stretch>
+            <a:fillRect/>
+          </a:stretch>
+        </p:blipFill>
+        <p:spPr>
+          <a:xfrm>
+            <a:off x="1618153" y="1624711"/>
+            <a:ext cx="6248379" cy="2862020"/>
+          </a:xfrm>
+          <a:prstGeom prst="rect">
+            <a:avLst/>
+          </a:prstGeom>
+        </p:spPr>
+      </p:pic>
+    </p:spTree>
+    <p:extLst>
+      <p:ext uri="{BB962C8B-B14F-4D97-AF65-F5344CB8AC3E}">
+        <p14:creationId xmlns:p14="http://schemas.microsoft.com/office/powerpoint/2010/main" val="3276359844"/>
+      </p:ext>
+    </p:extLst>
+  </p:cSld>
+  <p:clrMapOvr>
+    <a:masterClrMapping/>
+  </p:clrMapOvr>
+  <mc:AlternateContent xmlns:mc="http://schemas.openxmlformats.org/markup-compatibility/2006" xmlns:p14="http://schemas.microsoft.com/office/powerpoint/2010/main">
+    <mc:Choice Requires="p14">
+      <p:transition p14:dur="0"/>
+    </mc:Choice>
+    <mc:Fallback xmlns="">
+      <p:transition/>
+    </mc:Fallback>
+  </mc:AlternateContent>
+</p:sld>
+</file>
+
+<file path=ppt/slides/slide2.xml><?xml version="1.0" encoding="utf-8"?>
+<p:sld xmlns:a="http://schemas.openxmlformats.org/drawingml/2006/main" xmlns:r="http://schemas.openxmlformats.org/officeDocument/2006/relationships" xmlns:p="http://schemas.openxmlformats.org/presentationml/2006/main" showMasterSp="0">
+  <p:cSld>
+    <p:spTree>
+      <p:nvGrpSpPr>
+        <p:cNvPr id="1" name=""/>
+        <p:cNvGrpSpPr/>
+        <p:nvPr/>
+      </p:nvGrpSpPr>
+      <p:grpSpPr>
+        <a:xfrm>
+          <a:off x="0" y="0"/>
+          <a:ext cx="0" cy="0"/>
+          <a:chOff x="0" y="0"/>
+          <a:chExt cx="0" cy="0"/>
+        </a:xfrm>
+      </p:grpSpPr>
+      <p:sp>
+        <p:nvSpPr>
+          <p:cNvPr id="2" name="Title 1"/>
+          <p:cNvSpPr>
+            <a:spLocks noGrp="1"/>
+          </p:cNvSpPr>
+          <p:nvPr>
+            <p:ph type="title"/>
+          </p:nvPr>
+        </p:nvSpPr>
+        <p:spPr/>
+        <p:txBody>
+          <a:bodyPr>
+            <a:normAutofit/>
+          </a:bodyPr>
+          <a:lstStyle/>
+          <a:p>
+            <a:r>
+              <a:rPr lang="en-US" sz="4400" dirty="0">
+                <a:solidFill>
+                  <a:schemeClr val="tx1"/>
+                </a:solidFill>
+                <a:latin typeface="Segoe UI Light" panose="020B0502040204020203" pitchFamily="34" charset="0"/>
+                <a:cs typeface="Segoe UI Light" panose="020B0502040204020203" pitchFamily="34" charset="0"/>
+              </a:rPr>
+              <a:t>Abstract and learning objectives</a:t>
+            </a:r>
+          </a:p>
+        </p:txBody>
+      </p:sp>
+      <p:sp>
+        <p:nvSpPr>
+          <p:cNvPr id="9" name="TextBox 8">
+            <a:extLst>
+              <a:ext uri="{FF2B5EF4-FFF2-40B4-BE49-F238E27FC236}">
+                <a16:creationId xmlns:a16="http://schemas.microsoft.com/office/drawing/2014/main" xmlns="" id="{0F86F9F9-39B5-4CE6-AF48-9ADAE40EA728}"/>
+              </a:ext>
+            </a:extLst>
+          </p:cNvPr>
+          <p:cNvSpPr txBox="1"/>
+          <p:nvPr/>
+        </p:nvSpPr>
+        <p:spPr>
+          <a:xfrm>
+            <a:off x="269240" y="1160028"/>
+            <a:ext cx="11329725" cy="3742563"/>
+          </a:xfrm>
+          <a:prstGeom prst="rect">
+            <a:avLst/>
+          </a:prstGeom>
+          <a:noFill/>
+        </p:spPr>
+        <p:txBody>
+          <a:bodyPr wrap="square" lIns="182880" tIns="146304" rIns="182880" bIns="146304" rtlCol="0">
+            <a:spAutoFit/>
+          </a:bodyPr>
+          <a:lstStyle/>
+          <a:p>
+            <a:r>
+              <a:rPr lang="en-US" sz="2800" dirty="0"/>
+              <a:t>In this whiteboard design session, you will look at the process of configuring an enterprise-class network within Azure. Your design will include technologies to connect multiple virtual networks, as well as using capabilities such as routing to deploy network virtual appliances such as firewalls to secure your deployment.</a:t>
+            </a:r>
+          </a:p>
+          <a:p>
+            <a:endParaRPr lang="en-US" sz="2800" dirty="0"/>
+          </a:p>
+          <a:p>
+            <a:r>
+              <a:rPr lang="en-US" sz="2800" dirty="0"/>
+              <a:t>At the end of this whiteboard design session, you will be better able to design solutions using Azure Networking features and capabilities.</a:t>
+            </a:r>
+          </a:p>
+        </p:txBody>
+      </p:sp>
+    </p:spTree>
+    <p:extLst>
+      <p:ext uri="{BB962C8B-B14F-4D97-AF65-F5344CB8AC3E}">
+        <p14:creationId xmlns:p14="http://schemas.microsoft.com/office/powerpoint/2010/main" val="772880493"/>
+      </p:ext>
+    </p:extLst>
+  </p:cSld>
+  <p:clrMapOvr>
+    <a:masterClrMapping/>
+  </p:clrMapOvr>
+  <mc:AlternateContent xmlns:mc="http://schemas.openxmlformats.org/markup-compatibility/2006" xmlns:p14="http://schemas.microsoft.com/office/powerpoint/2010/main">
+    <mc:Choice Requires="p14">
+      <p:transition p14:dur="0"/>
+    </mc:Choice>
+    <mc:Fallback xmlns="">
+      <p:transition/>
+    </mc:Fallback>
+  </mc:AlternateContent>
+</p:sld>
+</file>
+
+<file path=ppt/slides/slide20.xml><?xml version="1.0" encoding="utf-8"?>
+<p:sld xmlns:a="http://schemas.openxmlformats.org/drawingml/2006/main" xmlns:r="http://schemas.openxmlformats.org/officeDocument/2006/relationships" xmlns:p="http://schemas.openxmlformats.org/presentationml/2006/main" showMasterSp="0">
+  <p:cSld>
+    <p:spTree>
+      <p:nvGrpSpPr>
+        <p:cNvPr id="1" name=""/>
+        <p:cNvGrpSpPr/>
+        <p:nvPr/>
+      </p:nvGrpSpPr>
+      <p:grpSpPr>
+        <a:xfrm>
+          <a:off x="0" y="0"/>
+          <a:ext cx="0" cy="0"/>
+          <a:chOff x="0" y="0"/>
+          <a:chExt cx="0" cy="0"/>
+        </a:xfrm>
+      </p:grpSpPr>
+      <p:sp>
+        <p:nvSpPr>
           <p:cNvPr id="2" name="Title 1"/>
           <p:cNvSpPr>
             <a:spLocks noGrp="1"/>
@@ -17825,7 +18260,7 @@
           <p:cNvPr id="9" name="TextBox 8">
             <a:extLst>
               <a:ext uri="{FF2B5EF4-FFF2-40B4-BE49-F238E27FC236}">
-                <a16:creationId xmlns:a16="http://schemas.microsoft.com/office/drawing/2014/main" id="{0F86F9F9-39B5-4CE6-AF48-9ADAE40EA728}"/>
+                <a16:creationId xmlns:a16="http://schemas.microsoft.com/office/drawing/2014/main" xmlns="" id="{0F86F9F9-39B5-4CE6-AF48-9ADAE40EA728}"/>
               </a:ext>
             </a:extLst>
           </p:cNvPr>
@@ -17931,7 +18366,7 @@
           <p:cNvPr id="4" name="Table 3">
             <a:extLst>
               <a:ext uri="{FF2B5EF4-FFF2-40B4-BE49-F238E27FC236}">
-                <a16:creationId xmlns:a16="http://schemas.microsoft.com/office/drawing/2014/main" id="{9FC7A5CD-D651-4072-A920-34F54BCBC3EF}"/>
+                <a16:creationId xmlns:a16="http://schemas.microsoft.com/office/drawing/2014/main" xmlns="" id="{9FC7A5CD-D651-4072-A920-34F54BCBC3EF}"/>
               </a:ext>
             </a:extLst>
           </p:cNvPr>
@@ -17960,14 +18395,14 @@
                 <a:gridCol w="1758700">
                   <a:extLst>
                     <a:ext uri="{9D8B030D-6E8A-4147-A177-3AD203B41FA5}">
-                      <a16:colId xmlns:a16="http://schemas.microsoft.com/office/drawing/2014/main" val="20000"/>
+                      <a16:colId xmlns:a16="http://schemas.microsoft.com/office/drawing/2014/main" xmlns="" val="20000"/>
                     </a:ext>
                   </a:extLst>
                 </a:gridCol>
                 <a:gridCol w="6281454">
                   <a:extLst>
                     <a:ext uri="{9D8B030D-6E8A-4147-A177-3AD203B41FA5}">
-                      <a16:colId xmlns:a16="http://schemas.microsoft.com/office/drawing/2014/main" val="20001"/>
+                      <a16:colId xmlns:a16="http://schemas.microsoft.com/office/drawing/2014/main" xmlns="" val="20001"/>
                     </a:ext>
                   </a:extLst>
                 </a:gridCol>
@@ -18063,7 +18498,7 @@
                 </a:tc>
                 <a:extLst>
                   <a:ext uri="{0D108BD9-81ED-4DB2-BD59-A6C34878D82A}">
-                    <a16:rowId xmlns:a16="http://schemas.microsoft.com/office/drawing/2014/main" val="10000"/>
+                    <a16:rowId xmlns:a16="http://schemas.microsoft.com/office/drawing/2014/main" xmlns="" val="10000"/>
                   </a:ext>
                 </a:extLst>
               </a:tr>
@@ -18161,7 +18596,7 @@
                 </a:tc>
                 <a:extLst>
                   <a:ext uri="{0D108BD9-81ED-4DB2-BD59-A6C34878D82A}">
-                    <a16:rowId xmlns:a16="http://schemas.microsoft.com/office/drawing/2014/main" val="10001"/>
+                    <a16:rowId xmlns:a16="http://schemas.microsoft.com/office/drawing/2014/main" xmlns="" val="10001"/>
                   </a:ext>
                 </a:extLst>
               </a:tr>
@@ -18289,7 +18724,7 @@
                 </a:tc>
                 <a:extLst>
                   <a:ext uri="{0D108BD9-81ED-4DB2-BD59-A6C34878D82A}">
-                    <a16:rowId xmlns:a16="http://schemas.microsoft.com/office/drawing/2014/main" val="10002"/>
+                    <a16:rowId xmlns:a16="http://schemas.microsoft.com/office/drawing/2014/main" xmlns="" val="10002"/>
                   </a:ext>
                 </a:extLst>
               </a:tr>
@@ -18301,422 +18736,6 @@
     <p:extLst>
       <p:ext uri="{BB962C8B-B14F-4D97-AF65-F5344CB8AC3E}">
         <p14:creationId xmlns:p14="http://schemas.microsoft.com/office/powerpoint/2010/main" val="1203314758"/>
-      </p:ext>
-    </p:extLst>
-  </p:cSld>
-  <p:clrMapOvr>
-    <a:masterClrMapping/>
-  </p:clrMapOvr>
-  <mc:AlternateContent xmlns:mc="http://schemas.openxmlformats.org/markup-compatibility/2006" xmlns:p14="http://schemas.microsoft.com/office/powerpoint/2010/main">
-    <mc:Choice Requires="p14">
-      <p:transition p14:dur="0"/>
-    </mc:Choice>
-    <mc:Fallback xmlns="">
-      <p:transition/>
-    </mc:Fallback>
-  </mc:AlternateContent>
-</p:sld>
-</file>
-
-<file path=ppt/slides/slide2.xml><?xml version="1.0" encoding="utf-8"?>
-<p:sld xmlns:a="http://schemas.openxmlformats.org/drawingml/2006/main" xmlns:r="http://schemas.openxmlformats.org/officeDocument/2006/relationships" xmlns:p="http://schemas.openxmlformats.org/presentationml/2006/main" showMasterSp="0">
-  <p:cSld>
-    <p:spTree>
-      <p:nvGrpSpPr>
-        <p:cNvPr id="1" name=""/>
-        <p:cNvGrpSpPr/>
-        <p:nvPr/>
-      </p:nvGrpSpPr>
-      <p:grpSpPr>
-        <a:xfrm>
-          <a:off x="0" y="0"/>
-          <a:ext cx="0" cy="0"/>
-          <a:chOff x="0" y="0"/>
-          <a:chExt cx="0" cy="0"/>
-        </a:xfrm>
-      </p:grpSpPr>
-      <p:sp>
-        <p:nvSpPr>
-          <p:cNvPr id="2" name="Title 1"/>
-          <p:cNvSpPr>
-            <a:spLocks noGrp="1"/>
-          </p:cNvSpPr>
-          <p:nvPr>
-            <p:ph type="title"/>
-          </p:nvPr>
-        </p:nvSpPr>
-        <p:spPr/>
-        <p:txBody>
-          <a:bodyPr>
-            <a:normAutofit/>
-          </a:bodyPr>
-          <a:lstStyle/>
-          <a:p>
-            <a:r>
-              <a:rPr lang="en-US" sz="4400" dirty="0">
-                <a:solidFill>
-                  <a:schemeClr val="tx1"/>
-                </a:solidFill>
-                <a:latin typeface="Segoe UI Light" panose="020B0502040204020203" pitchFamily="34" charset="0"/>
-                <a:cs typeface="Segoe UI Light" panose="020B0502040204020203" pitchFamily="34" charset="0"/>
-              </a:rPr>
-              <a:t>Abstract and learning objectives</a:t>
-            </a:r>
-          </a:p>
-        </p:txBody>
-      </p:sp>
-      <p:sp>
-        <p:nvSpPr>
-          <p:cNvPr id="9" name="TextBox 8">
-            <a:extLst>
-              <a:ext uri="{FF2B5EF4-FFF2-40B4-BE49-F238E27FC236}">
-                <a16:creationId xmlns:a16="http://schemas.microsoft.com/office/drawing/2014/main" id="{0F86F9F9-39B5-4CE6-AF48-9ADAE40EA728}"/>
-              </a:ext>
-            </a:extLst>
-          </p:cNvPr>
-          <p:cNvSpPr txBox="1"/>
-          <p:nvPr/>
-        </p:nvSpPr>
-        <p:spPr>
-          <a:xfrm>
-            <a:off x="269240" y="1160028"/>
-            <a:ext cx="11329725" cy="3742563"/>
-          </a:xfrm>
-          <a:prstGeom prst="rect">
-            <a:avLst/>
-          </a:prstGeom>
-          <a:noFill/>
-        </p:spPr>
-        <p:txBody>
-          <a:bodyPr wrap="square" lIns="182880" tIns="146304" rIns="182880" bIns="146304" rtlCol="0">
-            <a:spAutoFit/>
-          </a:bodyPr>
-          <a:lstStyle/>
-          <a:p>
-            <a:r>
-              <a:rPr lang="en-US" sz="2800" dirty="0"/>
-              <a:t>In this whiteboard design session, you will look at the process of configuring an enterprise-class network within Azure. Your design will include technologies to connect multiple virtual networks, as well as using capabilities such as routing to deploy network virtual appliances such as firewalls to secure your deployment.</a:t>
-            </a:r>
-          </a:p>
-          <a:p>
-            <a:endParaRPr lang="en-US" sz="2800" dirty="0"/>
-          </a:p>
-          <a:p>
-            <a:r>
-              <a:rPr lang="en-US" sz="2800" dirty="0"/>
-              <a:t>At the end of this whiteboard design session, you will be better able to design solutions using Azure Networking features and capabilities.</a:t>
-            </a:r>
-          </a:p>
-        </p:txBody>
-      </p:sp>
-    </p:spTree>
-    <p:extLst>
-      <p:ext uri="{BB962C8B-B14F-4D97-AF65-F5344CB8AC3E}">
-        <p14:creationId xmlns:p14="http://schemas.microsoft.com/office/powerpoint/2010/main" val="772880493"/>
-      </p:ext>
-    </p:extLst>
-  </p:cSld>
-  <p:clrMapOvr>
-    <a:masterClrMapping/>
-  </p:clrMapOvr>
-  <mc:AlternateContent xmlns:mc="http://schemas.openxmlformats.org/markup-compatibility/2006" xmlns:p14="http://schemas.microsoft.com/office/powerpoint/2010/main">
-    <mc:Choice Requires="p14">
-      <p:transition p14:dur="0"/>
-    </mc:Choice>
-    <mc:Fallback xmlns="">
-      <p:transition/>
-    </mc:Fallback>
-  </mc:AlternateContent>
-</p:sld>
-</file>
-
-<file path=ppt/slides/slide20.xml><?xml version="1.0" encoding="utf-8"?>
-<p:sld xmlns:a="http://schemas.openxmlformats.org/drawingml/2006/main" xmlns:r="http://schemas.openxmlformats.org/officeDocument/2006/relationships" xmlns:p="http://schemas.openxmlformats.org/presentationml/2006/main" showMasterSp="0">
-  <p:cSld>
-    <p:spTree>
-      <p:nvGrpSpPr>
-        <p:cNvPr id="1" name=""/>
-        <p:cNvGrpSpPr/>
-        <p:nvPr/>
-      </p:nvGrpSpPr>
-      <p:grpSpPr>
-        <a:xfrm>
-          <a:off x="0" y="0"/>
-          <a:ext cx="0" cy="0"/>
-          <a:chOff x="0" y="0"/>
-          <a:chExt cx="0" cy="0"/>
-        </a:xfrm>
-      </p:grpSpPr>
-      <p:sp>
-        <p:nvSpPr>
-          <p:cNvPr id="2" name="Title 1"/>
-          <p:cNvSpPr>
-            <a:spLocks noGrp="1"/>
-          </p:cNvSpPr>
-          <p:nvPr>
-            <p:ph type="title"/>
-          </p:nvPr>
-        </p:nvSpPr>
-        <p:spPr/>
-        <p:txBody>
-          <a:bodyPr>
-            <a:normAutofit/>
-          </a:bodyPr>
-          <a:lstStyle/>
-          <a:p>
-            <a:r>
-              <a:rPr lang="en-US" sz="4400" dirty="0">
-                <a:solidFill>
-                  <a:schemeClr val="tx1"/>
-                </a:solidFill>
-                <a:latin typeface="Segoe UI Light" panose="020B0502040204020203" pitchFamily="34" charset="0"/>
-                <a:cs typeface="Segoe UI Light" panose="020B0502040204020203" pitchFamily="34" charset="0"/>
-              </a:rPr>
-              <a:t>Step 3: Present the solution</a:t>
-            </a:r>
-          </a:p>
-        </p:txBody>
-      </p:sp>
-      <p:sp>
-        <p:nvSpPr>
-          <p:cNvPr id="9" name="TextBox 8">
-            <a:extLst>
-              <a:ext uri="{FF2B5EF4-FFF2-40B4-BE49-F238E27FC236}">
-                <a16:creationId xmlns:a16="http://schemas.microsoft.com/office/drawing/2014/main" id="{0F86F9F9-39B5-4CE6-AF48-9ADAE40EA728}"/>
-              </a:ext>
-            </a:extLst>
-          </p:cNvPr>
-          <p:cNvSpPr txBox="1"/>
-          <p:nvPr/>
-        </p:nvSpPr>
-        <p:spPr>
-          <a:xfrm>
-            <a:off x="340285" y="1062166"/>
-            <a:ext cx="10229103" cy="5838521"/>
-          </a:xfrm>
-          <a:prstGeom prst="rect">
-            <a:avLst/>
-          </a:prstGeom>
-          <a:noFill/>
-        </p:spPr>
-        <p:txBody>
-          <a:bodyPr wrap="square" lIns="182880" tIns="146304" rIns="182880" bIns="146304" rtlCol="0">
-            <a:spAutoFit/>
-          </a:bodyPr>
-          <a:lstStyle/>
-          <a:p>
-            <a:pPr>
-              <a:lnSpc>
-                <a:spcPct val="90000"/>
-              </a:lnSpc>
-              <a:spcAft>
-                <a:spcPts val="600"/>
-              </a:spcAft>
-            </a:pPr>
-            <a:r>
-              <a:rPr lang="en-US" sz="3600" dirty="0">
-                <a:latin typeface="+mj-lt"/>
-              </a:rPr>
-              <a:t>Outcome</a:t>
-            </a:r>
-          </a:p>
-          <a:p>
-            <a:pPr>
-              <a:lnSpc>
-                <a:spcPct val="90000"/>
-              </a:lnSpc>
-              <a:spcAft>
-                <a:spcPts val="600"/>
-              </a:spcAft>
-            </a:pPr>
-            <a:r>
-              <a:rPr lang="en-US" sz="2400" dirty="0">
-                <a:latin typeface="Segoe UI Semilight" panose="020B0402040204020203" pitchFamily="34" charset="0"/>
-                <a:cs typeface="Segoe UI Semilight" panose="020B0402040204020203" pitchFamily="34" charset="0"/>
-              </a:rPr>
-              <a:t>Present a solution to the target customer in a 15-minute chalk-talk format. </a:t>
-            </a:r>
-            <a:endParaRPr lang="en-US" sz="3600" dirty="0">
-              <a:latin typeface="+mj-lt"/>
-            </a:endParaRPr>
-          </a:p>
-          <a:p>
-            <a:pPr>
-              <a:lnSpc>
-                <a:spcPct val="90000"/>
-              </a:lnSpc>
-              <a:spcAft>
-                <a:spcPts val="600"/>
-              </a:spcAft>
-            </a:pPr>
-            <a:endParaRPr lang="en-US" sz="2400" dirty="0">
-              <a:latin typeface="+mj-lt"/>
-            </a:endParaRPr>
-          </a:p>
-          <a:p>
-            <a:pPr>
-              <a:lnSpc>
-                <a:spcPct val="90000"/>
-              </a:lnSpc>
-              <a:spcAft>
-                <a:spcPts val="600"/>
-              </a:spcAft>
-            </a:pPr>
-            <a:r>
-              <a:rPr lang="en-US" sz="3600" dirty="0">
-                <a:latin typeface="+mj-lt"/>
-              </a:rPr>
-              <a:t>Timeframe</a:t>
-            </a:r>
-          </a:p>
-          <a:p>
-            <a:pPr>
-              <a:lnSpc>
-                <a:spcPct val="90000"/>
-              </a:lnSpc>
-              <a:spcAft>
-                <a:spcPts val="600"/>
-              </a:spcAft>
-            </a:pPr>
-            <a:r>
-              <a:rPr lang="en-US" sz="2400" dirty="0">
-                <a:latin typeface="Segoe UI Semilight" panose="020B0402040204020203" pitchFamily="34" charset="0"/>
-                <a:cs typeface="Segoe UI Semilight" panose="020B0402040204020203" pitchFamily="34" charset="0"/>
-              </a:rPr>
-              <a:t>30 minutes (15 minutes for each team to present and receive feedback) </a:t>
-            </a:r>
-          </a:p>
-          <a:p>
-            <a:pPr>
-              <a:lnSpc>
-                <a:spcPct val="90000"/>
-              </a:lnSpc>
-              <a:spcAft>
-                <a:spcPts val="600"/>
-              </a:spcAft>
-            </a:pPr>
-            <a:endParaRPr lang="en-US" sz="2400" dirty="0">
-              <a:latin typeface="+mj-lt"/>
-            </a:endParaRPr>
-          </a:p>
-          <a:p>
-            <a:pPr>
-              <a:lnSpc>
-                <a:spcPct val="90000"/>
-              </a:lnSpc>
-              <a:spcAft>
-                <a:spcPts val="600"/>
-              </a:spcAft>
-            </a:pPr>
-            <a:r>
-              <a:rPr lang="en-US" sz="3600" dirty="0">
-                <a:latin typeface="+mj-lt"/>
-              </a:rPr>
-              <a:t>Directions</a:t>
-            </a:r>
-          </a:p>
-          <a:p>
-            <a:pPr marL="342900" lvl="0" indent="-342900">
-              <a:buFont typeface="Arial" panose="020B0604020202020204" pitchFamily="34" charset="0"/>
-              <a:buChar char="•"/>
-            </a:pPr>
-            <a:r>
-              <a:rPr lang="en-US" sz="2000" dirty="0">
-                <a:latin typeface="Segoe UI Semilight" panose="020B0402040204020203" pitchFamily="34" charset="0"/>
-                <a:cs typeface="Segoe UI Semilight" panose="020B0402040204020203" pitchFamily="34" charset="0"/>
-              </a:rPr>
-              <a:t>Pair with another table.</a:t>
-            </a:r>
-          </a:p>
-          <a:p>
-            <a:pPr marL="342900" lvl="0" indent="-342900">
-              <a:buFont typeface="Arial" panose="020B0604020202020204" pitchFamily="34" charset="0"/>
-              <a:buChar char="•"/>
-            </a:pPr>
-            <a:r>
-              <a:rPr lang="en-US" sz="2000" dirty="0">
-                <a:latin typeface="Segoe UI Semilight" panose="020B0402040204020203" pitchFamily="34" charset="0"/>
-                <a:cs typeface="Segoe UI Semilight" panose="020B0402040204020203" pitchFamily="34" charset="0"/>
-              </a:rPr>
-              <a:t>One table is the Microsoft team and the other table is the customer.</a:t>
-            </a:r>
-          </a:p>
-          <a:p>
-            <a:pPr marL="342900" lvl="0" indent="-342900">
-              <a:buFont typeface="Arial" panose="020B0604020202020204" pitchFamily="34" charset="0"/>
-              <a:buChar char="•"/>
-            </a:pPr>
-            <a:r>
-              <a:rPr lang="en-US" sz="2000" dirty="0">
-                <a:latin typeface="Segoe UI Semilight" panose="020B0402040204020203" pitchFamily="34" charset="0"/>
-                <a:cs typeface="Segoe UI Semilight" panose="020B0402040204020203" pitchFamily="34" charset="0"/>
-              </a:rPr>
-              <a:t>The Microsoft team presents their proposed solution to the customer.</a:t>
-            </a:r>
-          </a:p>
-          <a:p>
-            <a:pPr marL="342900" lvl="0" indent="-342900">
-              <a:buFont typeface="Arial" panose="020B0604020202020204" pitchFamily="34" charset="0"/>
-              <a:buChar char="•"/>
-            </a:pPr>
-            <a:r>
-              <a:rPr lang="en-US" sz="2000" dirty="0">
-                <a:latin typeface="Segoe UI Semilight" panose="020B0402040204020203" pitchFamily="34" charset="0"/>
-                <a:cs typeface="Segoe UI Semilight" panose="020B0402040204020203" pitchFamily="34" charset="0"/>
-              </a:rPr>
-              <a:t>The customer asks one of the objections from the list of objections in the case study.</a:t>
-            </a:r>
-          </a:p>
-          <a:p>
-            <a:pPr marL="342900" lvl="0" indent="-342900">
-              <a:buFont typeface="Arial" panose="020B0604020202020204" pitchFamily="34" charset="0"/>
-              <a:buChar char="•"/>
-            </a:pPr>
-            <a:r>
-              <a:rPr lang="en-US" sz="2000" dirty="0">
-                <a:latin typeface="Segoe UI Semilight" panose="020B0402040204020203" pitchFamily="34" charset="0"/>
-                <a:cs typeface="Segoe UI Semilight" panose="020B0402040204020203" pitchFamily="34" charset="0"/>
-              </a:rPr>
-              <a:t>The Microsoft team responds to the objection.</a:t>
-            </a:r>
-          </a:p>
-          <a:p>
-            <a:pPr marL="342900" lvl="0" indent="-342900">
-              <a:buFont typeface="Arial" panose="020B0604020202020204" pitchFamily="34" charset="0"/>
-              <a:buChar char="•"/>
-            </a:pPr>
-            <a:r>
-              <a:rPr lang="en-US" sz="2000" dirty="0">
-                <a:latin typeface="Segoe UI Semilight" panose="020B0402040204020203" pitchFamily="34" charset="0"/>
-                <a:cs typeface="Segoe UI Semilight" panose="020B0402040204020203" pitchFamily="34" charset="0"/>
-              </a:rPr>
-              <a:t>The customer team gives feedback to the Microsoft team.</a:t>
-            </a:r>
-            <a:endParaRPr lang="en-US" sz="2000" strike="sngStrike" dirty="0">
-              <a:latin typeface="Segoe UI Semilight" panose="020B0402040204020203" pitchFamily="34" charset="0"/>
-              <a:cs typeface="Segoe UI Semilight" panose="020B0402040204020203" pitchFamily="34" charset="0"/>
-            </a:endParaRPr>
-          </a:p>
-          <a:p>
-            <a:pPr>
-              <a:lnSpc>
-                <a:spcPct val="90000"/>
-              </a:lnSpc>
-              <a:spcAft>
-                <a:spcPts val="600"/>
-              </a:spcAft>
-            </a:pPr>
-            <a:endParaRPr lang="en-US" sz="2400" dirty="0">
-              <a:latin typeface="Segoe UI Semilight" panose="020B0402040204020203" pitchFamily="34" charset="0"/>
-              <a:cs typeface="Segoe UI Semilight" panose="020B0402040204020203" pitchFamily="34" charset="0"/>
-            </a:endParaRPr>
-          </a:p>
-        </p:txBody>
-      </p:sp>
-    </p:spTree>
-    <p:extLst>
-      <p:ext uri="{BB962C8B-B14F-4D97-AF65-F5344CB8AC3E}">
-        <p14:creationId xmlns:p14="http://schemas.microsoft.com/office/powerpoint/2010/main" val="3717261927"/>
       </p:ext>
     </p:extLst>
   </p:cSld>
@@ -18776,7 +18795,7 @@
                 <a:latin typeface="Segoe UI Light" panose="020B0502040204020203" pitchFamily="34" charset="0"/>
                 <a:cs typeface="Segoe UI Light" panose="020B0502040204020203" pitchFamily="34" charset="0"/>
               </a:rPr>
-              <a:t>Wrap-up</a:t>
+              <a:t>Step 3: Present the solution</a:t>
             </a:r>
           </a:p>
         </p:txBody>
@@ -18786,7 +18805,7 @@
           <p:cNvPr id="9" name="TextBox 8">
             <a:extLst>
               <a:ext uri="{FF2B5EF4-FFF2-40B4-BE49-F238E27FC236}">
-                <a16:creationId xmlns:a16="http://schemas.microsoft.com/office/drawing/2014/main" id="{0F86F9F9-39B5-4CE6-AF48-9ADAE40EA728}"/>
+                <a16:creationId xmlns:a16="http://schemas.microsoft.com/office/drawing/2014/main" xmlns="" id="{0F86F9F9-39B5-4CE6-AF48-9ADAE40EA728}"/>
               </a:ext>
             </a:extLst>
           </p:cNvPr>
@@ -18795,8 +18814,8 @@
         </p:nvSpPr>
         <p:spPr>
           <a:xfrm>
-            <a:off x="340285" y="1741246"/>
-            <a:ext cx="7247965" cy="3006977"/>
+            <a:off x="340285" y="1062166"/>
+            <a:ext cx="10229103" cy="5838521"/>
           </a:xfrm>
           <a:prstGeom prst="rect">
             <a:avLst/>
@@ -18838,8 +18857,11 @@
                 <a:latin typeface="Segoe UI Semilight" panose="020B0402040204020203" pitchFamily="34" charset="0"/>
                 <a:cs typeface="Segoe UI Semilight" panose="020B0402040204020203" pitchFamily="34" charset="0"/>
               </a:rPr>
-              <a:t>Identify the preferred solution for the case study.</a:t>
-            </a:r>
+              <a:t>Present a solution to the target customer in a 15-minute chalk-talk format. </a:t>
+            </a:r>
+            <a:endParaRPr lang="en-US" sz="3600" dirty="0">
+              <a:latin typeface="+mj-lt"/>
+            </a:endParaRPr>
           </a:p>
           <a:p>
             <a:pPr>
@@ -18850,13 +18872,9 @@
                 <a:spcPts val="600"/>
               </a:spcAft>
             </a:pPr>
-            <a:r>
-              <a:rPr lang="en-US" sz="2400" dirty="0">
-                <a:latin typeface="Segoe UI Semilight" panose="020B0402040204020203" pitchFamily="34" charset="0"/>
-                <a:cs typeface="Segoe UI Semilight" panose="020B0402040204020203" pitchFamily="34" charset="0"/>
-              </a:rPr>
-              <a:t>Identify solutions designed by other teams.</a:t>
-            </a:r>
+            <a:endParaRPr lang="en-US" sz="2400" dirty="0">
+              <a:latin typeface="+mj-lt"/>
+            </a:endParaRPr>
           </a:p>
           <a:p>
             <a:pPr>
@@ -18867,7 +18885,12 @@
                 <a:spcPts val="600"/>
               </a:spcAft>
             </a:pPr>
-            <a:endParaRPr lang="en-US" sz="2400" dirty="0"/>
+            <a:r>
+              <a:rPr lang="en-US" sz="3600" dirty="0">
+                <a:latin typeface="+mj-lt"/>
+              </a:rPr>
+              <a:t>Timeframe</a:t>
+            </a:r>
           </a:p>
           <a:p>
             <a:pPr>
@@ -18879,10 +18902,11 @@
               </a:spcAft>
             </a:pPr>
             <a:r>
-              <a:rPr lang="en-US" sz="3600" dirty="0">
-                <a:latin typeface="+mj-lt"/>
-              </a:rPr>
-              <a:t>Timeframe</a:t>
+              <a:rPr lang="en-US" sz="2400" dirty="0">
+                <a:latin typeface="Segoe UI Semilight" panose="020B0402040204020203" pitchFamily="34" charset="0"/>
+                <a:cs typeface="Segoe UI Semilight" panose="020B0402040204020203" pitchFamily="34" charset="0"/>
+              </a:rPr>
+              <a:t>30 minutes (15 minutes for each team to present and receive feedback) </a:t>
             </a:r>
           </a:p>
           <a:p>
@@ -18894,20 +18918,128 @@
                 <a:spcPts val="600"/>
               </a:spcAft>
             </a:pPr>
-            <a:r>
-              <a:rPr lang="en-US" sz="2400" dirty="0">
+            <a:endParaRPr lang="en-US" sz="2400" dirty="0">
+              <a:latin typeface="+mj-lt"/>
+            </a:endParaRPr>
+          </a:p>
+          <a:p>
+            <a:pPr>
+              <a:lnSpc>
+                <a:spcPct val="90000"/>
+              </a:lnSpc>
+              <a:spcAft>
+                <a:spcPts val="600"/>
+              </a:spcAft>
+            </a:pPr>
+            <a:r>
+              <a:rPr lang="en-US" sz="3600" dirty="0">
+                <a:latin typeface="+mj-lt"/>
+              </a:rPr>
+              <a:t>Directions</a:t>
+            </a:r>
+          </a:p>
+          <a:p>
+            <a:pPr marL="342900" lvl="0" indent="-342900">
+              <a:buFont typeface="Arial" panose="020B0604020202020204" pitchFamily="34" charset="0"/>
+              <a:buChar char="•"/>
+            </a:pPr>
+            <a:r>
+              <a:rPr lang="en-US" sz="2000" dirty="0">
                 <a:latin typeface="Segoe UI Semilight" panose="020B0402040204020203" pitchFamily="34" charset="0"/>
                 <a:cs typeface="Segoe UI Semilight" panose="020B0402040204020203" pitchFamily="34" charset="0"/>
               </a:rPr>
-              <a:t>15 minutes</a:t>
-            </a:r>
+              <a:t>Pair with another table.</a:t>
+            </a:r>
+          </a:p>
+          <a:p>
+            <a:pPr marL="342900" lvl="0" indent="-342900">
+              <a:buFont typeface="Arial" panose="020B0604020202020204" pitchFamily="34" charset="0"/>
+              <a:buChar char="•"/>
+            </a:pPr>
+            <a:r>
+              <a:rPr lang="en-US" sz="2000" dirty="0">
+                <a:latin typeface="Segoe UI Semilight" panose="020B0402040204020203" pitchFamily="34" charset="0"/>
+                <a:cs typeface="Segoe UI Semilight" panose="020B0402040204020203" pitchFamily="34" charset="0"/>
+              </a:rPr>
+              <a:t>One table is the Microsoft team and the other table is the customer.</a:t>
+            </a:r>
+          </a:p>
+          <a:p>
+            <a:pPr marL="342900" lvl="0" indent="-342900">
+              <a:buFont typeface="Arial" panose="020B0604020202020204" pitchFamily="34" charset="0"/>
+              <a:buChar char="•"/>
+            </a:pPr>
+            <a:r>
+              <a:rPr lang="en-US" sz="2000" dirty="0">
+                <a:latin typeface="Segoe UI Semilight" panose="020B0402040204020203" pitchFamily="34" charset="0"/>
+                <a:cs typeface="Segoe UI Semilight" panose="020B0402040204020203" pitchFamily="34" charset="0"/>
+              </a:rPr>
+              <a:t>The Microsoft team presents their proposed solution to the customer.</a:t>
+            </a:r>
+          </a:p>
+          <a:p>
+            <a:pPr marL="342900" lvl="0" indent="-342900">
+              <a:buFont typeface="Arial" panose="020B0604020202020204" pitchFamily="34" charset="0"/>
+              <a:buChar char="•"/>
+            </a:pPr>
+            <a:r>
+              <a:rPr lang="en-US" sz="2000" dirty="0">
+                <a:latin typeface="Segoe UI Semilight" panose="020B0402040204020203" pitchFamily="34" charset="0"/>
+                <a:cs typeface="Segoe UI Semilight" panose="020B0402040204020203" pitchFamily="34" charset="0"/>
+              </a:rPr>
+              <a:t>The customer asks one of the objections from the list of objections in the case study.</a:t>
+            </a:r>
+          </a:p>
+          <a:p>
+            <a:pPr marL="342900" lvl="0" indent="-342900">
+              <a:buFont typeface="Arial" panose="020B0604020202020204" pitchFamily="34" charset="0"/>
+              <a:buChar char="•"/>
+            </a:pPr>
+            <a:r>
+              <a:rPr lang="en-US" sz="2000" dirty="0">
+                <a:latin typeface="Segoe UI Semilight" panose="020B0402040204020203" pitchFamily="34" charset="0"/>
+                <a:cs typeface="Segoe UI Semilight" panose="020B0402040204020203" pitchFamily="34" charset="0"/>
+              </a:rPr>
+              <a:t>The Microsoft team responds to the objection.</a:t>
+            </a:r>
+          </a:p>
+          <a:p>
+            <a:pPr marL="342900" lvl="0" indent="-342900">
+              <a:buFont typeface="Arial" panose="020B0604020202020204" pitchFamily="34" charset="0"/>
+              <a:buChar char="•"/>
+            </a:pPr>
+            <a:r>
+              <a:rPr lang="en-US" sz="2000" dirty="0">
+                <a:latin typeface="Segoe UI Semilight" panose="020B0402040204020203" pitchFamily="34" charset="0"/>
+                <a:cs typeface="Segoe UI Semilight" panose="020B0402040204020203" pitchFamily="34" charset="0"/>
+              </a:rPr>
+              <a:t>The customer team gives feedback to the Microsoft team.</a:t>
+            </a:r>
+            <a:endParaRPr lang="en-US" sz="2000" strike="sngStrike" dirty="0">
+              <a:latin typeface="Segoe UI Semilight" panose="020B0402040204020203" pitchFamily="34" charset="0"/>
+              <a:cs typeface="Segoe UI Semilight" panose="020B0402040204020203" pitchFamily="34" charset="0"/>
+            </a:endParaRPr>
+          </a:p>
+          <a:p>
+            <a:pPr>
+              <a:lnSpc>
+                <a:spcPct val="90000"/>
+              </a:lnSpc>
+              <a:spcAft>
+                <a:spcPts val="600"/>
+              </a:spcAft>
+            </a:pPr>
+            <a:endParaRPr lang="en-US" sz="2400" dirty="0">
+              <a:latin typeface="Segoe UI Semilight" panose="020B0402040204020203" pitchFamily="34" charset="0"/>
+              <a:cs typeface="Segoe UI Semilight" panose="020B0402040204020203" pitchFamily="34" charset="0"/>
+            </a:endParaRPr>
           </a:p>
         </p:txBody>
       </p:sp>
     </p:spTree>
     <p:extLst>
       <p:ext uri="{BB962C8B-B14F-4D97-AF65-F5344CB8AC3E}">
-        <p14:creationId xmlns:p14="http://schemas.microsoft.com/office/powerpoint/2010/main" val="4239998353"/>
+        <p14:creationId xmlns:p14="http://schemas.microsoft.com/office/powerpoint/2010/main" val="3717261927"/>
       </p:ext>
     </p:extLst>
   </p:cSld>
@@ -18955,120 +19087,150 @@
         <p:spPr/>
         <p:txBody>
           <a:bodyPr>
-            <a:normAutofit fontScale="90000"/>
+            <a:normAutofit/>
           </a:bodyPr>
           <a:lstStyle/>
           <a:p>
             <a:r>
-              <a:rPr lang="en-US" sz="4900" dirty="0">
+              <a:rPr lang="en-US" sz="4400" dirty="0">
                 <a:solidFill>
                   <a:schemeClr val="tx1"/>
                 </a:solidFill>
-                <a:cs typeface="Segoe UI" panose="020B0502040204020203" pitchFamily="34" charset="0"/>
-              </a:rPr>
-              <a:t>Preferred target audience</a:t>
-            </a:r>
-            <a:br>
-              <a:rPr lang="en-US" dirty="0">
-                <a:solidFill>
-                  <a:schemeClr val="tx1"/>
-                </a:solidFill>
-                <a:latin typeface="Segoe UI" panose="020B0502040204020203" pitchFamily="34" charset="0"/>
-              </a:rPr>
-            </a:br>
-            <a:endParaRPr lang="en-US" sz="3236" dirty="0">
-              <a:solidFill>
-                <a:schemeClr val="tx1"/>
-              </a:solidFill>
-              <a:latin typeface="Segoe UI" panose="020B0502040204020203" pitchFamily="34" charset="0"/>
-            </a:endParaRPr>
+                <a:latin typeface="Segoe UI Light" panose="020B0502040204020203" pitchFamily="34" charset="0"/>
+                <a:cs typeface="Segoe UI Light" panose="020B0502040204020203" pitchFamily="34" charset="0"/>
+              </a:rPr>
+              <a:t>Wrap-up</a:t>
+            </a:r>
           </a:p>
         </p:txBody>
       </p:sp>
       <p:sp>
         <p:nvSpPr>
-          <p:cNvPr id="3" name="Content Placeholder 2"/>
-          <p:cNvSpPr>
-            <a:spLocks noGrp="1"/>
-          </p:cNvSpPr>
-          <p:nvPr>
-            <p:ph type="body" sz="quarter" idx="10"/>
-          </p:nvPr>
+          <p:cNvPr id="9" name="TextBox 8">
+            <a:extLst>
+              <a:ext uri="{FF2B5EF4-FFF2-40B4-BE49-F238E27FC236}">
+                <a16:creationId xmlns:a16="http://schemas.microsoft.com/office/drawing/2014/main" xmlns="" id="{0F86F9F9-39B5-4CE6-AF48-9ADAE40EA728}"/>
+              </a:ext>
+            </a:extLst>
+          </p:cNvPr>
+          <p:cNvSpPr txBox="1"/>
+          <p:nvPr/>
         </p:nvSpPr>
         <p:spPr>
           <a:xfrm>
-            <a:off x="269240" y="1375789"/>
-            <a:ext cx="11653523" cy="2052030"/>
+            <a:off x="340285" y="1741246"/>
+            <a:ext cx="7247965" cy="3006977"/>
           </a:xfrm>
+          <a:prstGeom prst="rect">
+            <a:avLst/>
+          </a:prstGeom>
+          <a:noFill/>
         </p:spPr>
         <p:txBody>
-          <a:bodyPr>
-            <a:noAutofit/>
+          <a:bodyPr wrap="square" lIns="182880" tIns="146304" rIns="182880" bIns="146304" rtlCol="0">
+            <a:spAutoFit/>
           </a:bodyPr>
           <a:lstStyle/>
           <a:p>
+            <a:pPr>
+              <a:lnSpc>
+                <a:spcPct val="90000"/>
+              </a:lnSpc>
+              <a:spcAft>
+                <a:spcPts val="600"/>
+              </a:spcAft>
+            </a:pPr>
             <a:r>
               <a:rPr lang="en-US" sz="3600" dirty="0">
-                <a:solidFill>
-                  <a:schemeClr val="tx1"/>
-                </a:solidFill>
-              </a:rPr>
-              <a:t>Director of Network Operations</a:t>
-            </a:r>
-          </a:p>
-          <a:p>
-            <a:endParaRPr lang="en-US" sz="3600" dirty="0">
-              <a:solidFill>
-                <a:schemeClr val="tx1"/>
-              </a:solidFill>
-            </a:endParaRPr>
-          </a:p>
-          <a:p>
+                <a:latin typeface="+mj-lt"/>
+              </a:rPr>
+              <a:t>Outcome</a:t>
+            </a:r>
+          </a:p>
+          <a:p>
+            <a:pPr>
+              <a:lnSpc>
+                <a:spcPct val="90000"/>
+              </a:lnSpc>
+              <a:spcAft>
+                <a:spcPts val="600"/>
+              </a:spcAft>
+            </a:pPr>
+            <a:r>
+              <a:rPr lang="en-US" sz="2400" dirty="0">
+                <a:latin typeface="Segoe UI Semilight" panose="020B0402040204020203" pitchFamily="34" charset="0"/>
+                <a:cs typeface="Segoe UI Semilight" panose="020B0402040204020203" pitchFamily="34" charset="0"/>
+              </a:rPr>
+              <a:t>Identify the preferred solution for the case study.</a:t>
+            </a:r>
+          </a:p>
+          <a:p>
+            <a:pPr>
+              <a:lnSpc>
+                <a:spcPct val="90000"/>
+              </a:lnSpc>
+              <a:spcAft>
+                <a:spcPts val="600"/>
+              </a:spcAft>
+            </a:pPr>
+            <a:r>
+              <a:rPr lang="en-US" sz="2400" dirty="0">
+                <a:latin typeface="Segoe UI Semilight" panose="020B0402040204020203" pitchFamily="34" charset="0"/>
+                <a:cs typeface="Segoe UI Semilight" panose="020B0402040204020203" pitchFamily="34" charset="0"/>
+              </a:rPr>
+              <a:t>Identify solutions designed by other teams.</a:t>
+            </a:r>
+          </a:p>
+          <a:p>
+            <a:pPr>
+              <a:lnSpc>
+                <a:spcPct val="90000"/>
+              </a:lnSpc>
+              <a:spcAft>
+                <a:spcPts val="600"/>
+              </a:spcAft>
+            </a:pPr>
+            <a:endParaRPr lang="en-US" sz="2400" dirty="0"/>
+          </a:p>
+          <a:p>
+            <a:pPr>
+              <a:lnSpc>
+                <a:spcPct val="90000"/>
+              </a:lnSpc>
+              <a:spcAft>
+                <a:spcPts val="600"/>
+              </a:spcAft>
+            </a:pPr>
             <a:r>
               <a:rPr lang="en-US" sz="3600" dirty="0">
-                <a:solidFill>
-                  <a:schemeClr val="tx1"/>
-                </a:solidFill>
-              </a:rPr>
-              <a:t>Corporate Security Officer</a:t>
-            </a:r>
-          </a:p>
-          <a:p>
-            <a:endParaRPr lang="en-US" sz="3600" dirty="0">
-              <a:solidFill>
-                <a:schemeClr val="tx1"/>
-              </a:solidFill>
-            </a:endParaRPr>
-          </a:p>
-          <a:p>
-            <a:r>
-              <a:rPr lang="en-US" sz="3600" dirty="0">
-                <a:solidFill>
-                  <a:schemeClr val="tx1"/>
-                </a:solidFill>
-              </a:rPr>
-              <a:t>Corporate Compliance Officer</a:t>
-            </a:r>
-          </a:p>
-          <a:p>
-            <a:pPr marL="0" indent="0">
+                <a:latin typeface="+mj-lt"/>
+              </a:rPr>
+              <a:t>Timeframe</a:t>
+            </a:r>
+          </a:p>
+          <a:p>
+            <a:pPr>
+              <a:lnSpc>
+                <a:spcPct val="90000"/>
+              </a:lnSpc>
               <a:spcAft>
-                <a:spcPts val="882"/>
+                <a:spcPts val="600"/>
               </a:spcAft>
-              <a:buNone/>
             </a:pPr>
-            <a:endParaRPr lang="en-US" sz="1800" dirty="0">
-              <a:solidFill>
-                <a:schemeClr val="tx1"/>
-              </a:solidFill>
-            </a:endParaRPr>
+            <a:r>
+              <a:rPr lang="en-US" sz="2400" dirty="0">
+                <a:latin typeface="Segoe UI Semilight" panose="020B0402040204020203" pitchFamily="34" charset="0"/>
+                <a:cs typeface="Segoe UI Semilight" panose="020B0402040204020203" pitchFamily="34" charset="0"/>
+              </a:rPr>
+              <a:t>15 minutes</a:t>
+            </a:r>
           </a:p>
         </p:txBody>
       </p:sp>
     </p:spTree>
     <p:extLst>
       <p:ext uri="{BB962C8B-B14F-4D97-AF65-F5344CB8AC3E}">
-        <p14:creationId xmlns:p14="http://schemas.microsoft.com/office/powerpoint/2010/main" val="586155173"/>
+        <p14:creationId xmlns:p14="http://schemas.microsoft.com/office/powerpoint/2010/main" val="4239998353"/>
       </p:ext>
     </p:extLst>
   </p:cSld>
@@ -19127,7 +19289,16 @@
                 </a:solidFill>
                 <a:cs typeface="Segoe UI" panose="020B0502040204020203" pitchFamily="34" charset="0"/>
               </a:rPr>
-              <a:t>Preferred solution</a:t>
+              <a:t>Preferred target audience</a:t>
+            </a:r>
+            <a:r>
+              <a:rPr lang="en-US" dirty="0">
+                <a:solidFill>
+                  <a:schemeClr val="tx1"/>
+                </a:solidFill>
+                <a:latin typeface="Segoe UI" panose="020B0502040204020203" pitchFamily="34" charset="0"/>
+              </a:rPr>
+              <a:t/>
             </a:r>
             <a:br>
               <a:rPr lang="en-US" dirty="0">
@@ -19158,8 +19329,8 @@
         </p:nvSpPr>
         <p:spPr>
           <a:xfrm>
-            <a:off x="269239" y="1189177"/>
-            <a:ext cx="11653523" cy="5342252"/>
+            <a:off x="269240" y="1375789"/>
+            <a:ext cx="11653523" cy="2052030"/>
           </a:xfrm>
         </p:spPr>
         <p:txBody>
@@ -19174,75 +19345,54 @@
                   <a:schemeClr val="tx1"/>
                 </a:solidFill>
               </a:rPr>
-              <a:t>The solution for Woodgrove involves several technologies, including:</a:t>
-            </a:r>
-          </a:p>
-          <a:p>
-            <a:pPr marL="0" indent="0">
-              <a:buNone/>
-            </a:pPr>
+              <a:t>Director of Network Operations</a:t>
+            </a:r>
+          </a:p>
+          <a:p>
             <a:endParaRPr lang="en-US" sz="3600" dirty="0">
               <a:solidFill>
                 <a:schemeClr val="tx1"/>
               </a:solidFill>
-              <a:latin typeface="+mn-lt"/>
             </a:endParaRPr>
           </a:p>
           <a:p>
-            <a:pPr lvl="1"/>
-            <a:r>
-              <a:rPr lang="en-US" sz="2800" dirty="0">
+            <a:r>
+              <a:rPr lang="en-US" sz="3600" dirty="0">
                 <a:solidFill>
                   <a:schemeClr val="tx1"/>
                 </a:solidFill>
               </a:rPr>
-              <a:t>ExpressRoute with private and Microsoft peering with route filters, enabling connectivity to VMs and Vnets.</a:t>
-            </a:r>
-          </a:p>
-          <a:p>
-            <a:endParaRPr lang="en-US" sz="2800" dirty="0">
+              <a:t>Corporate Security Officer</a:t>
+            </a:r>
+          </a:p>
+          <a:p>
+            <a:endParaRPr lang="en-US" sz="3600" dirty="0">
               <a:solidFill>
                 <a:schemeClr val="tx1"/>
               </a:solidFill>
-              <a:latin typeface="+mn-lt"/>
             </a:endParaRPr>
           </a:p>
           <a:p>
-            <a:pPr lvl="1"/>
-            <a:r>
-              <a:rPr lang="en-US" sz="2800" dirty="0">
+            <a:r>
+              <a:rPr lang="en-US" sz="3600" dirty="0">
                 <a:solidFill>
                   <a:schemeClr val="tx1"/>
                 </a:solidFill>
               </a:rPr>
-              <a:t>End-to-end encryption of the ExpressRoute traffic enabled by next generation firewalls (NGFW) on both sides of the ExpressRoute connection.</a:t>
-            </a:r>
-          </a:p>
-          <a:p>
-            <a:endParaRPr lang="en-US" sz="2800" dirty="0">
+              <a:t>Corporate Compliance Officer</a:t>
+            </a:r>
+          </a:p>
+          <a:p>
+            <a:pPr marL="0" indent="0">
+              <a:spcAft>
+                <a:spcPts val="882"/>
+              </a:spcAft>
+              <a:buNone/>
+            </a:pPr>
+            <a:endParaRPr lang="en-US" sz="1800" dirty="0">
               <a:solidFill>
                 <a:schemeClr val="tx1"/>
               </a:solidFill>
-              <a:latin typeface="+mn-lt"/>
-            </a:endParaRPr>
-          </a:p>
-          <a:p>
-            <a:pPr lvl="1"/>
-            <a:r>
-              <a:rPr lang="en-US" sz="2800" dirty="0">
-                <a:solidFill>
-                  <a:schemeClr val="tx1"/>
-                </a:solidFill>
-              </a:rPr>
-              <a:t>Just-in-time access for remote administration of “jump box”.</a:t>
-            </a:r>
-          </a:p>
-          <a:p>
-            <a:endParaRPr lang="en-US" sz="2800" dirty="0">
-              <a:solidFill>
-                <a:schemeClr val="tx1"/>
-              </a:solidFill>
-              <a:latin typeface="+mn-lt"/>
             </a:endParaRPr>
           </a:p>
         </p:txBody>
@@ -19250,7 +19400,7 @@
     </p:spTree>
     <p:extLst>
       <p:ext uri="{BB962C8B-B14F-4D97-AF65-F5344CB8AC3E}">
-        <p14:creationId xmlns:p14="http://schemas.microsoft.com/office/powerpoint/2010/main" val="2547985055"/>
+        <p14:creationId xmlns:p14="http://schemas.microsoft.com/office/powerpoint/2010/main" val="586155173"/>
       </p:ext>
     </p:extLst>
   </p:cSld>
@@ -19295,12 +19445,7 @@
             <p:ph type="title"/>
           </p:nvPr>
         </p:nvSpPr>
-        <p:spPr>
-          <a:xfrm>
-            <a:off x="269240" y="289511"/>
-            <a:ext cx="11655840" cy="899665"/>
-          </a:xfrm>
-        </p:spPr>
+        <p:spPr/>
         <p:txBody>
           <a:bodyPr>
             <a:normAutofit fontScale="90000"/>
@@ -19314,7 +19459,16 @@
                 </a:solidFill>
                 <a:cs typeface="Segoe UI" panose="020B0502040204020203" pitchFamily="34" charset="0"/>
               </a:rPr>
-              <a:t>Preferred solution (continued)</a:t>
+              <a:t>Preferred solution</a:t>
+            </a:r>
+            <a:r>
+              <a:rPr lang="en-US" dirty="0">
+                <a:solidFill>
+                  <a:schemeClr val="tx1"/>
+                </a:solidFill>
+                <a:latin typeface="Segoe UI" panose="020B0502040204020203" pitchFamily="34" charset="0"/>
+              </a:rPr>
+              <a:t/>
             </a:r>
             <a:br>
               <a:rPr lang="en-US" dirty="0">
@@ -19345,8 +19499,8 @@
         </p:nvSpPr>
         <p:spPr>
           <a:xfrm>
-            <a:off x="269240" y="1030556"/>
-            <a:ext cx="11653523" cy="5668823"/>
+            <a:off x="269239" y="1189177"/>
+            <a:ext cx="11653523" cy="5342252"/>
           </a:xfrm>
         </p:spPr>
         <p:txBody>
@@ -19355,137 +19509,110 @@
           </a:bodyPr>
           <a:lstStyle/>
           <a:p>
-            <a:pPr marL="0" indent="0">
-              <a:buNone/>
-            </a:pPr>
-            <a:r>
-              <a:rPr lang="en-US" sz="3200" dirty="0">
+            <a:r>
+              <a:rPr lang="en-US" sz="3600" dirty="0">
                 <a:solidFill>
                   <a:schemeClr val="tx1"/>
                 </a:solidFill>
               </a:rPr>
-              <a:t>An enterprise-class configuration within an Azure Virtual Network to support a 3-tier application. Components of this solution include:</a:t>
-            </a:r>
-            <a:endParaRPr lang="en-US" sz="2400" dirty="0">
+              <a:t>The solution for Woodgrove involves several technologies, including:</a:t>
+            </a:r>
+          </a:p>
+          <a:p>
+            <a:pPr lvl="1"/>
+            <a:r>
+              <a:rPr lang="en-US" sz="2800" dirty="0" smtClean="0">
+                <a:solidFill>
+                  <a:schemeClr val="tx1"/>
+                </a:solidFill>
+              </a:rPr>
+              <a:t>ExpressRoute </a:t>
+            </a:r>
+            <a:r>
+              <a:rPr lang="en-US" sz="2800" dirty="0">
+                <a:solidFill>
+                  <a:schemeClr val="tx1"/>
+                </a:solidFill>
+              </a:rPr>
+              <a:t>with private and Microsoft peering with route filters, enabling connectivity to VMs and Vnets.</a:t>
+            </a:r>
+          </a:p>
+          <a:p>
+            <a:pPr lvl="1"/>
+            <a:r>
+              <a:rPr lang="en-US" sz="2800" dirty="0" smtClean="0">
+                <a:solidFill>
+                  <a:schemeClr val="tx1"/>
+                </a:solidFill>
+              </a:rPr>
+              <a:t>Just-in-time </a:t>
+            </a:r>
+            <a:r>
+              <a:rPr lang="en-US" sz="2800" dirty="0">
+                <a:solidFill>
+                  <a:schemeClr val="tx1"/>
+                </a:solidFill>
+              </a:rPr>
+              <a:t>access for remote administration of “jump box”.</a:t>
+            </a:r>
+          </a:p>
+          <a:p>
+            <a:pPr lvl="1"/>
+            <a:r>
+              <a:rPr lang="en-US" sz="2800" dirty="0" smtClean="0">
+                <a:solidFill>
+                  <a:schemeClr val="tx1"/>
+                </a:solidFill>
+              </a:rPr>
+              <a:t>Azure </a:t>
+            </a:r>
+            <a:r>
+              <a:rPr lang="en-US" sz="2800" dirty="0">
+                <a:solidFill>
+                  <a:schemeClr val="tx1"/>
+                </a:solidFill>
+              </a:rPr>
+              <a:t>Firewall for protecting connections between on-premises and Azure</a:t>
+            </a:r>
+            <a:r>
+              <a:rPr lang="en-US" sz="2800" dirty="0" smtClean="0">
+                <a:solidFill>
+                  <a:schemeClr val="tx1"/>
+                </a:solidFill>
+              </a:rPr>
+              <a:t>.</a:t>
+            </a:r>
+          </a:p>
+          <a:p>
+            <a:pPr lvl="1"/>
+            <a:r>
+              <a:rPr lang="en-US" sz="2800" dirty="0">
+                <a:solidFill>
+                  <a:schemeClr val="tx1"/>
+                </a:solidFill>
+              </a:rPr>
+              <a:t>Virtual Network Service endpoints to further secure access to PaaS services such as storage and Azure SQL.</a:t>
+            </a:r>
+            <a:endParaRPr lang="en-US" sz="2800" dirty="0">
+              <a:solidFill>
+                <a:schemeClr val="tx1"/>
+              </a:solidFill>
+            </a:endParaRPr>
+          </a:p>
+          <a:p>
+            <a:endParaRPr lang="en-US" sz="2800" dirty="0">
               <a:solidFill>
                 <a:schemeClr val="tx1"/>
               </a:solidFill>
               <a:latin typeface="+mn-lt"/>
             </a:endParaRPr>
           </a:p>
-          <a:p>
-            <a:pPr lvl="1"/>
-            <a:r>
-              <a:rPr lang="en-US" sz="2800" dirty="0">
-                <a:solidFill>
-                  <a:schemeClr val="tx1"/>
-                </a:solidFill>
-              </a:rPr>
-              <a:t>Two</a:t>
-            </a:r>
-            <a:r>
-              <a:rPr lang="en-US" sz="2800" dirty="0">
-                <a:solidFill>
-                  <a:schemeClr val="tx1"/>
-                </a:solidFill>
-                <a:latin typeface="+mn-lt"/>
-              </a:rPr>
-              <a:t> Virtual Networks configured in a hub-spoke topology.</a:t>
-            </a:r>
-          </a:p>
-          <a:p>
-            <a:pPr lvl="1"/>
-            <a:endParaRPr lang="en-US" sz="1800" dirty="0">
-              <a:solidFill>
-                <a:schemeClr val="tx1"/>
-              </a:solidFill>
-              <a:latin typeface="+mn-lt"/>
-            </a:endParaRPr>
-          </a:p>
-          <a:p>
-            <a:pPr lvl="1"/>
-            <a:r>
-              <a:rPr lang="en-US" sz="2800" dirty="0">
-                <a:solidFill>
-                  <a:schemeClr val="tx1"/>
-                </a:solidFill>
-                <a:latin typeface="+mn-lt"/>
-              </a:rPr>
-              <a:t>Multiple subnets </a:t>
-            </a:r>
-            <a:r>
-              <a:rPr lang="en-US" sz="2800" dirty="0">
-                <a:solidFill>
-                  <a:schemeClr val="tx1"/>
-                </a:solidFill>
-              </a:rPr>
-              <a:t>for the hub and spoke</a:t>
-            </a:r>
-          </a:p>
-          <a:p>
-            <a:pPr lvl="2"/>
-            <a:r>
-              <a:rPr lang="en-US" sz="2800" dirty="0">
-                <a:solidFill>
-                  <a:schemeClr val="tx1"/>
-                </a:solidFill>
-                <a:latin typeface="+mn-lt"/>
-              </a:rPr>
-              <a:t>Hub – Gateway, Perimeter, Management</a:t>
-            </a:r>
-          </a:p>
-          <a:p>
-            <a:pPr lvl="2"/>
-            <a:r>
-              <a:rPr lang="en-US" sz="2800" dirty="0">
-                <a:solidFill>
-                  <a:schemeClr val="tx1"/>
-                </a:solidFill>
-              </a:rPr>
-              <a:t>Spoke – Web tier, Business tier, Data tier</a:t>
-            </a:r>
-          </a:p>
-          <a:p>
-            <a:pPr lvl="2"/>
-            <a:endParaRPr lang="en-US" sz="1800" dirty="0">
-              <a:solidFill>
-                <a:schemeClr val="tx1"/>
-              </a:solidFill>
-              <a:latin typeface="+mn-lt"/>
-            </a:endParaRPr>
-          </a:p>
-          <a:p>
-            <a:pPr lvl="1"/>
-            <a:r>
-              <a:rPr lang="en-US" sz="2800" dirty="0">
-                <a:solidFill>
-                  <a:schemeClr val="tx1"/>
-                </a:solidFill>
-                <a:latin typeface="+mn-lt"/>
-              </a:rPr>
-              <a:t>Two NGFWs (NGF), configured in an HA pair, providing hybrid connectivity support and internal firewall capabilities internal to the Azure Vnet.</a:t>
-            </a:r>
-          </a:p>
-          <a:p>
-            <a:pPr marL="0" indent="0">
-              <a:spcAft>
-                <a:spcPts val="882"/>
-              </a:spcAft>
-              <a:buNone/>
-            </a:pPr>
-            <a:endParaRPr lang="en-US" sz="1800" dirty="0">
-              <a:solidFill>
-                <a:schemeClr val="tx1"/>
-              </a:solidFill>
-              <a:latin typeface="+mn-lt"/>
-            </a:endParaRPr>
-          </a:p>
         </p:txBody>
       </p:sp>
     </p:spTree>
     <p:extLst>
       <p:ext uri="{BB962C8B-B14F-4D97-AF65-F5344CB8AC3E}">
-        <p14:creationId xmlns:p14="http://schemas.microsoft.com/office/powerpoint/2010/main" val="998154553"/>
+        <p14:creationId xmlns:p14="http://schemas.microsoft.com/office/powerpoint/2010/main" val="2547985055"/>
       </p:ext>
     </p:extLst>
   </p:cSld>
@@ -19530,7 +19657,12 @@
             <p:ph type="title"/>
           </p:nvPr>
         </p:nvSpPr>
-        <p:spPr/>
+        <p:spPr>
+          <a:xfrm>
+            <a:off x="269240" y="289511"/>
+            <a:ext cx="11655840" cy="899665"/>
+          </a:xfrm>
+        </p:spPr>
         <p:txBody>
           <a:bodyPr>
             <a:normAutofit fontScale="90000"/>
@@ -19545,6 +19677,15 @@
                 <a:cs typeface="Segoe UI" panose="020B0502040204020203" pitchFamily="34" charset="0"/>
               </a:rPr>
               <a:t>Preferred solution (continued)</a:t>
+            </a:r>
+            <a:r>
+              <a:rPr lang="en-US" dirty="0">
+                <a:solidFill>
+                  <a:schemeClr val="tx1"/>
+                </a:solidFill>
+                <a:latin typeface="Segoe UI" panose="020B0502040204020203" pitchFamily="34" charset="0"/>
+              </a:rPr>
+              <a:t/>
             </a:r>
             <a:br>
               <a:rPr lang="en-US" dirty="0">
@@ -19575,8 +19716,8 @@
         </p:nvSpPr>
         <p:spPr>
           <a:xfrm>
-            <a:off x="269239" y="1189177"/>
-            <a:ext cx="11653523" cy="5410406"/>
+            <a:off x="269240" y="1030556"/>
+            <a:ext cx="11653523" cy="5668823"/>
           </a:xfrm>
         </p:spPr>
         <p:txBody>
@@ -19585,17 +19726,55 @@
           </a:bodyPr>
           <a:lstStyle/>
           <a:p>
+            <a:pPr marL="0" indent="0">
+              <a:buNone/>
+            </a:pPr>
             <a:r>
               <a:rPr lang="en-US" sz="3200" dirty="0">
                 <a:solidFill>
                   <a:schemeClr val="tx1"/>
                 </a:solidFill>
+              </a:rPr>
+              <a:t>An enterprise-class configuration within an Azure Virtual Network to support a 3-tier application. Components of this solution include:</a:t>
+            </a:r>
+            <a:endParaRPr lang="en-US" sz="2400" dirty="0">
+              <a:solidFill>
+                <a:schemeClr val="tx1"/>
+              </a:solidFill>
+              <a:latin typeface="+mn-lt"/>
+            </a:endParaRPr>
+          </a:p>
+          <a:p>
+            <a:pPr lvl="1"/>
+            <a:r>
+              <a:rPr lang="en-US" sz="2800" dirty="0" smtClean="0">
+                <a:solidFill>
+                  <a:schemeClr val="tx1"/>
+                </a:solidFill>
+              </a:rPr>
+              <a:t>Multiple </a:t>
+            </a:r>
+            <a:r>
+              <a:rPr lang="en-US" sz="2800" dirty="0" smtClean="0">
+                <a:solidFill>
+                  <a:schemeClr val="tx1"/>
+                </a:solidFill>
                 <a:latin typeface="+mn-lt"/>
               </a:rPr>
-              <a:t>Five Route Tables associated with their corresponding subnets, each with specific user-defined routes configured.</a:t>
-            </a:r>
-          </a:p>
-          <a:p>
+              <a:t>Virtual </a:t>
+            </a:r>
+            <a:r>
+              <a:rPr lang="en-US" sz="2800" dirty="0">
+                <a:solidFill>
+                  <a:schemeClr val="tx1"/>
+                </a:solidFill>
+                <a:latin typeface="+mn-lt"/>
+              </a:rPr>
+              <a:t>Networks configured in a hub-spoke topology.</a:t>
+            </a:r>
+          </a:p>
+          <a:p>
+            <a:pPr lvl="1"/>
             <a:endParaRPr lang="en-US" sz="1800" dirty="0">
               <a:solidFill>
                 <a:schemeClr val="tx1"/>
@@ -19604,36 +19783,50 @@
             </a:endParaRPr>
           </a:p>
           <a:p>
-            <a:r>
-              <a:rPr lang="en-US" sz="3200" dirty="0">
+            <a:pPr lvl="1"/>
+            <a:r>
+              <a:rPr lang="en-US" sz="2800" dirty="0">
                 <a:solidFill>
                   <a:schemeClr val="tx1"/>
                 </a:solidFill>
                 <a:latin typeface="+mn-lt"/>
               </a:rPr>
-              <a:t>Five network security groups associated with their respective subnets, each with specific allow/deny rules configured.</a:t>
-            </a:r>
-          </a:p>
-          <a:p>
-            <a:endParaRPr lang="en-US" sz="2000" dirty="0">
-              <a:solidFill>
-                <a:schemeClr val="tx1"/>
-              </a:solidFill>
-              <a:latin typeface="+mn-lt"/>
-            </a:endParaRPr>
-          </a:p>
-          <a:p>
-            <a:r>
-              <a:rPr lang="en-US" sz="3200" dirty="0">
+              <a:t>Multiple subnets </a:t>
+            </a:r>
+            <a:r>
+              <a:rPr lang="en-US" sz="2800" dirty="0">
+                <a:solidFill>
+                  <a:schemeClr val="tx1"/>
+                </a:solidFill>
+              </a:rPr>
+              <a:t>for the hub and spoke</a:t>
+            </a:r>
+          </a:p>
+          <a:p>
+            <a:pPr lvl="2"/>
+            <a:r>
+              <a:rPr lang="en-US" sz="2800" dirty="0">
                 <a:solidFill>
                   <a:schemeClr val="tx1"/>
                 </a:solidFill>
                 <a:latin typeface="+mn-lt"/>
               </a:rPr>
-              <a:t>Four internal Azure load balancers to direct load to the primary NGFW and to servers in each application tier.</a:t>
-            </a:r>
-          </a:p>
-          <a:p>
+              <a:t>Hub – Gateway, Perimeter, Management</a:t>
+            </a:r>
+          </a:p>
+          <a:p>
+            <a:pPr lvl="2"/>
+            <a:r>
+              <a:rPr lang="en-US" sz="2800" dirty="0">
+                <a:solidFill>
+                  <a:schemeClr val="tx1"/>
+                </a:solidFill>
+              </a:rPr>
+              <a:t>Spoke – Web tier, Business tier, Data tier</a:t>
+            </a:r>
+          </a:p>
+          <a:p>
+            <a:pPr lvl="2"/>
             <a:endParaRPr lang="en-US" sz="1800" dirty="0">
               <a:solidFill>
                 <a:schemeClr val="tx1"/>
@@ -19642,22 +19835,49 @@
             </a:endParaRPr>
           </a:p>
           <a:p>
-            <a:r>
-              <a:rPr lang="en-US" sz="3200" dirty="0">
+            <a:pPr lvl="1"/>
+            <a:r>
+              <a:rPr lang="en-US" sz="2800" dirty="0">
                 <a:solidFill>
                   <a:schemeClr val="tx1"/>
                 </a:solidFill>
-                <a:latin typeface="+mn-lt"/>
-              </a:rPr>
-              <a:t>One Azure web application firewall that will protect and inspect incoming traffic.</a:t>
-            </a:r>
+              </a:rPr>
+              <a:t>Azure Firewall configured with rules that define allowed and denied network traffic between on-premises and Azure </a:t>
+            </a:r>
+            <a:r>
+              <a:rPr lang="en-US" sz="2800" dirty="0" smtClean="0">
+                <a:solidFill>
+                  <a:schemeClr val="tx1"/>
+                </a:solidFill>
+              </a:rPr>
+              <a:t>workloads</a:t>
+            </a:r>
+            <a:endParaRPr lang="en-US" sz="2800" dirty="0">
+              <a:solidFill>
+                <a:schemeClr val="tx1"/>
+              </a:solidFill>
+            </a:endParaRPr>
+          </a:p>
+          <a:p>
+            <a:pPr marL="0" indent="0">
+              <a:spcAft>
+                <a:spcPts val="882"/>
+              </a:spcAft>
+              <a:buNone/>
+            </a:pPr>
+            <a:endParaRPr lang="en-US" sz="1800" dirty="0">
+              <a:solidFill>
+                <a:schemeClr val="tx1"/>
+              </a:solidFill>
+              <a:latin typeface="+mn-lt"/>
+            </a:endParaRPr>
           </a:p>
         </p:txBody>
       </p:sp>
     </p:spTree>
     <p:extLst>
       <p:ext uri="{BB962C8B-B14F-4D97-AF65-F5344CB8AC3E}">
-        <p14:creationId xmlns:p14="http://schemas.microsoft.com/office/powerpoint/2010/main" val="568269248"/>
+        <p14:creationId xmlns:p14="http://schemas.microsoft.com/office/powerpoint/2010/main" val="998154553"/>
       </p:ext>
     </p:extLst>
   </p:cSld>
@@ -19694,13 +19914,7 @@
       </p:grpSpPr>
       <p:sp>
         <p:nvSpPr>
-          <p:cNvPr id="3" name="Title 2">
-            <a:extLst>
-              <a:ext uri="{FF2B5EF4-FFF2-40B4-BE49-F238E27FC236}">
-                <a16:creationId xmlns:a16="http://schemas.microsoft.com/office/drawing/2014/main" id="{5CF480D2-9A32-49E6-8D85-10033D9409CB}"/>
-              </a:ext>
-            </a:extLst>
-          </p:cNvPr>
+          <p:cNvPr id="2" name="Title 1"/>
           <p:cNvSpPr>
             <a:spLocks noGrp="1"/>
           </p:cNvSpPr>
@@ -19710,63 +19924,173 @@
         </p:nvSpPr>
         <p:spPr/>
         <p:txBody>
-          <a:bodyPr/>
+          <a:bodyPr>
+            <a:normAutofit fontScale="90000"/>
+          </a:bodyPr>
           <a:lstStyle/>
           <a:p>
+            <a:r>
+              <a:rPr lang="en-US" sz="4900" dirty="0">
+                <a:solidFill>
+                  <a:schemeClr val="tx1"/>
+                </a:solidFill>
+                <a:cs typeface="Segoe UI" panose="020B0502040204020203" pitchFamily="34" charset="0"/>
+              </a:rPr>
+              <a:t>Preferred solution (continued)</a:t>
+            </a:r>
             <a:r>
               <a:rPr lang="en-US" dirty="0">
                 <a:solidFill>
                   <a:schemeClr val="tx1"/>
                 </a:solidFill>
-              </a:rPr>
-              <a:t>Preferred solution (continued)</a:t>
-            </a:r>
+                <a:latin typeface="Segoe UI" panose="020B0502040204020203" pitchFamily="34" charset="0"/>
+              </a:rPr>
+              <a:t/>
+            </a:r>
+            <a:br>
+              <a:rPr lang="en-US" dirty="0">
+                <a:solidFill>
+                  <a:schemeClr val="tx1"/>
+                </a:solidFill>
+                <a:latin typeface="Segoe UI" panose="020B0502040204020203" pitchFamily="34" charset="0"/>
+              </a:rPr>
+            </a:br>
+            <a:endParaRPr lang="en-US" sz="3236" dirty="0">
+              <a:solidFill>
+                <a:schemeClr val="tx1"/>
+              </a:solidFill>
+              <a:latin typeface="Segoe UI" panose="020B0502040204020203" pitchFamily="34" charset="0"/>
+            </a:endParaRPr>
           </a:p>
         </p:txBody>
       </p:sp>
-      <p:pic>
-        <p:nvPicPr>
-          <p:cNvPr id="2" name="Picture 1" descr="A diagram that depicts the network flow from two on-premises sites where the traffic flows through Equinix and Level 3 using VPN and ExpressRoute. Multiple virtual networks in Azure are connected via VPN peering." title="Preferred Solution">
-            <a:extLst>
-              <a:ext uri="{FF2B5EF4-FFF2-40B4-BE49-F238E27FC236}">
-                <a16:creationId xmlns:a16="http://schemas.microsoft.com/office/drawing/2014/main" id="{C6930ADA-6628-4D16-A2B0-2AA624BD3D43}"/>
-              </a:ext>
-            </a:extLst>
-          </p:cNvPr>
-          <p:cNvPicPr>
-            <a:picLocks noChangeAspect="1"/>
-          </p:cNvPicPr>
-          <p:nvPr/>
-        </p:nvPicPr>
-        <p:blipFill>
-          <a:blip r:embed="rId3"/>
-          <a:stretch>
-            <a:fillRect/>
-          </a:stretch>
-        </p:blipFill>
+      <p:sp>
+        <p:nvSpPr>
+          <p:cNvPr id="3" name="Content Placeholder 2"/>
+          <p:cNvSpPr>
+            <a:spLocks noGrp="1"/>
+          </p:cNvSpPr>
+          <p:nvPr>
+            <p:ph type="body" sz="quarter" idx="10"/>
+          </p:nvPr>
+        </p:nvSpPr>
         <p:spPr>
           <a:xfrm>
-            <a:off x="776305" y="1374350"/>
-            <a:ext cx="10320413" cy="5076862"/>
+            <a:off x="269239" y="1189177"/>
+            <a:ext cx="11653523" cy="5410406"/>
           </a:xfrm>
-          <a:prstGeom prst="rect">
-            <a:avLst/>
-          </a:prstGeom>
         </p:spPr>
-      </p:pic>
+        <p:txBody>
+          <a:bodyPr>
+            <a:noAutofit/>
+          </a:bodyPr>
+          <a:lstStyle/>
+          <a:p>
+            <a:r>
+              <a:rPr lang="en-US" sz="3200" dirty="0">
+                <a:solidFill>
+                  <a:schemeClr val="tx1"/>
+                </a:solidFill>
+                <a:latin typeface="+mn-lt"/>
+              </a:rPr>
+              <a:t>Five Route Tables associated with their corresponding subnets, each with specific user-defined routes configured.</a:t>
+            </a:r>
+          </a:p>
+          <a:p>
+            <a:r>
+              <a:rPr lang="en-US" sz="3200" dirty="0" smtClean="0">
+                <a:solidFill>
+                  <a:schemeClr val="tx1"/>
+                </a:solidFill>
+                <a:latin typeface="+mn-lt"/>
+              </a:rPr>
+              <a:t>Five </a:t>
+            </a:r>
+            <a:r>
+              <a:rPr lang="en-US" sz="3200" dirty="0">
+                <a:solidFill>
+                  <a:schemeClr val="tx1"/>
+                </a:solidFill>
+                <a:latin typeface="+mn-lt"/>
+              </a:rPr>
+              <a:t>network security groups associated with their respective subnets, each with specific allow/deny rules configured</a:t>
+            </a:r>
+            <a:r>
+              <a:rPr lang="en-US" sz="3200" dirty="0" smtClean="0">
+                <a:solidFill>
+                  <a:schemeClr val="tx1"/>
+                </a:solidFill>
+                <a:latin typeface="+mn-lt"/>
+              </a:rPr>
+              <a:t>.</a:t>
+            </a:r>
+          </a:p>
+          <a:p>
+            <a:r>
+              <a:rPr lang="en-US" sz="3200" dirty="0" smtClean="0">
+                <a:solidFill>
+                  <a:schemeClr val="tx1"/>
+                </a:solidFill>
+                <a:latin typeface="+mn-lt"/>
+              </a:rPr>
+              <a:t>Application </a:t>
+            </a:r>
+            <a:r>
+              <a:rPr lang="en-US" sz="3200" dirty="0">
+                <a:solidFill>
+                  <a:schemeClr val="tx1"/>
+                </a:solidFill>
+                <a:latin typeface="+mn-lt"/>
+              </a:rPr>
+              <a:t>Security Groups (three per each multi-tier legacy business app) to secure traffic within the same subnet, along with the corresponding Network Security Groups.</a:t>
+            </a:r>
+            <a:endParaRPr lang="en-US" sz="3200" dirty="0">
+              <a:solidFill>
+                <a:schemeClr val="tx1"/>
+              </a:solidFill>
+              <a:latin typeface="+mn-lt"/>
+            </a:endParaRPr>
+          </a:p>
+          <a:p>
+            <a:r>
+              <a:rPr lang="en-US" sz="3200" dirty="0" smtClean="0">
+                <a:solidFill>
+                  <a:schemeClr val="tx1"/>
+                </a:solidFill>
+                <a:latin typeface="+mn-lt"/>
+              </a:rPr>
+              <a:t>One </a:t>
+            </a:r>
+            <a:r>
+              <a:rPr lang="en-US" sz="3200" dirty="0">
+                <a:solidFill>
+                  <a:schemeClr val="tx1"/>
+                </a:solidFill>
+                <a:latin typeface="+mn-lt"/>
+              </a:rPr>
+              <a:t>Azure web application firewall that will protect and inspect incoming traffic.</a:t>
+            </a:r>
+          </a:p>
+        </p:txBody>
+      </p:sp>
     </p:spTree>
     <p:extLst>
       <p:ext uri="{BB962C8B-B14F-4D97-AF65-F5344CB8AC3E}">
-        <p14:creationId xmlns:p14="http://schemas.microsoft.com/office/powerpoint/2010/main" val="4227637471"/>
+        <p14:creationId xmlns:p14="http://schemas.microsoft.com/office/powerpoint/2010/main" val="568269248"/>
       </p:ext>
     </p:extLst>
   </p:cSld>
   <p:clrMapOvr>
     <a:masterClrMapping/>
   </p:clrMapOvr>
-  <p:transition>
-    <p:fade/>
-  </p:transition>
+  <mc:AlternateContent xmlns:mc="http://schemas.openxmlformats.org/markup-compatibility/2006" xmlns:p14="http://schemas.microsoft.com/office/powerpoint/2010/main">
+    <mc:Choice Requires="p14">
+      <p:transition p14:dur="0"/>
+    </mc:Choice>
+    <mc:Fallback xmlns="">
+      <p:transition/>
+    </mc:Fallback>
+  </mc:AlternateContent>
 </p:sld>
 </file>
 
@@ -19792,7 +20116,7 @@
           <p:cNvPr id="3" name="Title 2">
             <a:extLst>
               <a:ext uri="{FF2B5EF4-FFF2-40B4-BE49-F238E27FC236}">
-                <a16:creationId xmlns:a16="http://schemas.microsoft.com/office/drawing/2014/main" id="{34797AA8-669D-4F1E-B050-28520867EDB9}"/>
+                <a16:creationId xmlns:a16="http://schemas.microsoft.com/office/drawing/2014/main" xmlns="" id="{5CF480D2-9A32-49E6-8D85-10033D9409CB}"/>
               </a:ext>
             </a:extLst>
           </p:cNvPr>
@@ -19809,116 +20133,50 @@
           <a:lstStyle/>
           <a:p>
             <a:r>
-              <a:rPr lang="en-US" sz="4400" dirty="0"/>
+              <a:rPr lang="en-US" dirty="0">
+                <a:solidFill>
+                  <a:schemeClr val="tx1"/>
+                </a:solidFill>
+              </a:rPr>
               <a:t>Preferred solution (continued)</a:t>
             </a:r>
           </a:p>
         </p:txBody>
       </p:sp>
-      <p:sp>
-        <p:nvSpPr>
-          <p:cNvPr id="2" name="Text Placeholder 1">
+      <p:pic>
+        <p:nvPicPr>
+          <p:cNvPr id="4" name="Picture 3" descr="Preferred Solution&#10;&#10;A diagram that depicts the network flow from two on-premises sites where the traffic flows through Equinix and Level 3 using VPN and ExpressRoute. Multiple virtual networks in Azure are connected via VPN peering.">
             <a:extLst>
               <a:ext uri="{FF2B5EF4-FFF2-40B4-BE49-F238E27FC236}">
-                <a16:creationId xmlns:a16="http://schemas.microsoft.com/office/drawing/2014/main" id="{3DE811D4-CB27-4E55-B7F0-CE184F643F12}"/>
+                <a16:creationId xmlns:a16="http://schemas.microsoft.com/office/drawing/2014/main" xmlns="" id="{CF054EC1-B4E6-4F37-8B05-07D42E925B31}"/>
               </a:ext>
             </a:extLst>
           </p:cNvPr>
-          <p:cNvSpPr>
-            <a:spLocks noGrp="1"/>
-          </p:cNvSpPr>
-          <p:nvPr>
-            <p:ph type="body" sz="quarter" idx="10"/>
-          </p:nvPr>
-        </p:nvSpPr>
+          <p:cNvPicPr>
+            <a:picLocks noChangeAspect="1"/>
+          </p:cNvPicPr>
+          <p:nvPr/>
+        </p:nvPicPr>
+        <p:blipFill>
+          <a:blip r:embed="rId3"/>
+          <a:stretch>
+            <a:fillRect/>
+          </a:stretch>
+        </p:blipFill>
         <p:spPr>
           <a:xfrm>
-            <a:off x="269238" y="1084112"/>
-            <a:ext cx="11653523" cy="5875455"/>
+            <a:off x="386663" y="1189176"/>
+            <a:ext cx="11075994" cy="5445738"/>
           </a:xfrm>
+          <a:prstGeom prst="rect">
+            <a:avLst/>
+          </a:prstGeom>
         </p:spPr>
-        <p:txBody>
-          <a:bodyPr/>
-          <a:lstStyle/>
-          <a:p>
-            <a:pPr marL="0" indent="0">
-              <a:buNone/>
-            </a:pPr>
-            <a:r>
-              <a:rPr lang="en-US" sz="3600" dirty="0"/>
-              <a:t>ExpressRoute configuration details:</a:t>
-            </a:r>
-          </a:p>
-          <a:p>
-            <a:r>
-              <a:rPr lang="en-US" sz="2800" dirty="0">
-                <a:latin typeface="+mn-lt"/>
-              </a:rPr>
-              <a:t>Two ExpressRoute circuits will be provisioned:</a:t>
-            </a:r>
-          </a:p>
-          <a:p>
-            <a:pPr lvl="1"/>
-            <a:r>
-              <a:rPr lang="en-US" sz="2400" dirty="0"/>
-              <a:t>First in Dallas, TX (corresponding to the Plano, TX datacenter)</a:t>
-            </a:r>
-          </a:p>
-          <a:p>
-            <a:pPr lvl="2"/>
-            <a:r>
-              <a:rPr lang="en-US" sz="2200" dirty="0"/>
-              <a:t>Level 3 is the communications provider </a:t>
-            </a:r>
-          </a:p>
-          <a:p>
-            <a:pPr lvl="1"/>
-            <a:r>
-              <a:rPr lang="en-US" sz="2400" dirty="0"/>
-              <a:t>Second in Chicago, IL (corresponding to Chicago, IL datacenter)</a:t>
-            </a:r>
-          </a:p>
-          <a:p>
-            <a:pPr lvl="2"/>
-            <a:r>
-              <a:rPr lang="en-US" sz="2200" dirty="0"/>
-              <a:t>Equinix is the connectivity provider</a:t>
-            </a:r>
-          </a:p>
-          <a:p>
-            <a:pPr lvl="2"/>
-            <a:endParaRPr lang="en-US" sz="1400" dirty="0"/>
-          </a:p>
-          <a:p>
-            <a:r>
-              <a:rPr lang="en-US" sz="2800" dirty="0">
-                <a:latin typeface="+mn-lt"/>
-              </a:rPr>
-              <a:t>Capitalizing on different providers will enable Woodgrove to maintain connectivity to Azure even in the case of a catastrophic provider issue. </a:t>
-            </a:r>
-          </a:p>
-          <a:p>
-            <a:endParaRPr lang="en-US" sz="1600" dirty="0">
-              <a:latin typeface="+mn-lt"/>
-            </a:endParaRPr>
-          </a:p>
-          <a:p>
-            <a:r>
-              <a:rPr lang="en-US" sz="2800" dirty="0">
-                <a:latin typeface="+mn-lt"/>
-              </a:rPr>
-              <a:t>After study, the unlimited licensing option with 1 Gbps was chosen for both ExpressRoute circuits. The use of a Microsoft peering path necessitates an ExpressRoute standard SKU at minimum.</a:t>
-            </a:r>
-          </a:p>
-          <a:p>
-            <a:endParaRPr lang="en-US" sz="2800" dirty="0"/>
-          </a:p>
-        </p:txBody>
-      </p:sp>
+      </p:pic>
     </p:spTree>
     <p:extLst>
       <p:ext uri="{BB962C8B-B14F-4D97-AF65-F5344CB8AC3E}">
-        <p14:creationId xmlns:p14="http://schemas.microsoft.com/office/powerpoint/2010/main" val="2541610636"/>
+        <p14:creationId xmlns:p14="http://schemas.microsoft.com/office/powerpoint/2010/main" val="4227637471"/>
       </p:ext>
     </p:extLst>
   </p:cSld>
@@ -19953,7 +20211,7 @@
           <p:cNvPr id="3" name="Title 2">
             <a:extLst>
               <a:ext uri="{FF2B5EF4-FFF2-40B4-BE49-F238E27FC236}">
-                <a16:creationId xmlns:a16="http://schemas.microsoft.com/office/drawing/2014/main" id="{76712B88-EBE7-4ACE-96E3-2C9DF2611A7A}"/>
+                <a16:creationId xmlns:a16="http://schemas.microsoft.com/office/drawing/2014/main" xmlns="" id="{34797AA8-669D-4F1E-B050-28520867EDB9}"/>
               </a:ext>
             </a:extLst>
           </p:cNvPr>
@@ -19970,6 +20228,167 @@
           <a:lstStyle/>
           <a:p>
             <a:r>
+              <a:rPr lang="en-US" sz="4400" dirty="0"/>
+              <a:t>Preferred solution (continued)</a:t>
+            </a:r>
+          </a:p>
+        </p:txBody>
+      </p:sp>
+      <p:sp>
+        <p:nvSpPr>
+          <p:cNvPr id="2" name="Text Placeholder 1">
+            <a:extLst>
+              <a:ext uri="{FF2B5EF4-FFF2-40B4-BE49-F238E27FC236}">
+                <a16:creationId xmlns:a16="http://schemas.microsoft.com/office/drawing/2014/main" xmlns="" id="{3DE811D4-CB27-4E55-B7F0-CE184F643F12}"/>
+              </a:ext>
+            </a:extLst>
+          </p:cNvPr>
+          <p:cNvSpPr>
+            <a:spLocks noGrp="1"/>
+          </p:cNvSpPr>
+          <p:nvPr>
+            <p:ph type="body" sz="quarter" idx="10"/>
+          </p:nvPr>
+        </p:nvSpPr>
+        <p:spPr>
+          <a:xfrm>
+            <a:off x="269238" y="1084112"/>
+            <a:ext cx="11653523" cy="5875455"/>
+          </a:xfrm>
+        </p:spPr>
+        <p:txBody>
+          <a:bodyPr/>
+          <a:lstStyle/>
+          <a:p>
+            <a:pPr marL="0" indent="0">
+              <a:buNone/>
+            </a:pPr>
+            <a:r>
+              <a:rPr lang="en-US" sz="3600" dirty="0"/>
+              <a:t>ExpressRoute configuration details:</a:t>
+            </a:r>
+          </a:p>
+          <a:p>
+            <a:r>
+              <a:rPr lang="en-US" sz="2800" dirty="0">
+                <a:latin typeface="+mn-lt"/>
+              </a:rPr>
+              <a:t>Two ExpressRoute circuits will be provisioned:</a:t>
+            </a:r>
+          </a:p>
+          <a:p>
+            <a:pPr lvl="1"/>
+            <a:r>
+              <a:rPr lang="en-US" sz="2400" dirty="0"/>
+              <a:t>First in Dallas, TX (corresponding to the Plano, TX datacenter)</a:t>
+            </a:r>
+          </a:p>
+          <a:p>
+            <a:pPr lvl="2"/>
+            <a:r>
+              <a:rPr lang="en-US" sz="2200" dirty="0"/>
+              <a:t>Level 3 is the communications provider </a:t>
+            </a:r>
+          </a:p>
+          <a:p>
+            <a:pPr lvl="1"/>
+            <a:r>
+              <a:rPr lang="en-US" sz="2400" dirty="0"/>
+              <a:t>Second in Chicago, IL (corresponding to Chicago, IL datacenter)</a:t>
+            </a:r>
+          </a:p>
+          <a:p>
+            <a:pPr lvl="2"/>
+            <a:r>
+              <a:rPr lang="en-US" sz="2200" dirty="0"/>
+              <a:t>Equinix is the connectivity provider</a:t>
+            </a:r>
+          </a:p>
+          <a:p>
+            <a:pPr lvl="2"/>
+            <a:endParaRPr lang="en-US" sz="1400" dirty="0"/>
+          </a:p>
+          <a:p>
+            <a:r>
+              <a:rPr lang="en-US" sz="2800" dirty="0">
+                <a:latin typeface="+mn-lt"/>
+              </a:rPr>
+              <a:t>Capitalizing on different providers will enable Woodgrove to maintain connectivity to Azure even in the case of a catastrophic provider issue. </a:t>
+            </a:r>
+          </a:p>
+          <a:p>
+            <a:endParaRPr lang="en-US" sz="1600" dirty="0">
+              <a:latin typeface="+mn-lt"/>
+            </a:endParaRPr>
+          </a:p>
+          <a:p>
+            <a:r>
+              <a:rPr lang="en-US" sz="2800" dirty="0">
+                <a:latin typeface="+mn-lt"/>
+              </a:rPr>
+              <a:t>After study, the unlimited licensing option with 1 Gbps was chosen for both ExpressRoute circuits. The use of a Microsoft peering path necessitates an ExpressRoute standard SKU at minimum.</a:t>
+            </a:r>
+          </a:p>
+          <a:p>
+            <a:endParaRPr lang="en-US" sz="2800" dirty="0"/>
+          </a:p>
+        </p:txBody>
+      </p:sp>
+    </p:spTree>
+    <p:extLst>
+      <p:ext uri="{BB962C8B-B14F-4D97-AF65-F5344CB8AC3E}">
+        <p14:creationId xmlns:p14="http://schemas.microsoft.com/office/powerpoint/2010/main" val="2541610636"/>
+      </p:ext>
+    </p:extLst>
+  </p:cSld>
+  <p:clrMapOvr>
+    <a:masterClrMapping/>
+  </p:clrMapOvr>
+  <p:transition>
+    <p:fade/>
+  </p:transition>
+</p:sld>
+</file>
+
+<file path=ppt/slides/slide29.xml><?xml version="1.0" encoding="utf-8"?>
+<p:sld xmlns:a="http://schemas.openxmlformats.org/drawingml/2006/main" xmlns:r="http://schemas.openxmlformats.org/officeDocument/2006/relationships" xmlns:p="http://schemas.openxmlformats.org/presentationml/2006/main" showMasterSp="0">
+  <p:cSld>
+    <p:spTree>
+      <p:nvGrpSpPr>
+        <p:cNvPr id="1" name=""/>
+        <p:cNvGrpSpPr/>
+        <p:nvPr/>
+      </p:nvGrpSpPr>
+      <p:grpSpPr>
+        <a:xfrm>
+          <a:off x="0" y="0"/>
+          <a:ext cx="0" cy="0"/>
+          <a:chOff x="0" y="0"/>
+          <a:chExt cx="0" cy="0"/>
+        </a:xfrm>
+      </p:grpSpPr>
+      <p:sp>
+        <p:nvSpPr>
+          <p:cNvPr id="3" name="Title 2">
+            <a:extLst>
+              <a:ext uri="{FF2B5EF4-FFF2-40B4-BE49-F238E27FC236}">
+                <a16:creationId xmlns:a16="http://schemas.microsoft.com/office/drawing/2014/main" xmlns="" id="{76712B88-EBE7-4ACE-96E3-2C9DF2611A7A}"/>
+              </a:ext>
+            </a:extLst>
+          </p:cNvPr>
+          <p:cNvSpPr>
+            <a:spLocks noGrp="1"/>
+          </p:cNvSpPr>
+          <p:nvPr>
+            <p:ph type="title"/>
+          </p:nvPr>
+        </p:nvSpPr>
+        <p:spPr/>
+        <p:txBody>
+          <a:bodyPr/>
+          <a:lstStyle/>
+          <a:p>
+            <a:r>
               <a:rPr lang="en-US" sz="4800" dirty="0">
                 <a:solidFill>
                   <a:schemeClr val="tx1"/>
@@ -19990,7 +20409,7 @@
           <p:cNvPr id="2" name="Picture 1" descr="Figure 2 - Peering for ExpressRoute&#10;&#10;This image represents private and public peering for the ExpressRoute circuits.&#10;">
             <a:extLst>
               <a:ext uri="{FF2B5EF4-FFF2-40B4-BE49-F238E27FC236}">
-                <a16:creationId xmlns:a16="http://schemas.microsoft.com/office/drawing/2014/main" id="{E6D4FAF7-3905-4C6F-AFA1-C9FF32584245}"/>
+                <a16:creationId xmlns:a16="http://schemas.microsoft.com/office/drawing/2014/main" xmlns="" id="{E6D4FAF7-3905-4C6F-AFA1-C9FF32584245}"/>
               </a:ext>
             </a:extLst>
           </p:cNvPr>
@@ -20030,191 +20449,6 @@
 </p:sld>
 </file>
 
-<file path=ppt/slides/slide29.xml><?xml version="1.0" encoding="utf-8"?>
-<p:sld xmlns:a="http://schemas.openxmlformats.org/drawingml/2006/main" xmlns:r="http://schemas.openxmlformats.org/officeDocument/2006/relationships" xmlns:p="http://schemas.openxmlformats.org/presentationml/2006/main" showMasterSp="0">
-  <p:cSld>
-    <p:spTree>
-      <p:nvGrpSpPr>
-        <p:cNvPr id="1" name=""/>
-        <p:cNvGrpSpPr/>
-        <p:nvPr/>
-      </p:nvGrpSpPr>
-      <p:grpSpPr>
-        <a:xfrm>
-          <a:off x="0" y="0"/>
-          <a:ext cx="0" cy="0"/>
-          <a:chOff x="0" y="0"/>
-          <a:chExt cx="0" cy="0"/>
-        </a:xfrm>
-      </p:grpSpPr>
-      <p:sp>
-        <p:nvSpPr>
-          <p:cNvPr id="3" name="Title 2">
-            <a:extLst>
-              <a:ext uri="{FF2B5EF4-FFF2-40B4-BE49-F238E27FC236}">
-                <a16:creationId xmlns:a16="http://schemas.microsoft.com/office/drawing/2014/main" id="{DB438719-42F4-46AF-9B3B-56EBCE280E0E}"/>
-              </a:ext>
-            </a:extLst>
-          </p:cNvPr>
-          <p:cNvSpPr>
-            <a:spLocks noGrp="1"/>
-          </p:cNvSpPr>
-          <p:nvPr>
-            <p:ph type="title"/>
-          </p:nvPr>
-        </p:nvSpPr>
-        <p:spPr/>
-        <p:txBody>
-          <a:bodyPr/>
-          <a:lstStyle/>
-          <a:p>
-            <a:r>
-              <a:rPr lang="en-US" sz="4400" dirty="0"/>
-              <a:t>Preferred solution (continued)</a:t>
-            </a:r>
-            <a:br>
-              <a:rPr lang="en-US" sz="4400" dirty="0"/>
-            </a:br>
-            <a:r>
-              <a:rPr lang="en-US" sz="3600" dirty="0"/>
-              <a:t>Network Virtual Appliances</a:t>
-            </a:r>
-          </a:p>
-        </p:txBody>
-      </p:sp>
-      <p:sp>
-        <p:nvSpPr>
-          <p:cNvPr id="2" name="Text Placeholder 1" descr="Two next-generation firewalls are seen in this image configured in a HA Pair inside an Azure Availability set." title="Image - Perimeter 10.7.0.32/27">
-            <a:extLst>
-              <a:ext uri="{FF2B5EF4-FFF2-40B4-BE49-F238E27FC236}">
-                <a16:creationId xmlns:a16="http://schemas.microsoft.com/office/drawing/2014/main" id="{864F6339-4BCA-44B0-BAE9-B63A28EA61FD}"/>
-              </a:ext>
-            </a:extLst>
-          </p:cNvPr>
-          <p:cNvSpPr>
-            <a:spLocks noGrp="1"/>
-          </p:cNvSpPr>
-          <p:nvPr>
-            <p:ph type="body" sz="quarter" idx="10"/>
-          </p:nvPr>
-        </p:nvSpPr>
-        <p:spPr>
-          <a:xfrm>
-            <a:off x="387210" y="1615669"/>
-            <a:ext cx="7540483" cy="5304529"/>
-          </a:xfrm>
-        </p:spPr>
-        <p:txBody>
-          <a:bodyPr/>
-          <a:lstStyle/>
-          <a:p>
-            <a:r>
-              <a:rPr lang="en-US" sz="2800" dirty="0">
-                <a:latin typeface="+mn-lt"/>
-              </a:rPr>
-              <a:t>Two next-generation firewalls (NGFW) configured in a HA Pair in an Azure availability set.</a:t>
-            </a:r>
-          </a:p>
-          <a:p>
-            <a:endParaRPr lang="en-US" sz="1100" dirty="0">
-              <a:latin typeface="+mn-lt"/>
-            </a:endParaRPr>
-          </a:p>
-          <a:p>
-            <a:r>
-              <a:rPr lang="en-US" sz="2800" dirty="0">
-                <a:latin typeface="+mn-lt"/>
-              </a:rPr>
-              <a:t>Deployed into a Perimeter subnet .</a:t>
-            </a:r>
-          </a:p>
-          <a:p>
-            <a:endParaRPr lang="en-US" sz="1100" dirty="0">
-              <a:latin typeface="+mn-lt"/>
-            </a:endParaRPr>
-          </a:p>
-          <a:p>
-            <a:r>
-              <a:rPr lang="en-US" sz="2800" dirty="0">
-                <a:latin typeface="+mn-lt"/>
-              </a:rPr>
-              <a:t>Filter traffic coming in from the Internet and from the on-premises environment.</a:t>
-            </a:r>
-          </a:p>
-          <a:p>
-            <a:endParaRPr lang="en-US" sz="1100" dirty="0">
-              <a:latin typeface="+mn-lt"/>
-            </a:endParaRPr>
-          </a:p>
-          <a:p>
-            <a:r>
-              <a:rPr lang="en-US" sz="2800" dirty="0">
-                <a:latin typeface="+mn-lt"/>
-              </a:rPr>
-              <a:t>User-defined routes are leveraged to forward traffic through the devices for inspection.</a:t>
-            </a:r>
-          </a:p>
-          <a:p>
-            <a:endParaRPr lang="en-US" sz="1200" dirty="0">
-              <a:latin typeface="+mn-lt"/>
-            </a:endParaRPr>
-          </a:p>
-          <a:p>
-            <a:r>
-              <a:rPr lang="en-US" sz="2800" dirty="0">
-                <a:latin typeface="+mn-lt"/>
-              </a:rPr>
-              <a:t>Meets the client’s requirements to use this vendor.</a:t>
-            </a:r>
-          </a:p>
-        </p:txBody>
-      </p:sp>
-      <p:pic>
-        <p:nvPicPr>
-          <p:cNvPr id="7" name="Picture 6" descr="A diagram that depicts two firewall appliances behind an Azure Load Balancer." title="Network Virtual Appliances">
-            <a:extLst>
-              <a:ext uri="{FF2B5EF4-FFF2-40B4-BE49-F238E27FC236}">
-                <a16:creationId xmlns:a16="http://schemas.microsoft.com/office/drawing/2014/main" id="{F417F3E4-A56D-47F7-8699-314ACC0597D8}"/>
-              </a:ext>
-            </a:extLst>
-          </p:cNvPr>
-          <p:cNvPicPr>
-            <a:picLocks noChangeAspect="1"/>
-          </p:cNvPicPr>
-          <p:nvPr/>
-        </p:nvPicPr>
-        <p:blipFill>
-          <a:blip r:embed="rId3"/>
-          <a:stretch>
-            <a:fillRect/>
-          </a:stretch>
-        </p:blipFill>
-        <p:spPr>
-          <a:xfrm>
-            <a:off x="8264014" y="840961"/>
-            <a:ext cx="3206774" cy="5176078"/>
-          </a:xfrm>
-          <a:prstGeom prst="rect">
-            <a:avLst/>
-          </a:prstGeom>
-        </p:spPr>
-      </p:pic>
-    </p:spTree>
-    <p:extLst>
-      <p:ext uri="{BB962C8B-B14F-4D97-AF65-F5344CB8AC3E}">
-        <p14:creationId xmlns:p14="http://schemas.microsoft.com/office/powerpoint/2010/main" val="2762556"/>
-      </p:ext>
-    </p:extLst>
-  </p:cSld>
-  <p:clrMapOvr>
-    <a:masterClrMapping/>
-  </p:clrMapOvr>
-  <p:transition>
-    <p:fade/>
-  </p:transition>
-</p:sld>
-</file>
-
 <file path=ppt/slides/slide3.xml><?xml version="1.0" encoding="utf-8"?>
 <p:sld xmlns:a="http://schemas.openxmlformats.org/drawingml/2006/main" xmlns:r="http://schemas.openxmlformats.org/officeDocument/2006/relationships" xmlns:p="http://schemas.openxmlformats.org/presentationml/2006/main" showMasterSp="0">
   <p:cSld>
@@ -20267,7 +20501,7 @@
           <p:cNvPr id="9" name="TextBox 8">
             <a:extLst>
               <a:ext uri="{FF2B5EF4-FFF2-40B4-BE49-F238E27FC236}">
-                <a16:creationId xmlns:a16="http://schemas.microsoft.com/office/drawing/2014/main" id="{0F86F9F9-39B5-4CE6-AF48-9ADAE40EA728}"/>
+                <a16:creationId xmlns:a16="http://schemas.microsoft.com/office/drawing/2014/main" xmlns="" id="{0F86F9F9-39B5-4CE6-AF48-9ADAE40EA728}"/>
               </a:ext>
             </a:extLst>
           </p:cNvPr>
@@ -20408,6 +20642,189 @@
       </p:grpSpPr>
       <p:sp>
         <p:nvSpPr>
+          <p:cNvPr id="3" name="Title 2">
+            <a:extLst>
+              <a:ext uri="{FF2B5EF4-FFF2-40B4-BE49-F238E27FC236}">
+                <a16:creationId xmlns:a16="http://schemas.microsoft.com/office/drawing/2014/main" xmlns="" id="{DB438719-42F4-46AF-9B3B-56EBCE280E0E}"/>
+              </a:ext>
+            </a:extLst>
+          </p:cNvPr>
+          <p:cNvSpPr>
+            <a:spLocks noGrp="1"/>
+          </p:cNvSpPr>
+          <p:nvPr>
+            <p:ph type="title"/>
+          </p:nvPr>
+        </p:nvSpPr>
+        <p:spPr/>
+        <p:txBody>
+          <a:bodyPr/>
+          <a:lstStyle/>
+          <a:p>
+            <a:r>
+              <a:rPr lang="en-US" sz="4400" dirty="0"/>
+              <a:t>Preferred solution (continued)</a:t>
+            </a:r>
+            <a:br>
+              <a:rPr lang="en-US" sz="4400" dirty="0"/>
+            </a:br>
+            <a:r>
+              <a:rPr lang="en-US" sz="3600" dirty="0"/>
+              <a:t>Azure Firewall</a:t>
+            </a:r>
+          </a:p>
+        </p:txBody>
+      </p:sp>
+      <p:sp>
+        <p:nvSpPr>
+          <p:cNvPr id="2" name="Text Placeholder 1" descr="Two next-generation firewalls are seen in this image configured in a HA Pair inside an Azure Availability set." title="Image - Perimeter 10.7.0.32/27">
+            <a:extLst>
+              <a:ext uri="{FF2B5EF4-FFF2-40B4-BE49-F238E27FC236}">
+                <a16:creationId xmlns:a16="http://schemas.microsoft.com/office/drawing/2014/main" xmlns="" id="{864F6339-4BCA-44B0-BAE9-B63A28EA61FD}"/>
+              </a:ext>
+            </a:extLst>
+          </p:cNvPr>
+          <p:cNvSpPr>
+            <a:spLocks noGrp="1"/>
+          </p:cNvSpPr>
+          <p:nvPr>
+            <p:ph type="body" sz="quarter" idx="10"/>
+          </p:nvPr>
+        </p:nvSpPr>
+        <p:spPr>
+          <a:xfrm>
+            <a:off x="387210" y="1615669"/>
+            <a:ext cx="8484647" cy="4104200"/>
+          </a:xfrm>
+        </p:spPr>
+        <p:txBody>
+          <a:bodyPr/>
+          <a:lstStyle/>
+          <a:p>
+            <a:r>
+              <a:rPr lang="en-US" sz="2800" dirty="0">
+                <a:latin typeface="+mn-lt"/>
+              </a:rPr>
+              <a:t>Built-in high availability (no load balancers required) </a:t>
+            </a:r>
+          </a:p>
+          <a:p>
+            <a:endParaRPr lang="en-US" sz="1100" dirty="0">
+              <a:latin typeface="+mn-lt"/>
+            </a:endParaRPr>
+          </a:p>
+          <a:p>
+            <a:r>
+              <a:rPr lang="en-US" sz="2800" dirty="0">
+                <a:latin typeface="+mn-lt"/>
+              </a:rPr>
+              <a:t>Deployed into a hub virtual network perimeter subnet.</a:t>
+            </a:r>
+          </a:p>
+          <a:p>
+            <a:endParaRPr lang="en-US" sz="1100" dirty="0">
+              <a:latin typeface="+mn-lt"/>
+            </a:endParaRPr>
+          </a:p>
+          <a:p>
+            <a:r>
+              <a:rPr lang="en-US" sz="2800" dirty="0">
+                <a:latin typeface="+mn-lt"/>
+              </a:rPr>
+              <a:t>Filter traffic coming in from the Internet and from the on-premises environment.</a:t>
+            </a:r>
+          </a:p>
+          <a:p>
+            <a:endParaRPr lang="en-US" sz="1100" dirty="0">
+              <a:latin typeface="+mn-lt"/>
+            </a:endParaRPr>
+          </a:p>
+          <a:p>
+            <a:r>
+              <a:rPr lang="en-US" sz="2800" dirty="0">
+                <a:latin typeface="+mn-lt"/>
+              </a:rPr>
+              <a:t>User-defined routes are leveraged to forward traffic through the firewall for inspection.</a:t>
+            </a:r>
+          </a:p>
+        </p:txBody>
+      </p:sp>
+      <p:pic>
+        <p:nvPicPr>
+          <p:cNvPr id="5" name="Picture 4">
+            <a:extLst>
+              <a:ext uri="{FF2B5EF4-FFF2-40B4-BE49-F238E27FC236}">
+                <a16:creationId xmlns:a16="http://schemas.microsoft.com/office/drawing/2014/main" xmlns="" id="{D086618F-8B40-4B44-A41E-58CABF89F29B}"/>
+              </a:ext>
+            </a:extLst>
+          </p:cNvPr>
+          <p:cNvPicPr>
+            <a:picLocks noChangeAspect="1"/>
+          </p:cNvPicPr>
+          <p:nvPr/>
+        </p:nvPicPr>
+        <p:blipFill>
+          <a:blip r:embed="rId3">
+            <a:clrChange>
+              <a:clrFrom>
+                <a:srgbClr val="DEEDF8"/>
+              </a:clrFrom>
+              <a:clrTo>
+                <a:srgbClr val="DEEDF8">
+                  <a:alpha val="0"/>
+                </a:srgbClr>
+              </a:clrTo>
+            </a:clrChange>
+          </a:blip>
+          <a:stretch>
+            <a:fillRect/>
+          </a:stretch>
+        </p:blipFill>
+        <p:spPr>
+          <a:xfrm>
+            <a:off x="9446884" y="3429000"/>
+            <a:ext cx="959860" cy="846937"/>
+          </a:xfrm>
+          <a:prstGeom prst="rect">
+            <a:avLst/>
+          </a:prstGeom>
+        </p:spPr>
+      </p:pic>
+    </p:spTree>
+    <p:extLst>
+      <p:ext uri="{BB962C8B-B14F-4D97-AF65-F5344CB8AC3E}">
+        <p14:creationId xmlns:p14="http://schemas.microsoft.com/office/powerpoint/2010/main" val="2762556"/>
+      </p:ext>
+    </p:extLst>
+  </p:cSld>
+  <p:clrMapOvr>
+    <a:masterClrMapping/>
+  </p:clrMapOvr>
+  <p:transition>
+    <p:fade/>
+  </p:transition>
+</p:sld>
+</file>
+
+<file path=ppt/slides/slide31.xml><?xml version="1.0" encoding="utf-8"?>
+<p:sld xmlns:a="http://schemas.openxmlformats.org/drawingml/2006/main" xmlns:r="http://schemas.openxmlformats.org/officeDocument/2006/relationships" xmlns:p="http://schemas.openxmlformats.org/presentationml/2006/main" showMasterSp="0">
+  <p:cSld>
+    <p:spTree>
+      <p:nvGrpSpPr>
+        <p:cNvPr id="1" name=""/>
+        <p:cNvGrpSpPr/>
+        <p:nvPr/>
+      </p:nvGrpSpPr>
+      <p:grpSpPr>
+        <a:xfrm>
+          <a:off x="0" y="0"/>
+          <a:ext cx="0" cy="0"/>
+          <a:chOff x="0" y="0"/>
+          <a:chExt cx="0" cy="0"/>
+        </a:xfrm>
+      </p:grpSpPr>
+      <p:sp>
+        <p:nvSpPr>
           <p:cNvPr id="2" name="Title 1"/>
           <p:cNvSpPr>
             <a:spLocks noGrp="1"/>
@@ -20431,6 +20848,15 @@
                 <a:cs typeface="Segoe UI" panose="020B0502040204020203" pitchFamily="34" charset="0"/>
               </a:rPr>
               <a:t>Preferred solution for cloud-based application</a:t>
+            </a:r>
+            <a:r>
+              <a:rPr lang="en-US" dirty="0">
+                <a:solidFill>
+                  <a:schemeClr val="tx1"/>
+                </a:solidFill>
+                <a:latin typeface="Segoe UI" panose="020B0502040204020203" pitchFamily="34" charset="0"/>
+              </a:rPr>
+              <a:t/>
             </a:r>
             <a:br>
               <a:rPr lang="en-US" dirty="0">
@@ -20472,7 +20898,7 @@
           <a:lstStyle/>
           <a:p>
             <a:r>
-              <a:rPr lang="en-US" sz="3000" dirty="0">
+              <a:rPr lang="en-US" sz="2400" dirty="0">
                 <a:solidFill>
                   <a:schemeClr val="tx1"/>
                 </a:solidFill>
@@ -20483,7 +20909,7 @@
           </a:p>
           <a:p>
             <a:r>
-              <a:rPr lang="en-US" sz="3000" dirty="0">
+              <a:rPr lang="en-US" sz="2400" dirty="0">
                 <a:solidFill>
                   <a:schemeClr val="tx1"/>
                 </a:solidFill>
@@ -20494,33 +20920,33 @@
           </a:p>
           <a:p>
             <a:r>
-              <a:rPr lang="en-US" sz="3000" dirty="0">
+              <a:rPr lang="en-US" sz="2400" dirty="0">
                 <a:solidFill>
                   <a:schemeClr val="tx1"/>
                 </a:solidFill>
                 <a:latin typeface="+mn-lt"/>
               </a:rPr>
-              <a:t>The Azure Web App will be configured as backend back-end pool member of Application GW.</a:t>
-            </a:r>
-          </a:p>
-          <a:p>
-            <a:r>
-              <a:rPr lang="en-US" sz="3000" dirty="0">
+              <a:t>The Azure Web App will be configured as backend back-end pool member of Application Gateway.</a:t>
+            </a:r>
+          </a:p>
+          <a:p>
+            <a:r>
+              <a:rPr lang="en-US" sz="2400" dirty="0">
                 <a:solidFill>
                   <a:schemeClr val="tx1"/>
                 </a:solidFill>
                 <a:latin typeface="+mn-lt"/>
               </a:rPr>
-              <a:t>To ensure end users will hit the App Gw, </a:t>
-            </a:r>
-            <a:r>
-              <a:rPr lang="en-US" sz="3000" dirty="0">
+              <a:t>To ensure end users will hit the gateway, </a:t>
+            </a:r>
+            <a:r>
+              <a:rPr lang="en-US" sz="2400" dirty="0">
                 <a:latin typeface="+mn-lt"/>
               </a:rPr>
               <a:t>a </a:t>
             </a:r>
             <a:r>
-              <a:rPr lang="en-US" sz="3000" dirty="0">
+              <a:rPr lang="en-US" sz="2400" dirty="0">
                 <a:solidFill>
                   <a:schemeClr val="tx1"/>
                 </a:solidFill>
@@ -20531,7 +20957,7 @@
           </a:p>
           <a:p>
             <a:r>
-              <a:rPr lang="en-US" sz="3000" dirty="0">
+              <a:rPr lang="en-US" sz="2400" dirty="0">
                 <a:solidFill>
                   <a:schemeClr val="tx1"/>
                 </a:solidFill>
@@ -20563,7 +20989,7 @@
 </p:sld>
 </file>
 
-<file path=ppt/slides/slide31.xml><?xml version="1.0" encoding="utf-8"?>
+<file path=ppt/slides/slide32.xml><?xml version="1.0" encoding="utf-8"?>
 <p:sld xmlns:a="http://schemas.openxmlformats.org/drawingml/2006/main" xmlns:r="http://schemas.openxmlformats.org/officeDocument/2006/relationships" xmlns:p="http://schemas.openxmlformats.org/presentationml/2006/main">
   <p:cSld>
     <p:spTree>
@@ -20585,7 +21011,7 @@
           <p:cNvPr id="17" name="Title 16">
             <a:extLst>
               <a:ext uri="{FF2B5EF4-FFF2-40B4-BE49-F238E27FC236}">
-                <a16:creationId xmlns:a16="http://schemas.microsoft.com/office/drawing/2014/main" id="{C4420FB1-542B-465C-9C1C-8935774B896A}"/>
+                <a16:creationId xmlns:a16="http://schemas.microsoft.com/office/drawing/2014/main" xmlns="" id="{C4420FB1-542B-465C-9C1C-8935774B896A}"/>
               </a:ext>
             </a:extLst>
           </p:cNvPr>
@@ -20613,7 +21039,7 @@
           <p:cNvPr id="11" name="Picture 10" descr="A diagram that depicts Internet traffic flowing through an Azure Application Gateway to an Azure Web App." title="Cloud Web App Deployment">
             <a:extLst>
               <a:ext uri="{FF2B5EF4-FFF2-40B4-BE49-F238E27FC236}">
-                <a16:creationId xmlns:a16="http://schemas.microsoft.com/office/drawing/2014/main" id="{7337F2B2-6F7C-4849-BA95-8D0081058681}"/>
+                <a16:creationId xmlns:a16="http://schemas.microsoft.com/office/drawing/2014/main" xmlns="" id="{7337F2B2-6F7C-4849-BA95-8D0081058681}"/>
               </a:ext>
             </a:extLst>
           </p:cNvPr>
@@ -20654,193 +21080,6 @@
 </p:sld>
 </file>
 
-<file path=ppt/slides/slide32.xml><?xml version="1.0" encoding="utf-8"?>
-<p:sld xmlns:a="http://schemas.openxmlformats.org/drawingml/2006/main" xmlns:r="http://schemas.openxmlformats.org/officeDocument/2006/relationships" xmlns:p="http://schemas.openxmlformats.org/presentationml/2006/main" showMasterSp="0">
-  <p:cSld>
-    <p:spTree>
-      <p:nvGrpSpPr>
-        <p:cNvPr id="1" name=""/>
-        <p:cNvGrpSpPr/>
-        <p:nvPr/>
-      </p:nvGrpSpPr>
-      <p:grpSpPr>
-        <a:xfrm>
-          <a:off x="0" y="0"/>
-          <a:ext cx="0" cy="0"/>
-          <a:chOff x="0" y="0"/>
-          <a:chExt cx="0" cy="0"/>
-        </a:xfrm>
-      </p:grpSpPr>
-      <p:sp>
-        <p:nvSpPr>
-          <p:cNvPr id="2" name="Title 1"/>
-          <p:cNvSpPr>
-            <a:spLocks noGrp="1"/>
-          </p:cNvSpPr>
-          <p:nvPr>
-            <p:ph type="title"/>
-          </p:nvPr>
-        </p:nvSpPr>
-        <p:spPr/>
-        <p:txBody>
-          <a:bodyPr>
-            <a:normAutofit fontScale="90000"/>
-          </a:bodyPr>
-          <a:lstStyle/>
-          <a:p>
-            <a:r>
-              <a:rPr lang="en-US" sz="4900" dirty="0">
-                <a:solidFill>
-                  <a:schemeClr val="tx1"/>
-                </a:solidFill>
-                <a:cs typeface="Segoe UI" panose="020B0502040204020203" pitchFamily="34" charset="0"/>
-              </a:rPr>
-              <a:t>Preferred objections handling</a:t>
-            </a:r>
-            <a:br>
-              <a:rPr lang="en-US" dirty="0">
-                <a:solidFill>
-                  <a:schemeClr val="tx1"/>
-                </a:solidFill>
-                <a:latin typeface="Segoe UI" panose="020B0502040204020203" pitchFamily="34" charset="0"/>
-              </a:rPr>
-            </a:br>
-            <a:endParaRPr lang="en-US" sz="3236" dirty="0">
-              <a:solidFill>
-                <a:schemeClr val="tx1"/>
-              </a:solidFill>
-              <a:latin typeface="Segoe UI" panose="020B0502040204020203" pitchFamily="34" charset="0"/>
-            </a:endParaRPr>
-          </a:p>
-        </p:txBody>
-      </p:sp>
-      <p:sp>
-        <p:nvSpPr>
-          <p:cNvPr id="3" name="Content Placeholder 2"/>
-          <p:cNvSpPr>
-            <a:spLocks noGrp="1"/>
-          </p:cNvSpPr>
-          <p:nvPr>
-            <p:ph type="body" sz="quarter" idx="10"/>
-          </p:nvPr>
-        </p:nvSpPr>
-        <p:spPr>
-          <a:xfrm>
-            <a:off x="269239" y="1189177"/>
-            <a:ext cx="11653523" cy="4782415"/>
-          </a:xfrm>
-        </p:spPr>
-        <p:txBody>
-          <a:bodyPr>
-            <a:noAutofit/>
-          </a:bodyPr>
-          <a:lstStyle/>
-          <a:p>
-            <a:pPr marL="0" indent="0">
-              <a:buNone/>
-            </a:pPr>
-            <a:r>
-              <a:rPr lang="en-US" sz="2800" dirty="0">
-                <a:solidFill>
-                  <a:schemeClr val="tx1"/>
-                </a:solidFill>
-              </a:rPr>
-              <a:t>Objection </a:t>
-            </a:r>
-          </a:p>
-          <a:p>
-            <a:pPr marL="0" indent="0">
-              <a:buNone/>
-            </a:pPr>
-            <a:r>
-              <a:rPr lang="en-US" sz="2000" dirty="0">
-                <a:solidFill>
-                  <a:schemeClr val="tx1"/>
-                </a:solidFill>
-                <a:latin typeface="+mn-lt"/>
-              </a:rPr>
-              <a:t>As a financial institution, Woodgrove is under tight regulatory compliance requirements. Security is a key aspect of compliance and as such, it must be a key tenant of all operations including those related to technology. The corporate security officer is generally opposed to using services solely accessible over the public Internet. Services like Office 365, CRM, and other Microsoft SaaS offerings are off limits. Additionally, PaaS services accessed over the Internet are also unusable. It has relegated Woodgrove to private Azure services such as IaaS.</a:t>
-            </a:r>
-          </a:p>
-          <a:p>
-            <a:endParaRPr lang="en-US" sz="2000" dirty="0">
-              <a:solidFill>
-                <a:schemeClr val="tx1"/>
-              </a:solidFill>
-            </a:endParaRPr>
-          </a:p>
-          <a:p>
-            <a:pPr marL="0" indent="0">
-              <a:buNone/>
-            </a:pPr>
-            <a:r>
-              <a:rPr lang="en-US" sz="2800" dirty="0">
-                <a:solidFill>
-                  <a:schemeClr val="tx1"/>
-                </a:solidFill>
-              </a:rPr>
-              <a:t>Potential answer</a:t>
-            </a:r>
-          </a:p>
-          <a:p>
-            <a:pPr marL="0" indent="0">
-              <a:buNone/>
-            </a:pPr>
-            <a:r>
-              <a:rPr lang="en-US" sz="2000" dirty="0">
-                <a:solidFill>
-                  <a:schemeClr val="tx1"/>
-                </a:solidFill>
-                <a:latin typeface="+mn-lt"/>
-              </a:rPr>
-              <a:t>Using ExpressRoute, Woodgrove can access and use Azure private and public services without traversing the Internet. This secure connectivity, in addition to the business-class SLAs and greater bandwidth, make ExpressRoute a compelling offering that addresses this objection.</a:t>
-            </a:r>
-          </a:p>
-          <a:p>
-            <a:endParaRPr lang="en-US" sz="2000" dirty="0">
-              <a:solidFill>
-                <a:schemeClr val="tx1"/>
-              </a:solidFill>
-              <a:latin typeface="+mn-lt"/>
-            </a:endParaRPr>
-          </a:p>
-          <a:p>
-            <a:pPr marL="0" indent="0">
-              <a:buNone/>
-            </a:pPr>
-            <a:r>
-              <a:rPr lang="en-US" sz="2000" dirty="0">
-                <a:solidFill>
-                  <a:schemeClr val="tx1"/>
-                </a:solidFill>
-                <a:latin typeface="+mn-lt"/>
-              </a:rPr>
-              <a:t>This can be further refined with the use of Virtual Network Service endpoints with offerings such as Azure SQL</a:t>
-            </a:r>
-          </a:p>
-        </p:txBody>
-      </p:sp>
-    </p:spTree>
-    <p:extLst>
-      <p:ext uri="{BB962C8B-B14F-4D97-AF65-F5344CB8AC3E}">
-        <p14:creationId xmlns:p14="http://schemas.microsoft.com/office/powerpoint/2010/main" val="2371438961"/>
-      </p:ext>
-    </p:extLst>
-  </p:cSld>
-  <p:clrMapOvr>
-    <a:masterClrMapping/>
-  </p:clrMapOvr>
-  <mc:AlternateContent xmlns:mc="http://schemas.openxmlformats.org/markup-compatibility/2006" xmlns:p14="http://schemas.microsoft.com/office/powerpoint/2010/main">
-    <mc:Choice Requires="p14">
-      <p:transition p14:dur="0"/>
-    </mc:Choice>
-    <mc:Fallback xmlns="">
-      <p:transition/>
-    </mc:Fallback>
-  </mc:AlternateContent>
-</p:sld>
-</file>
-
 <file path=ppt/slides/slide33.xml><?xml version="1.0" encoding="utf-8"?>
 <p:sld xmlns:a="http://schemas.openxmlformats.org/drawingml/2006/main" xmlns:r="http://schemas.openxmlformats.org/officeDocument/2006/relationships" xmlns:p="http://schemas.openxmlformats.org/presentationml/2006/main" showMasterSp="0">
   <p:cSld>
@@ -20884,6 +21123,15 @@
               </a:rPr>
               <a:t>Preferred objections handling</a:t>
             </a:r>
+            <a:r>
+              <a:rPr lang="en-US" dirty="0">
+                <a:solidFill>
+                  <a:schemeClr val="tx1"/>
+                </a:solidFill>
+                <a:latin typeface="Segoe UI" panose="020B0502040204020203" pitchFamily="34" charset="0"/>
+              </a:rPr>
+              <a:t/>
+            </a:r>
             <a:br>
               <a:rPr lang="en-US" dirty="0">
                 <a:solidFill>
@@ -20913,8 +21161,8 @@
         </p:nvSpPr>
         <p:spPr>
           <a:xfrm>
-            <a:off x="271557" y="1077210"/>
-            <a:ext cx="11653523" cy="5463549"/>
+            <a:off x="269239" y="1189177"/>
+            <a:ext cx="11653523" cy="4782415"/>
           </a:xfrm>
         </p:spPr>
         <p:txBody>
@@ -20927,7 +21175,7 @@
               <a:buNone/>
             </a:pPr>
             <a:r>
-              <a:rPr lang="en-US" sz="3200" dirty="0">
+              <a:rPr lang="en-US" sz="2800" dirty="0">
                 <a:solidFill>
                   <a:schemeClr val="tx1"/>
                 </a:solidFill>
@@ -20940,20 +21188,17 @@
               <a:buNone/>
             </a:pPr>
             <a:r>
-              <a:rPr lang="en-US" sz="2400" dirty="0">
+              <a:rPr lang="en-US" sz="2000" dirty="0">
                 <a:solidFill>
                   <a:schemeClr val="tx1"/>
                 </a:solidFill>
                 <a:latin typeface="+mn-lt"/>
               </a:rPr>
-              <a:t>The director of Network Operations is under the impression that complex enterprise-grade networking scenarios, such as those that support n-tier applications, cannot be configured in hyper-scale public clouds. Trust comes slowly with this director. She will most likely need detailed solution plans, case studies, and even customer testimonials to help convince her of the viability of anything other than simple networking scenarios in Azure.</a:t>
-            </a:r>
-          </a:p>
-          <a:p>
-            <a:pPr marL="0" indent="0">
-              <a:buNone/>
-            </a:pPr>
-            <a:endParaRPr lang="en-US" sz="2400" dirty="0">
+              <a:t>As a financial institution, Woodgrove is under tight regulatory compliance requirements. Security is a key aspect of compliance and as such, it must be a key tenant of all operations including those related to technology. The corporate security officer is generally opposed to using services solely accessible over the public Internet. Services like Office 365, CRM, and other Microsoft SaaS offerings are off limits. Additionally, PaaS services accessed over the Internet are also unusable. It has relegated Woodgrove to private Azure services such as IaaS.</a:t>
+            </a:r>
+          </a:p>
+          <a:p>
+            <a:endParaRPr lang="en-US" sz="2000" dirty="0">
               <a:solidFill>
                 <a:schemeClr val="tx1"/>
               </a:solidFill>
@@ -20964,7 +21209,7 @@
               <a:buNone/>
             </a:pPr>
             <a:r>
-              <a:rPr lang="en-US" sz="3200" dirty="0">
+              <a:rPr lang="en-US" sz="2800" dirty="0">
                 <a:solidFill>
                   <a:schemeClr val="tx1"/>
                 </a:solidFill>
@@ -20977,57 +21222,35 @@
               <a:buNone/>
             </a:pPr>
             <a:r>
-              <a:rPr lang="en-US" sz="2400" dirty="0">
+              <a:rPr lang="en-US" sz="2000" dirty="0">
                 <a:solidFill>
                   <a:schemeClr val="tx1"/>
                 </a:solidFill>
                 <a:latin typeface="+mn-lt"/>
               </a:rPr>
-              <a:t>Azure supports many technologies that enable complex networking scenarios:</a:t>
-            </a:r>
-          </a:p>
-          <a:p>
-            <a:pPr lvl="1"/>
+              <a:t>Using ExpressRoute, Woodgrove can access and use Azure private and public services without traversing the Internet. This secure connectivity, in addition to the business-class SLAs and greater bandwidth, make ExpressRoute a compelling offering that addresses this objection.</a:t>
+            </a:r>
+          </a:p>
+          <a:p>
+            <a:endParaRPr lang="en-US" sz="2000" dirty="0">
+              <a:solidFill>
+                <a:schemeClr val="tx1"/>
+              </a:solidFill>
+              <a:latin typeface="+mn-lt"/>
+            </a:endParaRPr>
+          </a:p>
+          <a:p>
+            <a:pPr marL="0" indent="0">
+              <a:buNone/>
+            </a:pPr>
             <a:r>
               <a:rPr lang="en-US" sz="2000" dirty="0">
                 <a:solidFill>
                   <a:schemeClr val="tx1"/>
                 </a:solidFill>
-              </a:rPr>
-              <a:t>Internal and external load balancers</a:t>
-            </a:r>
-          </a:p>
-          <a:p>
-            <a:pPr lvl="1"/>
-            <a:r>
-              <a:rPr lang="en-US" sz="2000" dirty="0">
-                <a:solidFill>
-                  <a:schemeClr val="tx1"/>
-                </a:solidFill>
-              </a:rPr>
-              <a:t>Network security groups for traffic filtering</a:t>
-            </a:r>
-          </a:p>
-          <a:p>
-            <a:pPr lvl="1"/>
-            <a:r>
-              <a:rPr lang="en-US" sz="2000" dirty="0">
-                <a:solidFill>
-                  <a:schemeClr val="tx1"/>
-                </a:solidFill>
-              </a:rPr>
-              <a:t>Complex routing rules</a:t>
-            </a:r>
-          </a:p>
-          <a:p>
-            <a:pPr lvl="1"/>
-            <a:r>
-              <a:rPr lang="en-US" sz="2000" dirty="0">
-                <a:solidFill>
-                  <a:schemeClr val="tx1"/>
-                </a:solidFill>
-              </a:rPr>
-              <a:t>Network virtual appliances from well-known vendors like Barracuda, Cisco, and Checkpoint, etc.</a:t>
+                <a:latin typeface="+mn-lt"/>
+              </a:rPr>
+              <a:t>This can be further refined with the use of Virtual Network Service endpoints with offerings such as Azure SQL</a:t>
             </a:r>
           </a:p>
         </p:txBody>
@@ -21035,7 +21258,7 @@
     </p:spTree>
     <p:extLst>
       <p:ext uri="{BB962C8B-B14F-4D97-AF65-F5344CB8AC3E}">
-        <p14:creationId xmlns:p14="http://schemas.microsoft.com/office/powerpoint/2010/main" val="564329505"/>
+        <p14:creationId xmlns:p14="http://schemas.microsoft.com/office/powerpoint/2010/main" val="2371438961"/>
       </p:ext>
     </p:extLst>
   </p:cSld>
@@ -21096,6 +21319,15 @@
               </a:rPr>
               <a:t>Preferred objections handling</a:t>
             </a:r>
+            <a:r>
+              <a:rPr lang="en-US" dirty="0">
+                <a:solidFill>
+                  <a:schemeClr val="tx1"/>
+                </a:solidFill>
+                <a:latin typeface="Segoe UI" panose="020B0502040204020203" pitchFamily="34" charset="0"/>
+              </a:rPr>
+              <a:t/>
+            </a:r>
             <a:br>
               <a:rPr lang="en-US" dirty="0">
                 <a:solidFill>
@@ -21158,41 +21390,7 @@
                 </a:solidFill>
                 <a:latin typeface="+mn-lt"/>
               </a:rPr>
-              <a:t>The director of Network Operations also does not trust cloud security. She will need a strategy in place which allows Network Engineers the ability to analyze traffic flows and capture packets when needed for cloud-hosted resources.</a:t>
-            </a:r>
-          </a:p>
-          <a:p>
-            <a:endParaRPr lang="en-US" sz="2400" dirty="0">
-              <a:solidFill>
-                <a:schemeClr val="tx1"/>
-              </a:solidFill>
-            </a:endParaRPr>
-          </a:p>
-          <a:p>
-            <a:pPr marL="0" indent="0">
-              <a:buNone/>
-            </a:pPr>
-            <a:r>
-              <a:rPr lang="en-US" sz="3200" dirty="0">
-                <a:solidFill>
-                  <a:schemeClr val="tx1"/>
-                </a:solidFill>
-              </a:rPr>
-              <a:t>Potential answer</a:t>
-            </a:r>
-          </a:p>
-          <a:p>
-            <a:pPr marL="0" indent="0">
-              <a:buNone/>
-            </a:pPr>
-            <a:r>
-              <a:rPr lang="en-US" sz="2400" dirty="0">
-                <a:solidFill>
-                  <a:schemeClr val="tx1"/>
-                </a:solidFill>
-                <a:latin typeface="+mn-lt"/>
-              </a:rPr>
-              <a:t>Azure fully supports forced tunneling ensuring that all Internet traffic is directed to the desired site, be that in an Azure Virtual Network or on-premises. </a:t>
+              <a:t>The director of Network Operations is under the impression that complex enterprise-grade networking scenarios, such as those that support n-tier applications, cannot be configured in hyper-scale public clouds. Trust comes slowly with this director. She will most likely need detailed solution plans, case studies, and even customer testimonials to help convince her of the viability of anything other than simple networking scenarios in Azure.</a:t>
             </a:r>
           </a:p>
           <a:p>
@@ -21203,8 +21401,20 @@
               <a:solidFill>
                 <a:schemeClr val="tx1"/>
               </a:solidFill>
-              <a:latin typeface="+mn-lt"/>
             </a:endParaRPr>
+          </a:p>
+          <a:p>
+            <a:pPr marL="0" indent="0">
+              <a:buNone/>
+            </a:pPr>
+            <a:r>
+              <a:rPr lang="en-US" sz="3200" dirty="0">
+                <a:solidFill>
+                  <a:schemeClr val="tx1"/>
+                </a:solidFill>
+              </a:rPr>
+              <a:t>Potential answer</a:t>
+            </a:r>
           </a:p>
           <a:p>
             <a:pPr marL="0" indent="0">
@@ -21217,15 +21427,38 @@
                 </a:solidFill>
                 <a:latin typeface="+mn-lt"/>
               </a:rPr>
-              <a:t>All Internet traffic can easily be routed from Azure to an on-premises appliance for intrusion detection/prevention and logging.</a:t>
-            </a:r>
+              <a:t>Azure supports many critical enterprise-grade scenarios, including scenarios that require hybrid connectivity and high availability such as </a:t>
+            </a:r>
+            <a:r>
+              <a:rPr lang="en-US" sz="2400" dirty="0" err="1">
+                <a:solidFill>
+                  <a:schemeClr val="tx1"/>
+                </a:solidFill>
+                <a:latin typeface="+mn-lt"/>
+              </a:rPr>
+              <a:t>Woodgrove</a:t>
+            </a:r>
+            <a:r>
+              <a:rPr lang="en-US" sz="2400" dirty="0">
+                <a:solidFill>
+                  <a:schemeClr val="tx1"/>
+                </a:solidFill>
+                <a:latin typeface="+mn-lt"/>
+              </a:rPr>
+              <a:t>. Many of these scenarios are documented in the Azure Architecture Center with reference architectures that cover best practices. </a:t>
+            </a:r>
+            <a:endParaRPr lang="en-US" sz="2000" dirty="0">
+              <a:solidFill>
+                <a:schemeClr val="tx1"/>
+              </a:solidFill>
+            </a:endParaRPr>
           </a:p>
         </p:txBody>
       </p:sp>
     </p:spTree>
     <p:extLst>
       <p:ext uri="{BB962C8B-B14F-4D97-AF65-F5344CB8AC3E}">
-        <p14:creationId xmlns:p14="http://schemas.microsoft.com/office/powerpoint/2010/main" val="737539791"/>
+        <p14:creationId xmlns:p14="http://schemas.microsoft.com/office/powerpoint/2010/main" val="564329505"/>
       </p:ext>
     </p:extLst>
   </p:cSld>
@@ -21286,6 +21519,15 @@
               </a:rPr>
               <a:t>Preferred objections handling</a:t>
             </a:r>
+            <a:r>
+              <a:rPr lang="en-US" dirty="0">
+                <a:solidFill>
+                  <a:schemeClr val="tx1"/>
+                </a:solidFill>
+                <a:latin typeface="Segoe UI" panose="020B0502040204020203" pitchFamily="34" charset="0"/>
+              </a:rPr>
+              <a:t/>
+            </a:r>
             <a:br>
               <a:rPr lang="en-US" dirty="0">
                 <a:solidFill>
@@ -21329,7 +21571,7 @@
               <a:buNone/>
             </a:pPr>
             <a:r>
-              <a:rPr lang="en-US" sz="2800" dirty="0">
+              <a:rPr lang="en-US" sz="3200" dirty="0">
                 <a:solidFill>
                   <a:schemeClr val="tx1"/>
                 </a:solidFill>
@@ -21342,17 +21584,17 @@
               <a:buNone/>
             </a:pPr>
             <a:r>
-              <a:rPr lang="en-US" sz="2000" dirty="0">
+              <a:rPr lang="en-US" sz="2400" dirty="0">
                 <a:solidFill>
                   <a:schemeClr val="tx1"/>
                 </a:solidFill>
                 <a:latin typeface="+mn-lt"/>
               </a:rPr>
-              <a:t>The corporate compliance officer of Woodgrove must ensure compliance with many requirements to ensure his organization passes audits from both internal and external entities. One requirement is all outbound Internet requests must pass through an on-premises system that inspects and logs this traffic. The CCO is skeptical of IaaS solutions in Azure since "those VMs in the cloud can access the Internet directly.“</a:t>
-            </a:r>
-          </a:p>
-          <a:p>
-            <a:endParaRPr lang="en-US" sz="2000" dirty="0">
+              <a:t>The director of Network Operations also does not trust cloud security. She will need a strategy in place which allows Network Engineers the ability to analyze traffic flows and capture packets when needed for cloud-hosted resources.</a:t>
+            </a:r>
+          </a:p>
+          <a:p>
+            <a:endParaRPr lang="en-US" sz="2400" dirty="0">
               <a:solidFill>
                 <a:schemeClr val="tx1"/>
               </a:solidFill>
@@ -21363,7 +21605,7 @@
               <a:buNone/>
             </a:pPr>
             <a:r>
-              <a:rPr lang="en-US" sz="2800" dirty="0">
+              <a:rPr lang="en-US" sz="3200" dirty="0">
                 <a:solidFill>
                   <a:schemeClr val="tx1"/>
                 </a:solidFill>
@@ -21376,690 +21618,46 @@
               <a:buNone/>
             </a:pPr>
             <a:r>
-              <a:rPr lang="en-US" sz="2000" dirty="0">
+              <a:rPr lang="en-US" sz="2400" dirty="0">
                 <a:solidFill>
                   <a:schemeClr val="tx1"/>
                 </a:solidFill>
                 <a:latin typeface="+mn-lt"/>
               </a:rPr>
-              <a:t>The Azure Marketplace has hundreds of solutions from many different vendors. </a:t>
+              <a:t>Azure fully supports forced tunneling ensuring that all Internet traffic is directed to the desired site, be that in an Azure Virtual Network or on-premises. </a:t>
+            </a:r>
+          </a:p>
+          <a:p>
+            <a:pPr marL="0" indent="0">
+              <a:buNone/>
+            </a:pPr>
+            <a:endParaRPr lang="en-US" sz="2400" dirty="0">
+              <a:solidFill>
+                <a:schemeClr val="tx1"/>
+              </a:solidFill>
+              <a:latin typeface="+mn-lt"/>
+            </a:endParaRPr>
+          </a:p>
+          <a:p>
+            <a:pPr marL="0" indent="0">
+              <a:buNone/>
+            </a:pPr>
+            <a:r>
+              <a:rPr lang="en-US" sz="2400" dirty="0">
+                <a:solidFill>
+                  <a:schemeClr val="tx1"/>
+                </a:solidFill>
+                <a:latin typeface="+mn-lt"/>
+              </a:rPr>
+              <a:t>All Internet traffic can easily be routed from Azure to an on-premises appliance for intrusion detection/prevention and logging.</a:t>
             </a:r>
           </a:p>
         </p:txBody>
       </p:sp>
-      <p:grpSp>
-        <p:nvGrpSpPr>
-          <p:cNvPr id="5" name="Group 4" descr="Here is a list of approved vendors Opsgility trusts and works with." title="Vendors">
-            <a:extLst>
-              <a:ext uri="{FF2B5EF4-FFF2-40B4-BE49-F238E27FC236}">
-                <a16:creationId xmlns:a16="http://schemas.microsoft.com/office/drawing/2014/main" id="{97048E02-E517-45FC-A0E1-DD5A77323C51}"/>
-              </a:ext>
-            </a:extLst>
-          </p:cNvPr>
-          <p:cNvGrpSpPr/>
-          <p:nvPr/>
-        </p:nvGrpSpPr>
-        <p:grpSpPr>
-          <a:xfrm>
-            <a:off x="-12783" y="4582644"/>
-            <a:ext cx="12204783" cy="2275356"/>
-            <a:chOff x="-12783" y="4582644"/>
-            <a:chExt cx="12204783" cy="2275356"/>
-          </a:xfrm>
-        </p:grpSpPr>
-        <p:sp>
-          <p:nvSpPr>
-            <p:cNvPr id="4" name="Rectangle 3">
-              <a:extLst>
-                <a:ext uri="{FF2B5EF4-FFF2-40B4-BE49-F238E27FC236}">
-                  <a16:creationId xmlns:a16="http://schemas.microsoft.com/office/drawing/2014/main" id="{3793105C-0F8D-42A0-BA16-7E0E841D845A}"/>
-                </a:ext>
-              </a:extLst>
-            </p:cNvPr>
-            <p:cNvSpPr/>
-            <p:nvPr/>
-          </p:nvSpPr>
-          <p:spPr bwMode="auto">
-            <a:xfrm>
-              <a:off x="-12783" y="4582644"/>
-              <a:ext cx="12204783" cy="2275356"/>
-            </a:xfrm>
-            <a:prstGeom prst="rect">
-              <a:avLst/>
-            </a:prstGeom>
-            <a:solidFill>
-              <a:schemeClr val="tx1">
-                <a:lumMod val="85000"/>
-              </a:schemeClr>
-            </a:solidFill>
-            <a:ln>
-              <a:noFill/>
-              <a:headEnd type="none" w="med" len="med"/>
-              <a:tailEnd type="none" w="med" len="med"/>
-            </a:ln>
-            <a:effectLst/>
-          </p:spPr>
-          <p:style>
-            <a:lnRef idx="1">
-              <a:schemeClr val="accent2"/>
-            </a:lnRef>
-            <a:fillRef idx="3">
-              <a:schemeClr val="accent2"/>
-            </a:fillRef>
-            <a:effectRef idx="2">
-              <a:schemeClr val="accent2"/>
-            </a:effectRef>
-            <a:fontRef idx="minor">
-              <a:schemeClr val="lt1"/>
-            </a:fontRef>
-          </p:style>
-          <p:txBody>
-            <a:bodyPr rot="0" spcFirstLastPara="0" vertOverflow="overflow" horzOverflow="overflow" vert="horz" wrap="square" lIns="182880" tIns="146304" rIns="182880" bIns="146304" numCol="1" spcCol="0" rtlCol="0" fromWordArt="0" anchor="t" anchorCtr="0" forceAA="0" compatLnSpc="1">
-              <a:prstTxWarp prst="textNoShape">
-                <a:avLst/>
-              </a:prstTxWarp>
-              <a:noAutofit/>
-            </a:bodyPr>
-            <a:lstStyle/>
-            <a:p>
-              <a:pPr algn="ctr" defTabSz="932472" fontAlgn="base">
-                <a:lnSpc>
-                  <a:spcPct val="90000"/>
-                </a:lnSpc>
-                <a:spcBef>
-                  <a:spcPct val="0"/>
-                </a:spcBef>
-                <a:spcAft>
-                  <a:spcPct val="0"/>
-                </a:spcAft>
-              </a:pPr>
-              <a:endParaRPr lang="en-US" sz="2400" dirty="0">
-                <a:gradFill>
-                  <a:gsLst>
-                    <a:gs pos="0">
-                      <a:srgbClr val="FFFFFF"/>
-                    </a:gs>
-                    <a:gs pos="100000">
-                      <a:srgbClr val="FFFFFF"/>
-                    </a:gs>
-                  </a:gsLst>
-                  <a:lin ang="5400000" scaled="0"/>
-                </a:gradFill>
-                <a:ea typeface="Segoe UI" pitchFamily="34" charset="0"/>
-                <a:cs typeface="Segoe UI" pitchFamily="34" charset="0"/>
-              </a:endParaRPr>
-            </a:p>
-          </p:txBody>
-        </p:sp>
-        <p:pic>
-          <p:nvPicPr>
-            <p:cNvPr id="1026" name="Picture 2" descr="Cisco">
-              <a:extLst>
-                <a:ext uri="{FF2B5EF4-FFF2-40B4-BE49-F238E27FC236}">
-                  <a16:creationId xmlns:a16="http://schemas.microsoft.com/office/drawing/2014/main" id="{7C6E20E8-8AD9-4984-B46B-5AC9D6B93D24}"/>
-                </a:ext>
-              </a:extLst>
-            </p:cNvPr>
-            <p:cNvPicPr>
-              <a:picLocks noChangeAspect="1" noChangeArrowheads="1"/>
-            </p:cNvPicPr>
-            <p:nvPr/>
-          </p:nvPicPr>
-          <p:blipFill>
-            <a:blip r:embed="rId3">
-              <a:extLst>
-                <a:ext uri="{28A0092B-C50C-407E-A947-70E740481C1C}">
-                  <a14:useLocalDpi xmlns:a14="http://schemas.microsoft.com/office/drawing/2010/main" val="0"/>
-                </a:ext>
-              </a:extLst>
-            </a:blip>
-            <a:srcRect/>
-            <a:stretch>
-              <a:fillRect/>
-            </a:stretch>
-          </p:blipFill>
-          <p:spPr bwMode="auto">
-            <a:xfrm>
-              <a:off x="2461513" y="4765766"/>
-              <a:ext cx="1438275" cy="762000"/>
-            </a:xfrm>
-            <a:prstGeom prst="rect">
-              <a:avLst/>
-            </a:prstGeom>
-            <a:noFill/>
-            <a:extLst>
-              <a:ext uri="{909E8E84-426E-40DD-AFC4-6F175D3DCCD1}">
-                <a14:hiddenFill xmlns:a14="http://schemas.microsoft.com/office/drawing/2010/main">
-                  <a:solidFill>
-                    <a:srgbClr val="FFFFFF"/>
-                  </a:solidFill>
-                </a14:hiddenFill>
-              </a:ext>
-            </a:extLst>
-          </p:spPr>
-        </p:pic>
-        <p:pic>
-          <p:nvPicPr>
-            <p:cNvPr id="1028" name="Picture 4" descr="Check Point">
-              <a:extLst>
-                <a:ext uri="{FF2B5EF4-FFF2-40B4-BE49-F238E27FC236}">
-                  <a16:creationId xmlns:a16="http://schemas.microsoft.com/office/drawing/2014/main" id="{C3A8EB76-3100-4652-AEE9-1BA909B7C2DE}"/>
-                </a:ext>
-              </a:extLst>
-            </p:cNvPr>
-            <p:cNvPicPr>
-              <a:picLocks noChangeAspect="1" noChangeArrowheads="1"/>
-            </p:cNvPicPr>
-            <p:nvPr/>
-          </p:nvPicPr>
-          <p:blipFill>
-            <a:blip r:embed="rId4">
-              <a:extLst>
-                <a:ext uri="{28A0092B-C50C-407E-A947-70E740481C1C}">
-                  <a14:useLocalDpi xmlns:a14="http://schemas.microsoft.com/office/drawing/2010/main" val="0"/>
-                </a:ext>
-              </a:extLst>
-            </a:blip>
-            <a:srcRect/>
-            <a:stretch>
-              <a:fillRect/>
-            </a:stretch>
-          </p:blipFill>
-          <p:spPr bwMode="auto">
-            <a:xfrm>
-              <a:off x="295696" y="4763530"/>
-              <a:ext cx="1438275" cy="914400"/>
-            </a:xfrm>
-            <a:prstGeom prst="rect">
-              <a:avLst/>
-            </a:prstGeom>
-            <a:noFill/>
-            <a:extLst>
-              <a:ext uri="{909E8E84-426E-40DD-AFC4-6F175D3DCCD1}">
-                <a14:hiddenFill xmlns:a14="http://schemas.microsoft.com/office/drawing/2010/main">
-                  <a:solidFill>
-                    <a:srgbClr val="FFFFFF"/>
-                  </a:solidFill>
-                </a14:hiddenFill>
-              </a:ext>
-            </a:extLst>
-          </p:spPr>
-        </p:pic>
-        <p:pic>
-          <p:nvPicPr>
-            <p:cNvPr id="1030" name="Picture 6" descr="Fortinet">
-              <a:extLst>
-                <a:ext uri="{FF2B5EF4-FFF2-40B4-BE49-F238E27FC236}">
-                  <a16:creationId xmlns:a16="http://schemas.microsoft.com/office/drawing/2014/main" id="{0138E7A5-0FFE-4D63-876F-A55DB307FFBE}"/>
-                </a:ext>
-              </a:extLst>
-            </p:cNvPr>
-            <p:cNvPicPr>
-              <a:picLocks noChangeAspect="1" noChangeArrowheads="1"/>
-            </p:cNvPicPr>
-            <p:nvPr/>
-          </p:nvPicPr>
-          <p:blipFill>
-            <a:blip r:embed="rId5">
-              <a:extLst>
-                <a:ext uri="{28A0092B-C50C-407E-A947-70E740481C1C}">
-                  <a14:useLocalDpi xmlns:a14="http://schemas.microsoft.com/office/drawing/2010/main" val="0"/>
-                </a:ext>
-              </a:extLst>
-            </a:blip>
-            <a:srcRect/>
-            <a:stretch>
-              <a:fillRect/>
-            </a:stretch>
-          </p:blipFill>
-          <p:spPr bwMode="auto">
-            <a:xfrm>
-              <a:off x="8292214" y="5095332"/>
-              <a:ext cx="1438275" cy="180975"/>
-            </a:xfrm>
-            <a:prstGeom prst="rect">
-              <a:avLst/>
-            </a:prstGeom>
-            <a:noFill/>
-            <a:extLst>
-              <a:ext uri="{909E8E84-426E-40DD-AFC4-6F175D3DCCD1}">
-                <a14:hiddenFill xmlns:a14="http://schemas.microsoft.com/office/drawing/2010/main">
-                  <a:solidFill>
-                    <a:srgbClr val="FFFFFF"/>
-                  </a:solidFill>
-                </a14:hiddenFill>
-              </a:ext>
-            </a:extLst>
-          </p:spPr>
-        </p:pic>
-        <p:pic>
-          <p:nvPicPr>
-            <p:cNvPr id="1032" name="Picture 8" descr="Netgate">
-              <a:extLst>
-                <a:ext uri="{FF2B5EF4-FFF2-40B4-BE49-F238E27FC236}">
-                  <a16:creationId xmlns:a16="http://schemas.microsoft.com/office/drawing/2014/main" id="{882BE6A3-428A-476B-ADE8-15CBF1D8992A}"/>
-                </a:ext>
-              </a:extLst>
-            </p:cNvPr>
-            <p:cNvPicPr>
-              <a:picLocks noChangeAspect="1" noChangeArrowheads="1"/>
-            </p:cNvPicPr>
-            <p:nvPr/>
-          </p:nvPicPr>
-          <p:blipFill>
-            <a:blip r:embed="rId6">
-              <a:extLst>
-                <a:ext uri="{28A0092B-C50C-407E-A947-70E740481C1C}">
-                  <a14:useLocalDpi xmlns:a14="http://schemas.microsoft.com/office/drawing/2010/main" val="0"/>
-                </a:ext>
-              </a:extLst>
-            </a:blip>
-            <a:srcRect/>
-            <a:stretch>
-              <a:fillRect/>
-            </a:stretch>
-          </p:blipFill>
-          <p:spPr bwMode="auto">
-            <a:xfrm>
-              <a:off x="4369594" y="5955061"/>
-              <a:ext cx="1438275" cy="447675"/>
-            </a:xfrm>
-            <a:prstGeom prst="rect">
-              <a:avLst/>
-            </a:prstGeom>
-            <a:noFill/>
-            <a:extLst>
-              <a:ext uri="{909E8E84-426E-40DD-AFC4-6F175D3DCCD1}">
-                <a14:hiddenFill xmlns:a14="http://schemas.microsoft.com/office/drawing/2010/main">
-                  <a:solidFill>
-                    <a:srgbClr val="FFFFFF"/>
-                  </a:solidFill>
-                </a14:hiddenFill>
-              </a:ext>
-            </a:extLst>
-          </p:spPr>
-        </p:pic>
-        <p:pic>
-          <p:nvPicPr>
-            <p:cNvPr id="1034" name="Picture 10" descr="Imperva_Incapsula">
-              <a:extLst>
-                <a:ext uri="{FF2B5EF4-FFF2-40B4-BE49-F238E27FC236}">
-                  <a16:creationId xmlns:a16="http://schemas.microsoft.com/office/drawing/2014/main" id="{4862F8D2-5ECC-44B6-B009-08586E2D3985}"/>
-                </a:ext>
-              </a:extLst>
-            </p:cNvPr>
-            <p:cNvPicPr>
-              <a:picLocks noChangeAspect="1" noChangeArrowheads="1"/>
-            </p:cNvPicPr>
-            <p:nvPr/>
-          </p:nvPicPr>
-          <p:blipFill>
-            <a:blip r:embed="rId7">
-              <a:extLst>
-                <a:ext uri="{28A0092B-C50C-407E-A947-70E740481C1C}">
-                  <a14:useLocalDpi xmlns:a14="http://schemas.microsoft.com/office/drawing/2010/main" val="0"/>
-                </a:ext>
-              </a:extLst>
-            </a:blip>
-            <a:srcRect/>
-            <a:stretch>
-              <a:fillRect/>
-            </a:stretch>
-          </p:blipFill>
-          <p:spPr bwMode="auto">
-            <a:xfrm>
-              <a:off x="10458029" y="5051516"/>
-              <a:ext cx="1438275" cy="190500"/>
-            </a:xfrm>
-            <a:prstGeom prst="rect">
-              <a:avLst/>
-            </a:prstGeom>
-            <a:noFill/>
-            <a:extLst>
-              <a:ext uri="{909E8E84-426E-40DD-AFC4-6F175D3DCCD1}">
-                <a14:hiddenFill xmlns:a14="http://schemas.microsoft.com/office/drawing/2010/main">
-                  <a:solidFill>
-                    <a:srgbClr val="FFFFFF"/>
-                  </a:solidFill>
-                </a14:hiddenFill>
-              </a:ext>
-            </a:extLst>
-          </p:spPr>
-        </p:pic>
-        <p:pic>
-          <p:nvPicPr>
-            <p:cNvPr id="1036" name="Picture 12" descr="Palo Alto Networks">
-              <a:extLst>
-                <a:ext uri="{FF2B5EF4-FFF2-40B4-BE49-F238E27FC236}">
-                  <a16:creationId xmlns:a16="http://schemas.microsoft.com/office/drawing/2014/main" id="{73C428A7-3371-496F-B105-B7B5FDBCDA40}"/>
-                </a:ext>
-              </a:extLst>
-            </p:cNvPr>
-            <p:cNvPicPr>
-              <a:picLocks noChangeAspect="1" noChangeArrowheads="1"/>
-            </p:cNvPicPr>
-            <p:nvPr/>
-          </p:nvPicPr>
-          <p:blipFill>
-            <a:blip r:embed="rId8">
-              <a:extLst>
-                <a:ext uri="{28A0092B-C50C-407E-A947-70E740481C1C}">
-                  <a14:useLocalDpi xmlns:a14="http://schemas.microsoft.com/office/drawing/2010/main" val="0"/>
-                </a:ext>
-              </a:extLst>
-            </a:blip>
-            <a:srcRect/>
-            <a:stretch>
-              <a:fillRect/>
-            </a:stretch>
-          </p:blipFill>
-          <p:spPr bwMode="auto">
-            <a:xfrm>
-              <a:off x="6399073" y="5793136"/>
-              <a:ext cx="1438275" cy="771525"/>
-            </a:xfrm>
-            <a:prstGeom prst="rect">
-              <a:avLst/>
-            </a:prstGeom>
-            <a:noFill/>
-            <a:extLst>
-              <a:ext uri="{909E8E84-426E-40DD-AFC4-6F175D3DCCD1}">
-                <a14:hiddenFill xmlns:a14="http://schemas.microsoft.com/office/drawing/2010/main">
-                  <a:solidFill>
-                    <a:srgbClr val="FFFFFF"/>
-                  </a:solidFill>
-                </a14:hiddenFill>
-              </a:ext>
-            </a:extLst>
-          </p:spPr>
-        </p:pic>
-        <p:pic>
-          <p:nvPicPr>
-            <p:cNvPr id="1038" name="Picture 14" descr="Infoblox">
-              <a:extLst>
-                <a:ext uri="{FF2B5EF4-FFF2-40B4-BE49-F238E27FC236}">
-                  <a16:creationId xmlns:a16="http://schemas.microsoft.com/office/drawing/2014/main" id="{6D214010-8DCE-4783-900B-127AC32999E7}"/>
-                </a:ext>
-              </a:extLst>
-            </p:cNvPr>
-            <p:cNvPicPr>
-              <a:picLocks noChangeAspect="1" noChangeArrowheads="1"/>
-            </p:cNvPicPr>
-            <p:nvPr/>
-          </p:nvPicPr>
-          <p:blipFill>
-            <a:blip r:embed="rId9">
-              <a:extLst>
-                <a:ext uri="{28A0092B-C50C-407E-A947-70E740481C1C}">
-                  <a14:useLocalDpi xmlns:a14="http://schemas.microsoft.com/office/drawing/2010/main" val="0"/>
-                </a:ext>
-              </a:extLst>
-            </a:blip>
-            <a:srcRect/>
-            <a:stretch>
-              <a:fillRect/>
-            </a:stretch>
-          </p:blipFill>
-          <p:spPr bwMode="auto">
-            <a:xfrm>
-              <a:off x="310636" y="5997923"/>
-              <a:ext cx="1438275" cy="361950"/>
-            </a:xfrm>
-            <a:prstGeom prst="rect">
-              <a:avLst/>
-            </a:prstGeom>
-            <a:noFill/>
-            <a:extLst>
-              <a:ext uri="{909E8E84-426E-40DD-AFC4-6F175D3DCCD1}">
-                <a14:hiddenFill xmlns:a14="http://schemas.microsoft.com/office/drawing/2010/main">
-                  <a:solidFill>
-                    <a:srgbClr val="FFFFFF"/>
-                  </a:solidFill>
-                </a14:hiddenFill>
-              </a:ext>
-            </a:extLst>
-          </p:spPr>
-        </p:pic>
-        <p:pic>
-          <p:nvPicPr>
-            <p:cNvPr id="1040" name="Picture 16" descr="Citrix">
-              <a:extLst>
-                <a:ext uri="{FF2B5EF4-FFF2-40B4-BE49-F238E27FC236}">
-                  <a16:creationId xmlns:a16="http://schemas.microsoft.com/office/drawing/2014/main" id="{06FB653E-B01B-495E-B240-62EC0DEADDF6}"/>
-                </a:ext>
-              </a:extLst>
-            </p:cNvPr>
-            <p:cNvPicPr>
-              <a:picLocks noChangeAspect="1" noChangeArrowheads="1"/>
-            </p:cNvPicPr>
-            <p:nvPr/>
-          </p:nvPicPr>
-          <p:blipFill>
-            <a:blip r:embed="rId10">
-              <a:extLst>
-                <a:ext uri="{28A0092B-C50C-407E-A947-70E740481C1C}">
-                  <a14:useLocalDpi xmlns:a14="http://schemas.microsoft.com/office/drawing/2010/main" val="0"/>
-                </a:ext>
-              </a:extLst>
-            </a:blip>
-            <a:srcRect/>
-            <a:stretch>
-              <a:fillRect/>
-            </a:stretch>
-          </p:blipFill>
-          <p:spPr bwMode="auto">
-            <a:xfrm>
-              <a:off x="4627330" y="4861016"/>
-              <a:ext cx="1438275" cy="571500"/>
-            </a:xfrm>
-            <a:prstGeom prst="rect">
-              <a:avLst/>
-            </a:prstGeom>
-            <a:noFill/>
-            <a:extLst>
-              <a:ext uri="{909E8E84-426E-40DD-AFC4-6F175D3DCCD1}">
-                <a14:hiddenFill xmlns:a14="http://schemas.microsoft.com/office/drawing/2010/main">
-                  <a:solidFill>
-                    <a:srgbClr val="FFFFFF"/>
-                  </a:solidFill>
-                </a14:hiddenFill>
-              </a:ext>
-            </a:extLst>
-          </p:spPr>
-        </p:pic>
-        <p:pic>
-          <p:nvPicPr>
-            <p:cNvPr id="1042" name="Picture 18" descr="Riverbed">
-              <a:extLst>
-                <a:ext uri="{FF2B5EF4-FFF2-40B4-BE49-F238E27FC236}">
-                  <a16:creationId xmlns:a16="http://schemas.microsoft.com/office/drawing/2014/main" id="{C1F4C4BF-65A2-48E9-A6AF-7702874EF8B0}"/>
-                </a:ext>
-              </a:extLst>
-            </p:cNvPr>
-            <p:cNvPicPr>
-              <a:picLocks noChangeAspect="1" noChangeArrowheads="1"/>
-            </p:cNvPicPr>
-            <p:nvPr/>
-          </p:nvPicPr>
-          <p:blipFill>
-            <a:blip r:embed="rId11">
-              <a:extLst>
-                <a:ext uri="{28A0092B-C50C-407E-A947-70E740481C1C}">
-                  <a14:useLocalDpi xmlns:a14="http://schemas.microsoft.com/office/drawing/2010/main" val="0"/>
-                </a:ext>
-              </a:extLst>
-            </a:blip>
-            <a:srcRect/>
-            <a:stretch>
-              <a:fillRect/>
-            </a:stretch>
-          </p:blipFill>
-          <p:spPr bwMode="auto">
-            <a:xfrm>
-              <a:off x="8428552" y="5835998"/>
-              <a:ext cx="1438275" cy="685800"/>
-            </a:xfrm>
-            <a:prstGeom prst="rect">
-              <a:avLst/>
-            </a:prstGeom>
-            <a:noFill/>
-            <a:extLst>
-              <a:ext uri="{909E8E84-426E-40DD-AFC4-6F175D3DCCD1}">
-                <a14:hiddenFill xmlns:a14="http://schemas.microsoft.com/office/drawing/2010/main">
-                  <a:solidFill>
-                    <a:srgbClr val="FFFFFF"/>
-                  </a:solidFill>
-                </a14:hiddenFill>
-              </a:ext>
-            </a:extLst>
-          </p:spPr>
-        </p:pic>
-        <p:pic>
-          <p:nvPicPr>
-            <p:cNvPr id="1044" name="Picture 20" descr="F5">
-              <a:extLst>
-                <a:ext uri="{FF2B5EF4-FFF2-40B4-BE49-F238E27FC236}">
-                  <a16:creationId xmlns:a16="http://schemas.microsoft.com/office/drawing/2014/main" id="{3B5C9C37-C936-4AFB-B0F2-11DE4B107330}"/>
-                </a:ext>
-              </a:extLst>
-            </p:cNvPr>
-            <p:cNvPicPr>
-              <a:picLocks noChangeAspect="1" noChangeArrowheads="1"/>
-            </p:cNvPicPr>
-            <p:nvPr/>
-          </p:nvPicPr>
-          <p:blipFill>
-            <a:blip r:embed="rId12">
-              <a:extLst>
-                <a:ext uri="{28A0092B-C50C-407E-A947-70E740481C1C}">
-                  <a14:useLocalDpi xmlns:a14="http://schemas.microsoft.com/office/drawing/2010/main" val="0"/>
-                </a:ext>
-              </a:extLst>
-            </a:blip>
-            <a:srcRect/>
-            <a:stretch>
-              <a:fillRect/>
-            </a:stretch>
-          </p:blipFill>
-          <p:spPr bwMode="auto">
-            <a:xfrm>
-              <a:off x="6793147" y="4784816"/>
-              <a:ext cx="771525" cy="723900"/>
-            </a:xfrm>
-            <a:prstGeom prst="rect">
-              <a:avLst/>
-            </a:prstGeom>
-            <a:noFill/>
-            <a:extLst>
-              <a:ext uri="{909E8E84-426E-40DD-AFC4-6F175D3DCCD1}">
-                <a14:hiddenFill xmlns:a14="http://schemas.microsoft.com/office/drawing/2010/main">
-                  <a:solidFill>
-                    <a:srgbClr val="FFFFFF"/>
-                  </a:solidFill>
-                </a14:hiddenFill>
-              </a:ext>
-            </a:extLst>
-          </p:spPr>
-        </p:pic>
-        <p:pic>
-          <p:nvPicPr>
-            <p:cNvPr id="1046" name="Picture 22" descr="Kemp">
-              <a:extLst>
-                <a:ext uri="{FF2B5EF4-FFF2-40B4-BE49-F238E27FC236}">
-                  <a16:creationId xmlns:a16="http://schemas.microsoft.com/office/drawing/2014/main" id="{9FC6DFF5-A6F8-4EDC-88F7-3DC28EB12032}"/>
-                </a:ext>
-              </a:extLst>
-            </p:cNvPr>
-            <p:cNvPicPr>
-              <a:picLocks noChangeAspect="1" noChangeArrowheads="1"/>
-            </p:cNvPicPr>
-            <p:nvPr/>
-          </p:nvPicPr>
-          <p:blipFill>
-            <a:blip r:embed="rId13">
-              <a:extLst>
-                <a:ext uri="{28A0092B-C50C-407E-A947-70E740481C1C}">
-                  <a14:useLocalDpi xmlns:a14="http://schemas.microsoft.com/office/drawing/2010/main" val="0"/>
-                </a:ext>
-              </a:extLst>
-            </a:blip>
-            <a:srcRect/>
-            <a:stretch>
-              <a:fillRect/>
-            </a:stretch>
-          </p:blipFill>
-          <p:spPr bwMode="auto">
-            <a:xfrm>
-              <a:off x="2340115" y="5955061"/>
-              <a:ext cx="1438275" cy="447675"/>
-            </a:xfrm>
-            <a:prstGeom prst="rect">
-              <a:avLst/>
-            </a:prstGeom>
-            <a:noFill/>
-            <a:extLst>
-              <a:ext uri="{909E8E84-426E-40DD-AFC4-6F175D3DCCD1}">
-                <a14:hiddenFill xmlns:a14="http://schemas.microsoft.com/office/drawing/2010/main">
-                  <a:solidFill>
-                    <a:srgbClr val="FFFFFF"/>
-                  </a:solidFill>
-                </a14:hiddenFill>
-              </a:ext>
-            </a:extLst>
-          </p:spPr>
-        </p:pic>
-        <p:pic>
-          <p:nvPicPr>
-            <p:cNvPr id="1048" name="Picture 24" descr="TrendMicro">
-              <a:extLst>
-                <a:ext uri="{FF2B5EF4-FFF2-40B4-BE49-F238E27FC236}">
-                  <a16:creationId xmlns:a16="http://schemas.microsoft.com/office/drawing/2014/main" id="{FE1A4507-35C7-4A12-83EF-EB004A3F0709}"/>
-                </a:ext>
-              </a:extLst>
-            </p:cNvPr>
-            <p:cNvPicPr>
-              <a:picLocks noChangeAspect="1" noChangeArrowheads="1"/>
-            </p:cNvPicPr>
-            <p:nvPr/>
-          </p:nvPicPr>
-          <p:blipFill>
-            <a:blip r:embed="rId14">
-              <a:extLst>
-                <a:ext uri="{28A0092B-C50C-407E-A947-70E740481C1C}">
-                  <a14:useLocalDpi xmlns:a14="http://schemas.microsoft.com/office/drawing/2010/main" val="0"/>
-                </a:ext>
-              </a:extLst>
-            </a:blip>
-            <a:srcRect/>
-            <a:stretch>
-              <a:fillRect/>
-            </a:stretch>
-          </p:blipFill>
-          <p:spPr bwMode="auto">
-            <a:xfrm>
-              <a:off x="10458029" y="5864332"/>
-              <a:ext cx="1438275" cy="542925"/>
-            </a:xfrm>
-            <a:prstGeom prst="rect">
-              <a:avLst/>
-            </a:prstGeom>
-            <a:noFill/>
-            <a:extLst>
-              <a:ext uri="{909E8E84-426E-40DD-AFC4-6F175D3DCCD1}">
-                <a14:hiddenFill xmlns:a14="http://schemas.microsoft.com/office/drawing/2010/main">
-                  <a:solidFill>
-                    <a:srgbClr val="FFFFFF"/>
-                  </a:solidFill>
-                </a14:hiddenFill>
-              </a:ext>
-            </a:extLst>
-          </p:spPr>
-        </p:pic>
-      </p:grpSp>
     </p:spTree>
     <p:extLst>
       <p:ext uri="{BB962C8B-B14F-4D97-AF65-F5344CB8AC3E}">
-        <p14:creationId xmlns:p14="http://schemas.microsoft.com/office/powerpoint/2010/main" val="771222756"/>
+        <p14:creationId xmlns:p14="http://schemas.microsoft.com/office/powerpoint/2010/main" val="737539791"/>
       </p:ext>
     </p:extLst>
   </p:cSld>
@@ -22074,89 +21672,6 @@
       <p:transition/>
     </mc:Fallback>
   </mc:AlternateContent>
-  <p:timing>
-    <p:tnLst>
-      <p:par>
-        <p:cTn id="1" dur="indefinite" restart="never" nodeType="tmRoot">
-          <p:childTnLst>
-            <p:seq concurrent="1" nextAc="seek">
-              <p:cTn id="2" dur="indefinite" nodeType="mainSeq">
-                <p:childTnLst>
-                  <p:par>
-                    <p:cTn id="3" fill="hold">
-                      <p:stCondLst>
-                        <p:cond delay="indefinite"/>
-                      </p:stCondLst>
-                      <p:childTnLst>
-                        <p:par>
-                          <p:cTn id="4" fill="hold">
-                            <p:stCondLst>
-                              <p:cond delay="0"/>
-                            </p:stCondLst>
-                            <p:childTnLst>
-                              <p:par>
-                                <p:cTn id="5" presetID="22" presetClass="entr" presetSubtype="4" fill="hold" nodeType="clickEffect">
-                                  <p:stCondLst>
-                                    <p:cond delay="0"/>
-                                  </p:stCondLst>
-                                  <p:childTnLst>
-                                    <p:set>
-                                      <p:cBhvr>
-                                        <p:cTn id="6" dur="1" fill="hold">
-                                          <p:stCondLst>
-                                            <p:cond delay="0"/>
-                                          </p:stCondLst>
-                                        </p:cTn>
-                                        <p:tgtEl>
-                                          <p:spTgt spid="5"/>
-                                        </p:tgtEl>
-                                        <p:attrNameLst>
-                                          <p:attrName>style.visibility</p:attrName>
-                                        </p:attrNameLst>
-                                      </p:cBhvr>
-                                      <p:to>
-                                        <p:strVal val="visible"/>
-                                      </p:to>
-                                    </p:set>
-                                    <p:animEffect transition="in" filter="wipe(down)">
-                                      <p:cBhvr>
-                                        <p:cTn id="7" dur="500"/>
-                                        <p:tgtEl>
-                                          <p:spTgt spid="5"/>
-                                        </p:tgtEl>
-                                      </p:cBhvr>
-                                    </p:animEffect>
-                                  </p:childTnLst>
-                                </p:cTn>
-                              </p:par>
-                            </p:childTnLst>
-                          </p:cTn>
-                        </p:par>
-                      </p:childTnLst>
-                    </p:cTn>
-                  </p:par>
-                </p:childTnLst>
-              </p:cTn>
-              <p:prevCondLst>
-                <p:cond evt="onPrev" delay="0">
-                  <p:tgtEl>
-                    <p:sldTgt/>
-                  </p:tgtEl>
-                </p:cond>
-              </p:prevCondLst>
-              <p:nextCondLst>
-                <p:cond evt="onNext" delay="0">
-                  <p:tgtEl>
-                    <p:sldTgt/>
-                  </p:tgtEl>
-                </p:cond>
-              </p:nextCondLst>
-            </p:seq>
-          </p:childTnLst>
-        </p:cTn>
-      </p:par>
-    </p:tnLst>
-  </p:timing>
 </p:sld>
 </file>
 
@@ -22203,6 +21718,15 @@
               </a:rPr>
               <a:t>Preferred objections handling</a:t>
             </a:r>
+            <a:r>
+              <a:rPr lang="en-US" dirty="0">
+                <a:solidFill>
+                  <a:schemeClr val="tx1"/>
+                </a:solidFill>
+                <a:latin typeface="Segoe UI" panose="020B0502040204020203" pitchFamily="34" charset="0"/>
+              </a:rPr>
+              <a:t/>
+            </a:r>
             <a:br>
               <a:rPr lang="en-US" dirty="0">
                 <a:solidFill>
@@ -22246,7 +21770,7 @@
               <a:buNone/>
             </a:pPr>
             <a:r>
-              <a:rPr lang="en-US" sz="3200" dirty="0">
+              <a:rPr lang="en-US" sz="2800" dirty="0">
                 <a:solidFill>
                   <a:schemeClr val="tx1"/>
                 </a:solidFill>
@@ -22259,17 +21783,17 @@
               <a:buNone/>
             </a:pPr>
             <a:r>
-              <a:rPr lang="en-US" sz="2400" dirty="0">
+              <a:rPr lang="en-US" sz="2000" dirty="0">
                 <a:solidFill>
                   <a:schemeClr val="tx1"/>
                 </a:solidFill>
                 <a:latin typeface="+mn-lt"/>
               </a:rPr>
-              <a:t>Woodgrove has an arduous process for testing vendor-supplied solutions. In the network space, they have standardized on 3rd party solutions for network and application firewalls with existing vendors. They would like to use their trusted vendors to support cloud-based configurations as much as possible.</a:t>
-            </a:r>
-          </a:p>
-          <a:p>
-            <a:endParaRPr lang="en-US" sz="2400" dirty="0">
+              <a:t>The corporate compliance officer of Woodgrove must ensure compliance with many requirements to ensure his organization passes audits from both internal and external entities. One requirement is all outbound Internet requests must pass through an on-premises system that inspects and logs this traffic. The CCO is skeptical of IaaS solutions in Azure since "those VMs in the cloud can access the Internet directly.“</a:t>
+            </a:r>
+          </a:p>
+          <a:p>
+            <a:endParaRPr lang="en-US" sz="2000" dirty="0">
               <a:solidFill>
                 <a:schemeClr val="tx1"/>
               </a:solidFill>
@@ -22280,7 +21804,7 @@
               <a:buNone/>
             </a:pPr>
             <a:r>
-              <a:rPr lang="en-US" sz="3200" dirty="0">
+              <a:rPr lang="en-US" sz="2800" dirty="0">
                 <a:solidFill>
                   <a:schemeClr val="tx1"/>
                 </a:solidFill>
@@ -22293,38 +21817,13 @@
               <a:buNone/>
             </a:pPr>
             <a:r>
-              <a:rPr lang="en-US" sz="2400" dirty="0">
+              <a:rPr lang="en-US" sz="2000" dirty="0">
                 <a:solidFill>
                   <a:schemeClr val="tx1"/>
                 </a:solidFill>
                 <a:latin typeface="+mn-lt"/>
               </a:rPr>
-              <a:t>Azure supports packet capture through Network Watcher.</a:t>
-            </a:r>
-          </a:p>
-          <a:p>
-            <a:pPr marL="0" indent="0">
-              <a:buNone/>
-            </a:pPr>
-            <a:endParaRPr lang="en-US" sz="2400" dirty="0">
-              <a:solidFill>
-                <a:schemeClr val="tx1"/>
-              </a:solidFill>
-              <a:latin typeface="+mn-lt"/>
-            </a:endParaRPr>
-          </a:p>
-          <a:p>
-            <a:pPr marL="0" indent="0">
-              <a:buNone/>
-            </a:pPr>
-            <a:r>
-              <a:rPr lang="en-US" sz="2400" dirty="0">
-                <a:solidFill>
-                  <a:schemeClr val="tx1"/>
-                </a:solidFill>
-                <a:latin typeface="+mn-lt"/>
-              </a:rPr>
-              <a:t>Azure has full diagnostic support for traffic flows when network security groups are implemented with NSG flow logs.</a:t>
+              <a:t>Azure fully supports forced tunneling ensuring that all Internet traffic is directed to the desired site, be that in an Azure Virtual Network or on-premises. For example, all Internet traffic can easily be routed from Azure to an on-premises appliance for intrusion detection/prevention and logging.</a:t>
             </a:r>
           </a:p>
         </p:txBody>
@@ -22332,7 +21831,7 @@
     </p:spTree>
     <p:extLst>
       <p:ext uri="{BB962C8B-B14F-4D97-AF65-F5344CB8AC3E}">
-        <p14:creationId xmlns:p14="http://schemas.microsoft.com/office/powerpoint/2010/main" val="2159681515"/>
+        <p14:creationId xmlns:p14="http://schemas.microsoft.com/office/powerpoint/2010/main" val="771222756"/>
       </p:ext>
     </p:extLst>
   </p:cSld>
@@ -22392,6 +21891,15 @@
                 <a:cs typeface="Segoe UI" panose="020B0502040204020203" pitchFamily="34" charset="0"/>
               </a:rPr>
               <a:t>Customer quote</a:t>
+            </a:r>
+            <a:r>
+              <a:rPr lang="en-US" dirty="0">
+                <a:solidFill>
+                  <a:schemeClr val="tx1"/>
+                </a:solidFill>
+                <a:latin typeface="Segoe UI" panose="020B0502040204020203" pitchFamily="34" charset="0"/>
+              </a:rPr>
+              <a:t/>
             </a:r>
             <a:br>
               <a:rPr lang="en-US" dirty="0">
@@ -22596,6 +22104,15 @@
               </a:rPr>
               <a:t>Woodgrove Financial Services</a:t>
             </a:r>
+            <a:r>
+              <a:rPr lang="en-US" dirty="0">
+                <a:solidFill>
+                  <a:schemeClr val="tx1"/>
+                </a:solidFill>
+                <a:latin typeface="Segoe UI" panose="020B0502040204020203" pitchFamily="34" charset="0"/>
+              </a:rPr>
+              <a:t/>
+            </a:r>
             <a:br>
               <a:rPr lang="en-US" dirty="0">
                 <a:solidFill>
@@ -22784,6 +22301,15 @@
                 <a:cs typeface="Segoe UI" panose="020B0502040204020203" pitchFamily="34" charset="0"/>
               </a:rPr>
             </a:br>
+            <a:r>
+              <a:rPr lang="en-US" dirty="0">
+                <a:solidFill>
+                  <a:schemeClr val="tx1"/>
+                </a:solidFill>
+                <a:latin typeface="Segoe UI" panose="020B0502040204020203" pitchFamily="34" charset="0"/>
+              </a:rPr>
+              <a:t/>
+            </a:r>
             <a:br>
               <a:rPr lang="en-US" dirty="0">
                 <a:solidFill>
@@ -22953,6 +22479,15 @@
                 <a:cs typeface="Segoe UI" panose="020B0502040204020203" pitchFamily="34" charset="0"/>
               </a:rPr>
             </a:br>
+            <a:r>
+              <a:rPr lang="en-US" dirty="0">
+                <a:solidFill>
+                  <a:schemeClr val="tx1"/>
+                </a:solidFill>
+                <a:latin typeface="Segoe UI" panose="020B0502040204020203" pitchFamily="34" charset="0"/>
+              </a:rPr>
+              <a:t/>
+            </a:r>
             <a:br>
               <a:rPr lang="en-US" dirty="0">
                 <a:solidFill>
@@ -23147,6 +22682,15 @@
               </a:rPr>
               <a:t>Customer situation (continued)</a:t>
             </a:r>
+            <a:r>
+              <a:rPr lang="en-US" dirty="0">
+                <a:solidFill>
+                  <a:schemeClr val="tx1"/>
+                </a:solidFill>
+                <a:latin typeface="Segoe UI" panose="020B0502040204020203" pitchFamily="34" charset="0"/>
+              </a:rPr>
+              <a:t/>
+            </a:r>
             <a:br>
               <a:rPr lang="en-US" dirty="0">
                 <a:solidFill>
@@ -23324,6 +22868,15 @@
               </a:rPr>
               <a:t>Customer situation (continued)</a:t>
             </a:r>
+            <a:r>
+              <a:rPr lang="en-US" dirty="0">
+                <a:solidFill>
+                  <a:schemeClr val="tx1"/>
+                </a:solidFill>
+                <a:latin typeface="Segoe UI" panose="020B0502040204020203" pitchFamily="34" charset="0"/>
+              </a:rPr>
+              <a:t/>
+            </a:r>
             <a:br>
               <a:rPr lang="en-US" dirty="0">
                 <a:solidFill>
@@ -23395,19 +22948,24 @@
                   <a:srgbClr val="FFFFFF"/>
                 </a:solidFill>
               </a:rPr>
-              <a:t>To support their strategy of embracing cloud technologies, network and security team have agreed not to redirect Internet traffic via their on-premises security gateway for this deployment. They are looking for a cloud-native security solution. This is something they want to pilot on a low risk workload and it requires a separate cloud deployment.</a:t>
-            </a:r>
-          </a:p>
-          <a:p>
-            <a:pPr marL="0" lvl="0" indent="0" defTabSz="685710">
-              <a:spcBef>
-                <a:spcPts val="1176"/>
-              </a:spcBef>
-              <a:spcAft>
-                <a:spcPts val="600"/>
-              </a:spcAft>
-              <a:buNone/>
-            </a:pPr>
+              <a:t>To support the strategy of embracing cloud technologies, Network and security team are considering alternatives to redirecting </a:t>
+            </a:r>
+            <a:r>
+              <a:rPr lang="en-US" sz="3600" dirty="0" smtClean="0">
+                <a:solidFill>
+                  <a:srgbClr val="FFFFFF"/>
+                </a:solidFill>
+              </a:rPr>
+              <a:t>Internet </a:t>
+            </a:r>
+            <a:r>
+              <a:rPr lang="en-US" sz="3600" dirty="0">
+                <a:solidFill>
+                  <a:srgbClr val="FFFFFF"/>
+                </a:solidFill>
+              </a:rPr>
+              <a:t>traffic via an on-premises security gateway for this deployment. They are looking for a Cloud-native security solution.</a:t>
+            </a:r>
             <a:endParaRPr lang="en-US" sz="3600" dirty="0">
               <a:solidFill>
                 <a:srgbClr val="FFFFFF"/>
@@ -23489,6 +23047,15 @@
                 <a:cs typeface="Segoe UI" panose="020B0502040204020203" pitchFamily="34" charset="0"/>
               </a:rPr>
             </a:br>
+            <a:r>
+              <a:rPr lang="en-US" dirty="0">
+                <a:solidFill>
+                  <a:schemeClr val="tx1"/>
+                </a:solidFill>
+                <a:latin typeface="Segoe UI" panose="020B0502040204020203" pitchFamily="34" charset="0"/>
+              </a:rPr>
+              <a:t/>
+            </a:r>
             <a:br>
               <a:rPr lang="en-US" dirty="0">
                 <a:solidFill>
@@ -23511,7 +23078,7 @@
           <p:cNvPr id="4" name="Snagit_PPTF0EC" descr="The diagram of Woodgrove's current scenario has a cloud at the top, city locations below the cloud, and branches and one headquarters below the cities. Two of the cities - Plano Texas and Chicago Illinois - connect to the cloud with 500 Mbps connections. Mexico City Mexico, the third city, connect with a 100 Mbps connection. Plano and Chicago connect to each other wisth 5 Gbps connections, while Chicago and Mexico connect with a 200 Mbps, and 100 Mbps connections. Mexico City has three branch offices with 50 Mbps connections, while Plano and Chicago share four branch offices and headquarters. Connections between Chicago / Plano and the branches vary between 100 Mbps and 200 Mbps. The connection with headquarters is 200Mbps." title="Woodgrove current scenario diagram">
             <a:extLst>
               <a:ext uri="{FF2B5EF4-FFF2-40B4-BE49-F238E27FC236}">
-                <a16:creationId xmlns:a16="http://schemas.microsoft.com/office/drawing/2014/main" id="{16D5538D-D310-4239-AF23-23FA5F857484}"/>
+                <a16:creationId xmlns:a16="http://schemas.microsoft.com/office/drawing/2014/main" xmlns="" id="{16D5538D-D310-4239-AF23-23FA5F857484}"/>
               </a:ext>
             </a:extLst>
           </p:cNvPr>
@@ -23859,7 +23426,7 @@
   <a:extraClrSchemeLst/>
   <a:extLst>
     <a:ext uri="{05A4C25C-085E-4340-85A3-A5531E510DB2}">
-      <thm15:themeFamily xmlns:thm15="http://schemas.microsoft.com/office/thememl/2012/main" name="STB_Template_16-9_Sept2013_v12.potx" id="{9C7765DE-A674-4011-A212-5D742AF30369}" vid="{5465D01F-9AE6-47ED-AC67-4D8944814AA9}"/>
+      <thm15:themeFamily xmlns:thm15="http://schemas.microsoft.com/office/thememl/2012/main" xmlns="" name="STB_Template_16-9_Sept2013_v12.potx" id="{9C7765DE-A674-4011-A212-5D742AF30369}" vid="{5465D01F-9AE6-47ED-AC67-4D8944814AA9}"/>
     </a:ext>
   </a:extLst>
 </a:theme>
@@ -24161,7 +23728,7 @@
   <a:extraClrSchemeLst/>
   <a:extLst>
     <a:ext uri="{05A4C25C-085E-4340-85A3-A5531E510DB2}">
-      <thm15:themeFamily xmlns:thm15="http://schemas.microsoft.com/office/thememl/2012/main" name="S4_Q3_FY17_Template.potx" id="{2234CBF7-E2BD-4A8C-B252-208C4EEC6E00}" vid="{F12CDBBA-5821-4B47-80F9-5CAEB4A048D0}"/>
+      <thm15:themeFamily xmlns:thm15="http://schemas.microsoft.com/office/thememl/2012/main" xmlns="" name="S4_Q3_FY17_Template.potx" id="{2234CBF7-E2BD-4A8C-B252-208C4EEC6E00}" vid="{F12CDBBA-5821-4B47-80F9-5CAEB4A048D0}"/>
     </a:ext>
   </a:extLst>
 </a:theme>
@@ -24422,7 +23989,7 @@
   <a:extraClrSchemeLst/>
   <a:extLst>
     <a:ext uri="{05A4C25C-085E-4340-85A3-A5531E510DB2}">
-      <thm15:themeFamily xmlns:thm15="http://schemas.microsoft.com/office/thememl/2012/main" name="Office Theme" id="{62F939B6-93AF-4DB8-9C6B-D6C7DFDC589F}" vid="{4A3C46E8-61CC-4603-A589-7422A47A8E4A}"/>
+      <thm15:themeFamily xmlns:thm15="http://schemas.microsoft.com/office/thememl/2012/main" xmlns="" name="Office Theme" id="{62F939B6-93AF-4DB8-9C6B-D6C7DFDC589F}" vid="{4A3C46E8-61CC-4603-A589-7422A47A8E4A}"/>
     </a:ext>
   </a:extLst>
 </a:theme>
